--- a/physical_property/pKa/transition_networks/transition-networks.pptx
+++ b/physical_property/pKa/transition_networks/transition-networks.pptx
@@ -811,7 +811,7 @@
   <p:cSld>
     <p:spTree>
       <p:nvGrpSpPr>
-        <p:cNvPr id="304" name="Shape 304"/>
+        <p:cNvPr id="310" name="Shape 310"/>
         <p:cNvGrpSpPr/>
         <p:nvPr/>
       </p:nvGrpSpPr>
@@ -825,7 +825,7 @@
       </p:grpSpPr>
       <p:sp>
         <p:nvSpPr>
-          <p:cNvPr id="305" name="Google Shape;305;g9cb9aede7f_2_196:notes"/>
+          <p:cNvPr id="311" name="Google Shape;311;g9cb9aede7f_2_196:notes"/>
           <p:cNvSpPr/>
           <p:nvPr>
             <p:ph idx="2" type="sldImg"/>
@@ -860,7 +860,7 @@
       </p:sp>
       <p:sp>
         <p:nvSpPr>
-          <p:cNvPr id="306" name="Google Shape;306;g9cb9aede7f_2_196:notes"/>
+          <p:cNvPr id="312" name="Google Shape;312;g9cb9aede7f_2_196:notes"/>
           <p:cNvSpPr txBox="1"/>
           <p:nvPr>
             <p:ph idx="1" type="body"/>
@@ -910,7 +910,7 @@
   <p:cSld>
     <p:spTree>
       <p:nvGrpSpPr>
-        <p:cNvPr id="323" name="Shape 323"/>
+        <p:cNvPr id="334" name="Shape 334"/>
         <p:cNvGrpSpPr/>
         <p:nvPr/>
       </p:nvGrpSpPr>
@@ -924,7 +924,7 @@
       </p:grpSpPr>
       <p:sp>
         <p:nvSpPr>
-          <p:cNvPr id="324" name="Google Shape;324;g98334362cf_0_241:notes"/>
+          <p:cNvPr id="335" name="Google Shape;335;g98334362cf_0_241:notes"/>
           <p:cNvSpPr/>
           <p:nvPr>
             <p:ph idx="2" type="sldImg"/>
@@ -959,7 +959,7 @@
       </p:sp>
       <p:sp>
         <p:nvSpPr>
-          <p:cNvPr id="325" name="Google Shape;325;g98334362cf_0_241:notes"/>
+          <p:cNvPr id="336" name="Google Shape;336;g98334362cf_0_241:notes"/>
           <p:cNvSpPr txBox="1"/>
           <p:nvPr>
             <p:ph idx="1" type="body"/>
@@ -1009,7 +1009,7 @@
   <p:cSld>
     <p:spTree>
       <p:nvGrpSpPr>
-        <p:cNvPr id="355" name="Shape 355"/>
+        <p:cNvPr id="366" name="Shape 366"/>
         <p:cNvGrpSpPr/>
         <p:nvPr/>
       </p:nvGrpSpPr>
@@ -1023,7 +1023,7 @@
       </p:grpSpPr>
       <p:sp>
         <p:nvSpPr>
-          <p:cNvPr id="356" name="Google Shape;356;g9cb9aede7f_2_217:notes"/>
+          <p:cNvPr id="367" name="Google Shape;367;g9cb9aede7f_2_217:notes"/>
           <p:cNvSpPr/>
           <p:nvPr>
             <p:ph idx="2" type="sldImg"/>
@@ -1058,7 +1058,7 @@
       </p:sp>
       <p:sp>
         <p:nvSpPr>
-          <p:cNvPr id="357" name="Google Shape;357;g9cb9aede7f_2_217:notes"/>
+          <p:cNvPr id="368" name="Google Shape;368;g9cb9aede7f_2_217:notes"/>
           <p:cNvSpPr txBox="1"/>
           <p:nvPr>
             <p:ph idx="1" type="body"/>
@@ -1108,7 +1108,7 @@
   <p:cSld>
     <p:spTree>
       <p:nvGrpSpPr>
-        <p:cNvPr id="387" name="Shape 387"/>
+        <p:cNvPr id="398" name="Shape 398"/>
         <p:cNvGrpSpPr/>
         <p:nvPr/>
       </p:nvGrpSpPr>
@@ -1122,7 +1122,7 @@
       </p:grpSpPr>
       <p:sp>
         <p:nvSpPr>
-          <p:cNvPr id="388" name="Google Shape;388;g98334362cf_0_80:notes"/>
+          <p:cNvPr id="399" name="Google Shape;399;g98334362cf_0_80:notes"/>
           <p:cNvSpPr/>
           <p:nvPr>
             <p:ph idx="2" type="sldImg"/>
@@ -1157,7 +1157,7 @@
       </p:sp>
       <p:sp>
         <p:nvSpPr>
-          <p:cNvPr id="389" name="Google Shape;389;g98334362cf_0_80:notes"/>
+          <p:cNvPr id="400" name="Google Shape;400;g98334362cf_0_80:notes"/>
           <p:cNvSpPr txBox="1"/>
           <p:nvPr>
             <p:ph idx="1" type="body"/>
@@ -1207,7 +1207,7 @@
   <p:cSld>
     <p:spTree>
       <p:nvGrpSpPr>
-        <p:cNvPr id="435" name="Shape 435"/>
+        <p:cNvPr id="446" name="Shape 446"/>
         <p:cNvGrpSpPr/>
         <p:nvPr/>
       </p:nvGrpSpPr>
@@ -1221,7 +1221,7 @@
       </p:grpSpPr>
       <p:sp>
         <p:nvSpPr>
-          <p:cNvPr id="436" name="Google Shape;436;g9cb9aede7f_2_253:notes"/>
+          <p:cNvPr id="447" name="Google Shape;447;g9cb9aede7f_2_253:notes"/>
           <p:cNvSpPr/>
           <p:nvPr>
             <p:ph idx="2" type="sldImg"/>
@@ -1256,7 +1256,7 @@
       </p:sp>
       <p:sp>
         <p:nvSpPr>
-          <p:cNvPr id="437" name="Google Shape;437;g9cb9aede7f_2_253:notes"/>
+          <p:cNvPr id="448" name="Google Shape;448;g9cb9aede7f_2_253:notes"/>
           <p:cNvSpPr txBox="1"/>
           <p:nvPr>
             <p:ph idx="1" type="body"/>
@@ -1306,7 +1306,7 @@
   <p:cSld>
     <p:spTree>
       <p:nvGrpSpPr>
-        <p:cNvPr id="454" name="Shape 454"/>
+        <p:cNvPr id="465" name="Shape 465"/>
         <p:cNvGrpSpPr/>
         <p:nvPr/>
       </p:nvGrpSpPr>
@@ -1320,7 +1320,7 @@
       </p:grpSpPr>
       <p:sp>
         <p:nvSpPr>
-          <p:cNvPr id="455" name="Google Shape;455;g9cb9aede7f_2_274:notes"/>
+          <p:cNvPr id="466" name="Google Shape;466;g9cb9aede7f_2_274:notes"/>
           <p:cNvSpPr/>
           <p:nvPr>
             <p:ph idx="2" type="sldImg"/>
@@ -1355,7 +1355,7 @@
       </p:sp>
       <p:sp>
         <p:nvSpPr>
-          <p:cNvPr id="456" name="Google Shape;456;g9cb9aede7f_2_274:notes"/>
+          <p:cNvPr id="467" name="Google Shape;467;g9cb9aede7f_2_274:notes"/>
           <p:cNvSpPr txBox="1"/>
           <p:nvPr>
             <p:ph idx="1" type="body"/>
@@ -1405,7 +1405,7 @@
   <p:cSld>
     <p:spTree>
       <p:nvGrpSpPr>
-        <p:cNvPr id="473" name="Shape 473"/>
+        <p:cNvPr id="484" name="Shape 484"/>
         <p:cNvGrpSpPr/>
         <p:nvPr/>
       </p:nvGrpSpPr>
@@ -1419,7 +1419,7 @@
       </p:grpSpPr>
       <p:sp>
         <p:nvSpPr>
-          <p:cNvPr id="474" name="Google Shape;474;g98334362cf_0_114:notes"/>
+          <p:cNvPr id="485" name="Google Shape;485;g98334362cf_0_114:notes"/>
           <p:cNvSpPr/>
           <p:nvPr>
             <p:ph idx="2" type="sldImg"/>
@@ -1454,7 +1454,7 @@
       </p:sp>
       <p:sp>
         <p:nvSpPr>
-          <p:cNvPr id="475" name="Google Shape;475;g98334362cf_0_114:notes"/>
+          <p:cNvPr id="486" name="Google Shape;486;g98334362cf_0_114:notes"/>
           <p:cNvSpPr txBox="1"/>
           <p:nvPr>
             <p:ph idx="1" type="body"/>
@@ -1504,7 +1504,7 @@
   <p:cSld>
     <p:spTree>
       <p:nvGrpSpPr>
-        <p:cNvPr id="497" name="Shape 497"/>
+        <p:cNvPr id="508" name="Shape 508"/>
         <p:cNvGrpSpPr/>
         <p:nvPr/>
       </p:nvGrpSpPr>
@@ -1518,7 +1518,7 @@
       </p:grpSpPr>
       <p:sp>
         <p:nvSpPr>
-          <p:cNvPr id="498" name="Google Shape;498;g98334362cf_0_142:notes"/>
+          <p:cNvPr id="509" name="Google Shape;509;g98334362cf_0_142:notes"/>
           <p:cNvSpPr/>
           <p:nvPr>
             <p:ph idx="2" type="sldImg"/>
@@ -1553,7 +1553,7 @@
       </p:sp>
       <p:sp>
         <p:nvSpPr>
-          <p:cNvPr id="499" name="Google Shape;499;g98334362cf_0_142:notes"/>
+          <p:cNvPr id="510" name="Google Shape;510;g98334362cf_0_142:notes"/>
           <p:cNvSpPr txBox="1"/>
           <p:nvPr>
             <p:ph idx="1" type="body"/>
@@ -1603,7 +1603,7 @@
   <p:cSld>
     <p:spTree>
       <p:nvGrpSpPr>
-        <p:cNvPr id="521" name="Shape 521"/>
+        <p:cNvPr id="532" name="Shape 532"/>
         <p:cNvGrpSpPr/>
         <p:nvPr/>
       </p:nvGrpSpPr>
@@ -1617,7 +1617,7 @@
       </p:grpSpPr>
       <p:sp>
         <p:nvSpPr>
-          <p:cNvPr id="522" name="Google Shape;522;g9aaa9d333b_1_231:notes"/>
+          <p:cNvPr id="533" name="Google Shape;533;g9aaa9d333b_1_231:notes"/>
           <p:cNvSpPr/>
           <p:nvPr>
             <p:ph idx="2" type="sldImg"/>
@@ -1652,7 +1652,7 @@
       </p:sp>
       <p:sp>
         <p:nvSpPr>
-          <p:cNvPr id="523" name="Google Shape;523;g9aaa9d333b_1_231:notes"/>
+          <p:cNvPr id="534" name="Google Shape;534;g9aaa9d333b_1_231:notes"/>
           <p:cNvSpPr txBox="1"/>
           <p:nvPr>
             <p:ph idx="1" type="body"/>
@@ -1702,7 +1702,7 @@
   <p:cSld>
     <p:spTree>
       <p:nvGrpSpPr>
-        <p:cNvPr id="553" name="Shape 553"/>
+        <p:cNvPr id="564" name="Shape 564"/>
         <p:cNvGrpSpPr/>
         <p:nvPr/>
       </p:nvGrpSpPr>
@@ -1716,7 +1716,7 @@
       </p:grpSpPr>
       <p:sp>
         <p:nvSpPr>
-          <p:cNvPr id="554" name="Google Shape;554;g9aaa9d333b_1_145:notes"/>
+          <p:cNvPr id="565" name="Google Shape;565;g9aaa9d333b_1_145:notes"/>
           <p:cNvSpPr/>
           <p:nvPr>
             <p:ph idx="2" type="sldImg"/>
@@ -1751,7 +1751,7 @@
       </p:sp>
       <p:sp>
         <p:nvSpPr>
-          <p:cNvPr id="555" name="Google Shape;555;g9aaa9d333b_1_145:notes"/>
+          <p:cNvPr id="566" name="Google Shape;566;g9aaa9d333b_1_145:notes"/>
           <p:cNvSpPr txBox="1"/>
           <p:nvPr>
             <p:ph idx="1" type="body"/>
@@ -1900,7 +1900,7 @@
   <p:cSld>
     <p:spTree>
       <p:nvGrpSpPr>
-        <p:cNvPr id="601" name="Shape 601"/>
+        <p:cNvPr id="612" name="Shape 612"/>
         <p:cNvGrpSpPr/>
         <p:nvPr/>
       </p:nvGrpSpPr>
@@ -1914,7 +1914,7 @@
       </p:grpSpPr>
       <p:sp>
         <p:nvSpPr>
-          <p:cNvPr id="602" name="Google Shape;602;g98334362cf_0_187:notes"/>
+          <p:cNvPr id="613" name="Google Shape;613;g98334362cf_0_187:notes"/>
           <p:cNvSpPr/>
           <p:nvPr>
             <p:ph idx="2" type="sldImg"/>
@@ -1949,7 +1949,7 @@
       </p:sp>
       <p:sp>
         <p:nvSpPr>
-          <p:cNvPr id="603" name="Google Shape;603;g98334362cf_0_187:notes"/>
+          <p:cNvPr id="614" name="Google Shape;614;g98334362cf_0_187:notes"/>
           <p:cNvSpPr txBox="1"/>
           <p:nvPr>
             <p:ph idx="1" type="body"/>
@@ -1999,7 +1999,7 @@
   <p:cSld>
     <p:spTree>
       <p:nvGrpSpPr>
-        <p:cNvPr id="625" name="Shape 625"/>
+        <p:cNvPr id="636" name="Shape 636"/>
         <p:cNvGrpSpPr/>
         <p:nvPr/>
       </p:nvGrpSpPr>
@@ -2013,7 +2013,7 @@
       </p:grpSpPr>
       <p:sp>
         <p:nvSpPr>
-          <p:cNvPr id="626" name="Google Shape;626;g98334362cf_0_199:notes"/>
+          <p:cNvPr id="637" name="Google Shape;637;g98334362cf_0_199:notes"/>
           <p:cNvSpPr/>
           <p:nvPr>
             <p:ph idx="2" type="sldImg"/>
@@ -2048,7 +2048,7 @@
       </p:sp>
       <p:sp>
         <p:nvSpPr>
-          <p:cNvPr id="627" name="Google Shape;627;g98334362cf_0_199:notes"/>
+          <p:cNvPr id="638" name="Google Shape;638;g98334362cf_0_199:notes"/>
           <p:cNvSpPr txBox="1"/>
           <p:nvPr>
             <p:ph idx="1" type="body"/>
@@ -2098,7 +2098,7 @@
   <p:cSld>
     <p:spTree>
       <p:nvGrpSpPr>
-        <p:cNvPr id="649" name="Shape 649"/>
+        <p:cNvPr id="660" name="Shape 660"/>
         <p:cNvGrpSpPr/>
         <p:nvPr/>
       </p:nvGrpSpPr>
@@ -2112,7 +2112,7 @@
       </p:grpSpPr>
       <p:sp>
         <p:nvSpPr>
-          <p:cNvPr id="650" name="Google Shape;650;g9aaa9d333b_1_195:notes"/>
+          <p:cNvPr id="661" name="Google Shape;661;g9aaa9d333b_1_195:notes"/>
           <p:cNvSpPr/>
           <p:nvPr>
             <p:ph idx="2" type="sldImg"/>
@@ -2147,7 +2147,7 @@
       </p:sp>
       <p:sp>
         <p:nvSpPr>
-          <p:cNvPr id="651" name="Google Shape;651;g9aaa9d333b_1_195:notes"/>
+          <p:cNvPr id="662" name="Google Shape;662;g9aaa9d333b_1_195:notes"/>
           <p:cNvSpPr txBox="1"/>
           <p:nvPr>
             <p:ph idx="1" type="body"/>
@@ -2692,7 +2692,7 @@
   <p:cSld>
     <p:spTree>
       <p:nvGrpSpPr>
-        <p:cNvPr id="266" name="Shape 266"/>
+        <p:cNvPr id="272" name="Shape 272"/>
         <p:cNvGrpSpPr/>
         <p:nvPr/>
       </p:nvGrpSpPr>
@@ -2706,7 +2706,7 @@
       </p:grpSpPr>
       <p:sp>
         <p:nvSpPr>
-          <p:cNvPr id="267" name="Google Shape;267;g9cb9aede7f_2_154:notes"/>
+          <p:cNvPr id="273" name="Google Shape;273;g9cb9aede7f_2_154:notes"/>
           <p:cNvSpPr/>
           <p:nvPr>
             <p:ph idx="2" type="sldImg"/>
@@ -2741,7 +2741,7 @@
       </p:sp>
       <p:sp>
         <p:nvSpPr>
-          <p:cNvPr id="268" name="Google Shape;268;g9cb9aede7f_2_154:notes"/>
+          <p:cNvPr id="274" name="Google Shape;274;g9cb9aede7f_2_154:notes"/>
           <p:cNvSpPr txBox="1"/>
           <p:nvPr>
             <p:ph idx="1" type="body"/>
@@ -2791,7 +2791,7 @@
   <p:cSld>
     <p:spTree>
       <p:nvGrpSpPr>
-        <p:cNvPr id="285" name="Shape 285"/>
+        <p:cNvPr id="291" name="Shape 291"/>
         <p:cNvGrpSpPr/>
         <p:nvPr/>
       </p:nvGrpSpPr>
@@ -2805,7 +2805,7 @@
       </p:grpSpPr>
       <p:sp>
         <p:nvSpPr>
-          <p:cNvPr id="286" name="Google Shape;286;g9cb9aede7f_2_175:notes"/>
+          <p:cNvPr id="292" name="Google Shape;292;g9cb9aede7f_2_175:notes"/>
           <p:cNvSpPr/>
           <p:nvPr>
             <p:ph idx="2" type="sldImg"/>
@@ -2840,7 +2840,7 @@
       </p:sp>
       <p:sp>
         <p:nvSpPr>
-          <p:cNvPr id="287" name="Google Shape;287;g9cb9aede7f_2_175:notes"/>
+          <p:cNvPr id="293" name="Google Shape;293;g9cb9aede7f_2_175:notes"/>
           <p:cNvSpPr txBox="1"/>
           <p:nvPr>
             <p:ph idx="1" type="body"/>
@@ -9514,7 +9514,7 @@
   <p:cSld>
     <p:spTree>
       <p:nvGrpSpPr>
-        <p:cNvPr id="307" name="Shape 307"/>
+        <p:cNvPr id="313" name="Shape 313"/>
         <p:cNvGrpSpPr/>
         <p:nvPr/>
       </p:nvGrpSpPr>
@@ -9528,7 +9528,7 @@
       </p:grpSpPr>
       <p:sp>
         <p:nvSpPr>
-          <p:cNvPr id="308" name="Google Shape;308;p22"/>
+          <p:cNvPr id="314" name="Google Shape;314;p22"/>
           <p:cNvSpPr txBox="1"/>
           <p:nvPr/>
         </p:nvSpPr>
@@ -9568,529 +9568,9 @@
           </a:p>
         </p:txBody>
       </p:sp>
-      <p:grpSp>
-        <p:nvGrpSpPr>
-          <p:cNvPr id="309" name="Google Shape;309;p22"/>
-          <p:cNvGrpSpPr/>
-          <p:nvPr/>
-        </p:nvGrpSpPr>
-        <p:grpSpPr>
-          <a:xfrm>
-            <a:off x="2003804" y="2864642"/>
-            <a:ext cx="9708392" cy="3414715"/>
-            <a:chOff x="1634675" y="2041185"/>
-            <a:chExt cx="9708392" cy="3414715"/>
-          </a:xfrm>
-        </p:grpSpPr>
-        <p:sp>
-          <p:nvSpPr>
-            <p:cNvPr id="310" name="Google Shape;310;p22"/>
-            <p:cNvSpPr/>
-            <p:nvPr/>
-          </p:nvSpPr>
-          <p:spPr>
-            <a:xfrm>
-              <a:off x="1634675" y="2167000"/>
-              <a:ext cx="4472700" cy="3288900"/>
-            </a:xfrm>
-            <a:prstGeom prst="roundRect">
-              <a:avLst>
-                <a:gd fmla="val 16667" name="adj"/>
-              </a:avLst>
-            </a:prstGeom>
-            <a:solidFill>
-              <a:srgbClr val="FCE5CD"/>
-            </a:solidFill>
-            <a:ln cap="flat" cmpd="sng" w="9525">
-              <a:solidFill>
-                <a:schemeClr val="dk2"/>
-              </a:solidFill>
-              <a:prstDash val="solid"/>
-              <a:round/>
-              <a:headEnd len="sm" w="sm" type="none"/>
-              <a:tailEnd len="sm" w="sm" type="none"/>
-            </a:ln>
-          </p:spPr>
-          <p:txBody>
-            <a:bodyPr anchorCtr="0" anchor="ctr" bIns="91425" lIns="91425" spcFirstLastPara="1" rIns="91425" wrap="square" tIns="91425">
-              <a:noAutofit/>
-            </a:bodyPr>
-            <a:lstStyle/>
-            <a:p>
-              <a:pPr indent="0" lvl="0" marL="0" rtl="0" algn="l">
-                <a:spcBef>
-                  <a:spcPts val="0"/>
-                </a:spcBef>
-                <a:spcAft>
-                  <a:spcPts val="0"/>
-                </a:spcAft>
-                <a:buNone/>
-              </a:pPr>
-              <a:r>
-                <a:t/>
-              </a:r>
-              <a:endParaRPr/>
-            </a:p>
-          </p:txBody>
-        </p:sp>
-        <p:sp>
-          <p:nvSpPr>
-            <p:cNvPr id="311" name="Google Shape;311;p22"/>
-            <p:cNvSpPr txBox="1"/>
-            <p:nvPr/>
-          </p:nvSpPr>
-          <p:spPr>
-            <a:xfrm>
-              <a:off x="4864956" y="2341658"/>
-              <a:ext cx="594900" cy="536100"/>
-            </a:xfrm>
-            <a:prstGeom prst="rect">
-              <a:avLst/>
-            </a:prstGeom>
-            <a:noFill/>
-            <a:ln>
-              <a:noFill/>
-            </a:ln>
-          </p:spPr>
-          <p:txBody>
-            <a:bodyPr anchorCtr="0" anchor="t" bIns="121900" lIns="121900" spcFirstLastPara="1" rIns="121900" wrap="square" tIns="121900">
-              <a:noAutofit/>
-            </a:bodyPr>
-            <a:lstStyle/>
-            <a:p>
-              <a:pPr indent="0" lvl="0" marL="0" rtl="0" algn="l">
-                <a:spcBef>
-                  <a:spcPts val="0"/>
-                </a:spcBef>
-                <a:spcAft>
-                  <a:spcPts val="0"/>
-                </a:spcAft>
-                <a:buNone/>
-              </a:pPr>
-              <a:r>
-                <a:t/>
-              </a:r>
-              <a:endParaRPr b="1" sz="4400">
-                <a:highlight>
-                  <a:srgbClr val="FFF2CC"/>
-                </a:highlight>
-              </a:endParaRPr>
-            </a:p>
-          </p:txBody>
-        </p:sp>
-        <p:sp>
-          <p:nvSpPr>
-            <p:cNvPr id="312" name="Google Shape;312;p22"/>
-            <p:cNvSpPr txBox="1"/>
-            <p:nvPr/>
-          </p:nvSpPr>
-          <p:spPr>
-            <a:xfrm>
-              <a:off x="2342014" y="2151395"/>
-              <a:ext cx="657300" cy="446100"/>
-            </a:xfrm>
-            <a:prstGeom prst="rect">
-              <a:avLst/>
-            </a:prstGeom>
-            <a:noFill/>
-            <a:ln>
-              <a:noFill/>
-            </a:ln>
-          </p:spPr>
-          <p:txBody>
-            <a:bodyPr anchorCtr="0" anchor="t" bIns="121900" lIns="121900" spcFirstLastPara="1" rIns="121900" wrap="square" tIns="121900">
-              <a:noAutofit/>
-            </a:bodyPr>
-            <a:lstStyle/>
-            <a:p>
-              <a:pPr indent="0" lvl="0" marL="0" rtl="0" algn="l">
-                <a:spcBef>
-                  <a:spcPts val="0"/>
-                </a:spcBef>
-                <a:spcAft>
-                  <a:spcPts val="0"/>
-                </a:spcAft>
-                <a:buNone/>
-              </a:pPr>
-              <a:r>
-                <a:rPr b="1" lang="en" sz="4400">
-                  <a:highlight>
-                    <a:srgbClr val="FFF2CC"/>
-                  </a:highlight>
-                </a:rPr>
-                <a:t>B</a:t>
-              </a:r>
-              <a:endParaRPr b="1" sz="4400">
-                <a:highlight>
-                  <a:srgbClr val="FFF2CC"/>
-                </a:highlight>
-              </a:endParaRPr>
-            </a:p>
-          </p:txBody>
-        </p:sp>
-        <p:sp>
-          <p:nvSpPr>
-            <p:cNvPr id="313" name="Google Shape;313;p22"/>
-            <p:cNvSpPr txBox="1"/>
-            <p:nvPr/>
-          </p:nvSpPr>
-          <p:spPr>
-            <a:xfrm>
-              <a:off x="8731861" y="2041185"/>
-              <a:ext cx="657300" cy="446100"/>
-            </a:xfrm>
-            <a:prstGeom prst="rect">
-              <a:avLst/>
-            </a:prstGeom>
-            <a:noFill/>
-            <a:ln>
-              <a:noFill/>
-            </a:ln>
-          </p:spPr>
-          <p:txBody>
-            <a:bodyPr anchorCtr="0" anchor="t" bIns="121900" lIns="121900" spcFirstLastPara="1" rIns="121900" wrap="square" tIns="121900">
-              <a:noAutofit/>
-            </a:bodyPr>
-            <a:lstStyle/>
-            <a:p>
-              <a:pPr indent="0" lvl="0" marL="0" rtl="0" algn="l">
-                <a:spcBef>
-                  <a:spcPts val="0"/>
-                </a:spcBef>
-                <a:spcAft>
-                  <a:spcPts val="0"/>
-                </a:spcAft>
-                <a:buNone/>
-              </a:pPr>
-              <a:r>
-                <a:rPr b="1" lang="en" sz="4400">
-                  <a:highlight>
-                    <a:srgbClr val="FFF2CC"/>
-                  </a:highlight>
-                </a:rPr>
-                <a:t>A</a:t>
-              </a:r>
-              <a:endParaRPr b="1" sz="4400">
-                <a:highlight>
-                  <a:srgbClr val="FFF2CC"/>
-                </a:highlight>
-              </a:endParaRPr>
-            </a:p>
-          </p:txBody>
-        </p:sp>
-        <p:sp>
-          <p:nvSpPr>
-            <p:cNvPr id="314" name="Google Shape;314;p22"/>
-            <p:cNvSpPr txBox="1"/>
-            <p:nvPr/>
-          </p:nvSpPr>
-          <p:spPr>
-            <a:xfrm>
-              <a:off x="9307681" y="2142388"/>
-              <a:ext cx="1248300" cy="708000"/>
-            </a:xfrm>
-            <a:prstGeom prst="rect">
-              <a:avLst/>
-            </a:prstGeom>
-            <a:noFill/>
-            <a:ln>
-              <a:noFill/>
-            </a:ln>
-          </p:spPr>
-          <p:txBody>
-            <a:bodyPr anchorCtr="0" anchor="t" bIns="121900" lIns="121900" spcFirstLastPara="1" rIns="121900" wrap="square" tIns="121900">
-              <a:noAutofit/>
-            </a:bodyPr>
-            <a:lstStyle/>
-            <a:p>
-              <a:pPr indent="0" lvl="0" marL="0" rtl="0" algn="l">
-                <a:spcBef>
-                  <a:spcPts val="0"/>
-                </a:spcBef>
-                <a:spcAft>
-                  <a:spcPts val="0"/>
-                </a:spcAft>
-                <a:buNone/>
-              </a:pPr>
-              <a:r>
-                <a:rPr b="1" lang="en" sz="2700"/>
-                <a:t>(-1 )</a:t>
-              </a:r>
-              <a:endParaRPr b="1" sz="2700"/>
-            </a:p>
-          </p:txBody>
-        </p:sp>
-        <p:sp>
-          <p:nvSpPr>
-            <p:cNvPr id="315" name="Google Shape;315;p22"/>
-            <p:cNvSpPr txBox="1"/>
-            <p:nvPr/>
-          </p:nvSpPr>
-          <p:spPr>
-            <a:xfrm>
-              <a:off x="2924881" y="2218588"/>
-              <a:ext cx="1248300" cy="708000"/>
-            </a:xfrm>
-            <a:prstGeom prst="rect">
-              <a:avLst/>
-            </a:prstGeom>
-            <a:noFill/>
-            <a:ln>
-              <a:noFill/>
-            </a:ln>
-          </p:spPr>
-          <p:txBody>
-            <a:bodyPr anchorCtr="0" anchor="t" bIns="121900" lIns="121900" spcFirstLastPara="1" rIns="121900" wrap="square" tIns="121900">
-              <a:noAutofit/>
-            </a:bodyPr>
-            <a:lstStyle/>
-            <a:p>
-              <a:pPr indent="0" lvl="0" marL="0" rtl="0" algn="l">
-                <a:spcBef>
-                  <a:spcPts val="0"/>
-                </a:spcBef>
-                <a:spcAft>
-                  <a:spcPts val="0"/>
-                </a:spcAft>
-                <a:buNone/>
-              </a:pPr>
-              <a:r>
-                <a:rPr b="1" lang="en" sz="2700"/>
-                <a:t>(0)</a:t>
-              </a:r>
-              <a:endParaRPr b="1" sz="2700"/>
-            </a:p>
-          </p:txBody>
-        </p:sp>
-        <p:cxnSp>
-          <p:nvCxnSpPr>
-            <p:cNvPr id="316" name="Google Shape;316;p22"/>
-            <p:cNvCxnSpPr/>
-            <p:nvPr/>
-          </p:nvCxnSpPr>
-          <p:spPr>
-            <a:xfrm flipH="1" rot="10800000">
-              <a:off x="5180152" y="4080741"/>
-              <a:ext cx="3614400" cy="15300"/>
-            </a:xfrm>
-            <a:prstGeom prst="straightConnector1">
-              <a:avLst/>
-            </a:prstGeom>
-            <a:noFill/>
-            <a:ln cap="flat" cmpd="sng" w="38100">
-              <a:solidFill>
-                <a:srgbClr val="0000FF"/>
-              </a:solidFill>
-              <a:prstDash val="solid"/>
-              <a:round/>
-              <a:headEnd len="med" w="med" type="none"/>
-              <a:tailEnd len="med" w="med" type="triangle"/>
-            </a:ln>
-          </p:spPr>
-        </p:cxnSp>
-        <p:sp>
-          <p:nvSpPr>
-            <p:cNvPr id="317" name="Google Shape;317;p22"/>
-            <p:cNvSpPr txBox="1"/>
-            <p:nvPr/>
-          </p:nvSpPr>
-          <p:spPr>
-            <a:xfrm>
-              <a:off x="6485375" y="3280900"/>
-              <a:ext cx="1185000" cy="446100"/>
-            </a:xfrm>
-            <a:prstGeom prst="rect">
-              <a:avLst/>
-            </a:prstGeom>
-            <a:noFill/>
-            <a:ln>
-              <a:noFill/>
-            </a:ln>
-          </p:spPr>
-          <p:txBody>
-            <a:bodyPr anchorCtr="0" anchor="t" bIns="121900" lIns="121900" spcFirstLastPara="1" rIns="121900" wrap="square" tIns="121900">
-              <a:noAutofit/>
-            </a:bodyPr>
-            <a:lstStyle/>
-            <a:p>
-              <a:pPr indent="0" lvl="0" marL="0" rtl="0" algn="l">
-                <a:spcBef>
-                  <a:spcPts val="0"/>
-                </a:spcBef>
-                <a:spcAft>
-                  <a:spcPts val="0"/>
-                </a:spcAft>
-                <a:buClr>
-                  <a:schemeClr val="dk1"/>
-                </a:buClr>
-                <a:buSzPts val="1500"/>
-                <a:buFont typeface="Arial"/>
-                <a:buNone/>
-              </a:pPr>
-              <a:r>
-                <a:rPr b="1" lang="en" sz="2300">
-                  <a:solidFill>
-                    <a:schemeClr val="dk1"/>
-                  </a:solidFill>
-                </a:rPr>
-                <a:t>pKa</a:t>
-              </a:r>
-              <a:r>
-                <a:rPr b="1" baseline="-25000" lang="en" sz="2300">
-                  <a:solidFill>
-                    <a:schemeClr val="dk1"/>
-                  </a:solidFill>
-                </a:rPr>
-                <a:t>BA</a:t>
-              </a:r>
-              <a:endParaRPr sz="1900"/>
-            </a:p>
-          </p:txBody>
-        </p:sp>
-        <p:sp>
-          <p:nvSpPr>
-            <p:cNvPr id="318" name="Google Shape;318;p22"/>
-            <p:cNvSpPr txBox="1"/>
-            <p:nvPr/>
-          </p:nvSpPr>
-          <p:spPr>
-            <a:xfrm>
-              <a:off x="2444125" y="2987200"/>
-              <a:ext cx="1494300" cy="446100"/>
-            </a:xfrm>
-            <a:prstGeom prst="rect">
-              <a:avLst/>
-            </a:prstGeom>
-            <a:noFill/>
-            <a:ln>
-              <a:noFill/>
-            </a:ln>
-          </p:spPr>
-          <p:txBody>
-            <a:bodyPr anchorCtr="0" anchor="t" bIns="91425" lIns="91425" spcFirstLastPara="1" rIns="91425" wrap="square" tIns="91425">
-              <a:noAutofit/>
-            </a:bodyPr>
-            <a:lstStyle/>
-            <a:p>
-              <a:pPr indent="0" lvl="0" marL="0" rtl="0" algn="l">
-                <a:spcBef>
-                  <a:spcPts val="0"/>
-                </a:spcBef>
-                <a:spcAft>
-                  <a:spcPts val="0"/>
-                </a:spcAft>
-                <a:buNone/>
-              </a:pPr>
-              <a:r>
-                <a:rPr lang="en"/>
-                <a:t>SM34_micro000</a:t>
-              </a:r>
-              <a:endParaRPr/>
-            </a:p>
-          </p:txBody>
-        </p:sp>
-        <p:sp>
-          <p:nvSpPr>
-            <p:cNvPr id="319" name="Google Shape;319;p22"/>
-            <p:cNvSpPr txBox="1"/>
-            <p:nvPr/>
-          </p:nvSpPr>
-          <p:spPr>
-            <a:xfrm>
-              <a:off x="8854275" y="3002800"/>
-              <a:ext cx="1494300" cy="446100"/>
-            </a:xfrm>
-            <a:prstGeom prst="rect">
-              <a:avLst/>
-            </a:prstGeom>
-            <a:noFill/>
-            <a:ln>
-              <a:noFill/>
-            </a:ln>
-          </p:spPr>
-          <p:txBody>
-            <a:bodyPr anchorCtr="0" anchor="t" bIns="91425" lIns="91425" spcFirstLastPara="1" rIns="91425" wrap="square" tIns="91425">
-              <a:noAutofit/>
-            </a:bodyPr>
-            <a:lstStyle/>
-            <a:p>
-              <a:pPr indent="0" lvl="0" marL="0" rtl="0" algn="l">
-                <a:spcBef>
-                  <a:spcPts val="0"/>
-                </a:spcBef>
-                <a:spcAft>
-                  <a:spcPts val="0"/>
-                </a:spcAft>
-                <a:buNone/>
-              </a:pPr>
-              <a:r>
-                <a:rPr lang="en"/>
-                <a:t>SM34_micro001</a:t>
-              </a:r>
-              <a:endParaRPr/>
-            </a:p>
-          </p:txBody>
-        </p:sp>
-        <p:pic>
-          <p:nvPicPr>
-            <p:cNvPr id="320" name="Google Shape;320;p22"/>
-            <p:cNvPicPr preferRelativeResize="0"/>
-            <p:nvPr/>
-          </p:nvPicPr>
-          <p:blipFill>
-            <a:blip r:embed="rId3">
-              <a:alphaModFix/>
-            </a:blip>
-            <a:stretch>
-              <a:fillRect/>
-            </a:stretch>
-          </p:blipFill>
-          <p:spPr>
-            <a:xfrm>
-              <a:off x="2512600" y="3433300"/>
-              <a:ext cx="2352351" cy="1942417"/>
-            </a:xfrm>
-            <a:prstGeom prst="rect">
-              <a:avLst/>
-            </a:prstGeom>
-            <a:noFill/>
-            <a:ln>
-              <a:noFill/>
-            </a:ln>
-          </p:spPr>
-        </p:pic>
-        <p:pic>
-          <p:nvPicPr>
-            <p:cNvPr id="321" name="Google Shape;321;p22"/>
-            <p:cNvPicPr preferRelativeResize="0"/>
-            <p:nvPr/>
-          </p:nvPicPr>
-          <p:blipFill>
-            <a:blip r:embed="rId4">
-              <a:alphaModFix/>
-            </a:blip>
-            <a:stretch>
-              <a:fillRect/>
-            </a:stretch>
-          </p:blipFill>
-          <p:spPr>
-            <a:xfrm>
-              <a:off x="8946950" y="3433300"/>
-              <a:ext cx="2396117" cy="2022600"/>
-            </a:xfrm>
-            <a:prstGeom prst="rect">
-              <a:avLst/>
-            </a:prstGeom>
-            <a:noFill/>
-            <a:ln>
-              <a:noFill/>
-            </a:ln>
-          </p:spPr>
-        </p:pic>
-      </p:grpSp>
       <p:sp>
         <p:nvSpPr>
-          <p:cNvPr id="322" name="Google Shape;322;p22"/>
+          <p:cNvPr id="315" name="Google Shape;315;p22"/>
           <p:cNvSpPr txBox="1"/>
           <p:nvPr>
             <p:ph idx="12" type="sldNum"/>
@@ -10128,6 +9608,758 @@
           </a:p>
         </p:txBody>
       </p:sp>
+      <p:sp>
+        <p:nvSpPr>
+          <p:cNvPr id="316" name="Google Shape;316;p22"/>
+          <p:cNvSpPr/>
+          <p:nvPr/>
+        </p:nvSpPr>
+        <p:spPr>
+          <a:xfrm>
+            <a:off x="5067711" y="2990458"/>
+            <a:ext cx="3198000" cy="3288900"/>
+          </a:xfrm>
+          <a:prstGeom prst="roundRect">
+            <a:avLst>
+              <a:gd fmla="val 16667" name="adj"/>
+            </a:avLst>
+          </a:prstGeom>
+          <a:solidFill>
+            <a:srgbClr val="FCE5CD"/>
+          </a:solidFill>
+          <a:ln cap="flat" cmpd="sng" w="9525">
+            <a:solidFill>
+              <a:srgbClr val="595959"/>
+            </a:solidFill>
+            <a:prstDash val="solid"/>
+            <a:round/>
+            <a:headEnd len="sm" w="sm" type="none"/>
+            <a:tailEnd len="sm" w="sm" type="none"/>
+          </a:ln>
+        </p:spPr>
+        <p:txBody>
+          <a:bodyPr anchorCtr="0" anchor="ctr" bIns="91425" lIns="91425" spcFirstLastPara="1" rIns="91425" wrap="square" tIns="91425">
+            <a:noAutofit/>
+          </a:bodyPr>
+          <a:lstStyle/>
+          <a:p>
+            <a:pPr indent="0" lvl="0" marL="0" rtl="0" algn="l">
+              <a:spcBef>
+                <a:spcPts val="0"/>
+              </a:spcBef>
+              <a:spcAft>
+                <a:spcPts val="0"/>
+              </a:spcAft>
+              <a:buNone/>
+            </a:pPr>
+            <a:r>
+              <a:t/>
+            </a:r>
+            <a:endParaRPr/>
+          </a:p>
+        </p:txBody>
+      </p:sp>
+      <p:sp>
+        <p:nvSpPr>
+          <p:cNvPr id="317" name="Google Shape;317;p22"/>
+          <p:cNvSpPr txBox="1"/>
+          <p:nvPr/>
+        </p:nvSpPr>
+        <p:spPr>
+          <a:xfrm>
+            <a:off x="7115229" y="3165116"/>
+            <a:ext cx="594900" cy="536100"/>
+          </a:xfrm>
+          <a:prstGeom prst="rect">
+            <a:avLst/>
+          </a:prstGeom>
+          <a:noFill/>
+          <a:ln>
+            <a:noFill/>
+          </a:ln>
+        </p:spPr>
+        <p:txBody>
+          <a:bodyPr anchorCtr="0" anchor="t" bIns="121900" lIns="121900" spcFirstLastPara="1" rIns="121900" wrap="square" tIns="121900">
+            <a:noAutofit/>
+          </a:bodyPr>
+          <a:lstStyle/>
+          <a:p>
+            <a:pPr indent="0" lvl="0" marL="0" rtl="0" algn="l">
+              <a:spcBef>
+                <a:spcPts val="0"/>
+              </a:spcBef>
+              <a:spcAft>
+                <a:spcPts val="0"/>
+              </a:spcAft>
+              <a:buNone/>
+            </a:pPr>
+            <a:r>
+              <a:t/>
+            </a:r>
+            <a:endParaRPr b="1" sz="4400">
+              <a:highlight>
+                <a:srgbClr val="FFF2CC"/>
+              </a:highlight>
+            </a:endParaRPr>
+          </a:p>
+        </p:txBody>
+      </p:sp>
+      <p:sp>
+        <p:nvSpPr>
+          <p:cNvPr id="318" name="Google Shape;318;p22"/>
+          <p:cNvSpPr txBox="1"/>
+          <p:nvPr/>
+        </p:nvSpPr>
+        <p:spPr>
+          <a:xfrm>
+            <a:off x="5354288" y="2974852"/>
+            <a:ext cx="657300" cy="446100"/>
+          </a:xfrm>
+          <a:prstGeom prst="rect">
+            <a:avLst/>
+          </a:prstGeom>
+          <a:noFill/>
+          <a:ln>
+            <a:noFill/>
+          </a:ln>
+        </p:spPr>
+        <p:txBody>
+          <a:bodyPr anchorCtr="0" anchor="t" bIns="121900" lIns="121900" spcFirstLastPara="1" rIns="121900" wrap="square" tIns="121900">
+            <a:noAutofit/>
+          </a:bodyPr>
+          <a:lstStyle/>
+          <a:p>
+            <a:pPr indent="0" lvl="0" marL="0" rtl="0" algn="l">
+              <a:spcBef>
+                <a:spcPts val="0"/>
+              </a:spcBef>
+              <a:spcAft>
+                <a:spcPts val="0"/>
+              </a:spcAft>
+              <a:buNone/>
+            </a:pPr>
+            <a:r>
+              <a:rPr b="1" lang="en" sz="4400">
+                <a:highlight>
+                  <a:srgbClr val="FFF2CC"/>
+                </a:highlight>
+              </a:rPr>
+              <a:t>B</a:t>
+            </a:r>
+            <a:endParaRPr b="1" sz="4400">
+              <a:highlight>
+                <a:srgbClr val="FFF2CC"/>
+              </a:highlight>
+            </a:endParaRPr>
+          </a:p>
+        </p:txBody>
+      </p:sp>
+      <p:sp>
+        <p:nvSpPr>
+          <p:cNvPr id="319" name="Google Shape;319;p22"/>
+          <p:cNvSpPr txBox="1"/>
+          <p:nvPr/>
+        </p:nvSpPr>
+        <p:spPr>
+          <a:xfrm>
+            <a:off x="10982134" y="2864642"/>
+            <a:ext cx="657300" cy="446100"/>
+          </a:xfrm>
+          <a:prstGeom prst="rect">
+            <a:avLst/>
+          </a:prstGeom>
+          <a:noFill/>
+          <a:ln>
+            <a:noFill/>
+          </a:ln>
+        </p:spPr>
+        <p:txBody>
+          <a:bodyPr anchorCtr="0" anchor="t" bIns="121900" lIns="121900" spcFirstLastPara="1" rIns="121900" wrap="square" tIns="121900">
+            <a:noAutofit/>
+          </a:bodyPr>
+          <a:lstStyle/>
+          <a:p>
+            <a:pPr indent="0" lvl="0" marL="0" rtl="0" algn="l">
+              <a:spcBef>
+                <a:spcPts val="0"/>
+              </a:spcBef>
+              <a:spcAft>
+                <a:spcPts val="0"/>
+              </a:spcAft>
+              <a:buNone/>
+            </a:pPr>
+            <a:r>
+              <a:rPr b="1" lang="en" sz="4400">
+                <a:highlight>
+                  <a:srgbClr val="FFF2CC"/>
+                </a:highlight>
+              </a:rPr>
+              <a:t>A</a:t>
+            </a:r>
+            <a:endParaRPr b="1" sz="4400">
+              <a:highlight>
+                <a:srgbClr val="FFF2CC"/>
+              </a:highlight>
+            </a:endParaRPr>
+          </a:p>
+        </p:txBody>
+      </p:sp>
+      <p:sp>
+        <p:nvSpPr>
+          <p:cNvPr id="320" name="Google Shape;320;p22"/>
+          <p:cNvSpPr txBox="1"/>
+          <p:nvPr/>
+        </p:nvSpPr>
+        <p:spPr>
+          <a:xfrm>
+            <a:off x="11557955" y="2965845"/>
+            <a:ext cx="1248300" cy="708000"/>
+          </a:xfrm>
+          <a:prstGeom prst="rect">
+            <a:avLst/>
+          </a:prstGeom>
+          <a:noFill/>
+          <a:ln>
+            <a:noFill/>
+          </a:ln>
+        </p:spPr>
+        <p:txBody>
+          <a:bodyPr anchorCtr="0" anchor="t" bIns="121900" lIns="121900" spcFirstLastPara="1" rIns="121900" wrap="square" tIns="121900">
+            <a:noAutofit/>
+          </a:bodyPr>
+          <a:lstStyle/>
+          <a:p>
+            <a:pPr indent="0" lvl="0" marL="0" rtl="0" algn="l">
+              <a:spcBef>
+                <a:spcPts val="0"/>
+              </a:spcBef>
+              <a:spcAft>
+                <a:spcPts val="0"/>
+              </a:spcAft>
+              <a:buNone/>
+            </a:pPr>
+            <a:r>
+              <a:rPr b="1" lang="en" sz="2700"/>
+              <a:t>(-1 )</a:t>
+            </a:r>
+            <a:endParaRPr b="1" sz="2700"/>
+          </a:p>
+        </p:txBody>
+      </p:sp>
+      <p:sp>
+        <p:nvSpPr>
+          <p:cNvPr id="321" name="Google Shape;321;p22"/>
+          <p:cNvSpPr txBox="1"/>
+          <p:nvPr/>
+        </p:nvSpPr>
+        <p:spPr>
+          <a:xfrm>
+            <a:off x="5937155" y="3042045"/>
+            <a:ext cx="1248300" cy="708000"/>
+          </a:xfrm>
+          <a:prstGeom prst="rect">
+            <a:avLst/>
+          </a:prstGeom>
+          <a:noFill/>
+          <a:ln>
+            <a:noFill/>
+          </a:ln>
+        </p:spPr>
+        <p:txBody>
+          <a:bodyPr anchorCtr="0" anchor="t" bIns="121900" lIns="121900" spcFirstLastPara="1" rIns="121900" wrap="square" tIns="121900">
+            <a:noAutofit/>
+          </a:bodyPr>
+          <a:lstStyle/>
+          <a:p>
+            <a:pPr indent="0" lvl="0" marL="0" rtl="0" algn="l">
+              <a:spcBef>
+                <a:spcPts val="0"/>
+              </a:spcBef>
+              <a:spcAft>
+                <a:spcPts val="0"/>
+              </a:spcAft>
+              <a:buNone/>
+            </a:pPr>
+            <a:r>
+              <a:rPr b="1" lang="en" sz="2700"/>
+              <a:t>(0)</a:t>
+            </a:r>
+            <a:endParaRPr b="1" sz="2700"/>
+          </a:p>
+        </p:txBody>
+      </p:sp>
+      <p:cxnSp>
+        <p:nvCxnSpPr>
+          <p:cNvPr id="322" name="Google Shape;322;p22"/>
+          <p:cNvCxnSpPr/>
+          <p:nvPr/>
+        </p:nvCxnSpPr>
+        <p:spPr>
+          <a:xfrm flipH="1" rot="10800000">
+            <a:off x="8265898" y="4904233"/>
+            <a:ext cx="2778900" cy="9000"/>
+          </a:xfrm>
+          <a:prstGeom prst="straightConnector1">
+            <a:avLst/>
+          </a:prstGeom>
+          <a:noFill/>
+          <a:ln cap="flat" cmpd="sng" w="38100">
+            <a:solidFill>
+              <a:srgbClr val="0000FF"/>
+            </a:solidFill>
+            <a:prstDash val="solid"/>
+            <a:round/>
+            <a:headEnd len="med" w="med" type="none"/>
+            <a:tailEnd len="med" w="med" type="triangle"/>
+          </a:ln>
+        </p:spPr>
+      </p:cxnSp>
+      <p:sp>
+        <p:nvSpPr>
+          <p:cNvPr id="323" name="Google Shape;323;p22"/>
+          <p:cNvSpPr txBox="1"/>
+          <p:nvPr/>
+        </p:nvSpPr>
+        <p:spPr>
+          <a:xfrm>
+            <a:off x="8735648" y="4104358"/>
+            <a:ext cx="1185000" cy="446100"/>
+          </a:xfrm>
+          <a:prstGeom prst="rect">
+            <a:avLst/>
+          </a:prstGeom>
+          <a:noFill/>
+          <a:ln>
+            <a:noFill/>
+          </a:ln>
+        </p:spPr>
+        <p:txBody>
+          <a:bodyPr anchorCtr="0" anchor="t" bIns="121900" lIns="121900" spcFirstLastPara="1" rIns="121900" wrap="square" tIns="121900">
+            <a:noAutofit/>
+          </a:bodyPr>
+          <a:lstStyle/>
+          <a:p>
+            <a:pPr indent="0" lvl="0" marL="0" rtl="0" algn="l">
+              <a:spcBef>
+                <a:spcPts val="0"/>
+              </a:spcBef>
+              <a:spcAft>
+                <a:spcPts val="0"/>
+              </a:spcAft>
+              <a:buClr>
+                <a:srgbClr val="000000"/>
+              </a:buClr>
+              <a:buSzPts val="1500"/>
+              <a:buFont typeface="Arial"/>
+              <a:buNone/>
+            </a:pPr>
+            <a:r>
+              <a:rPr b="1" lang="en" sz="2300">
+                <a:solidFill>
+                  <a:srgbClr val="000000"/>
+                </a:solidFill>
+              </a:rPr>
+              <a:t>pKa</a:t>
+            </a:r>
+            <a:r>
+              <a:rPr b="1" baseline="-25000" lang="en" sz="2300">
+                <a:solidFill>
+                  <a:srgbClr val="000000"/>
+                </a:solidFill>
+              </a:rPr>
+              <a:t>BA</a:t>
+            </a:r>
+            <a:endParaRPr sz="1900"/>
+          </a:p>
+        </p:txBody>
+      </p:sp>
+      <p:sp>
+        <p:nvSpPr>
+          <p:cNvPr id="324" name="Google Shape;324;p22"/>
+          <p:cNvSpPr txBox="1"/>
+          <p:nvPr/>
+        </p:nvSpPr>
+        <p:spPr>
+          <a:xfrm>
+            <a:off x="5456398" y="3810658"/>
+            <a:ext cx="1494300" cy="446100"/>
+          </a:xfrm>
+          <a:prstGeom prst="rect">
+            <a:avLst/>
+          </a:prstGeom>
+          <a:noFill/>
+          <a:ln>
+            <a:noFill/>
+          </a:ln>
+        </p:spPr>
+        <p:txBody>
+          <a:bodyPr anchorCtr="0" anchor="t" bIns="91425" lIns="91425" spcFirstLastPara="1" rIns="91425" wrap="square" tIns="91425">
+            <a:noAutofit/>
+          </a:bodyPr>
+          <a:lstStyle/>
+          <a:p>
+            <a:pPr indent="0" lvl="0" marL="0" rtl="0" algn="l">
+              <a:spcBef>
+                <a:spcPts val="0"/>
+              </a:spcBef>
+              <a:spcAft>
+                <a:spcPts val="0"/>
+              </a:spcAft>
+              <a:buNone/>
+            </a:pPr>
+            <a:r>
+              <a:rPr lang="en"/>
+              <a:t>SM34_micro000</a:t>
+            </a:r>
+            <a:endParaRPr/>
+          </a:p>
+        </p:txBody>
+      </p:sp>
+      <p:sp>
+        <p:nvSpPr>
+          <p:cNvPr id="325" name="Google Shape;325;p22"/>
+          <p:cNvSpPr txBox="1"/>
+          <p:nvPr/>
+        </p:nvSpPr>
+        <p:spPr>
+          <a:xfrm>
+            <a:off x="11104548" y="3826258"/>
+            <a:ext cx="1494300" cy="446100"/>
+          </a:xfrm>
+          <a:prstGeom prst="rect">
+            <a:avLst/>
+          </a:prstGeom>
+          <a:noFill/>
+          <a:ln>
+            <a:noFill/>
+          </a:ln>
+        </p:spPr>
+        <p:txBody>
+          <a:bodyPr anchorCtr="0" anchor="t" bIns="91425" lIns="91425" spcFirstLastPara="1" rIns="91425" wrap="square" tIns="91425">
+            <a:noAutofit/>
+          </a:bodyPr>
+          <a:lstStyle/>
+          <a:p>
+            <a:pPr indent="0" lvl="0" marL="0" rtl="0" algn="l">
+              <a:spcBef>
+                <a:spcPts val="0"/>
+              </a:spcBef>
+              <a:spcAft>
+                <a:spcPts val="0"/>
+              </a:spcAft>
+              <a:buNone/>
+            </a:pPr>
+            <a:r>
+              <a:rPr lang="en"/>
+              <a:t>SM34_micro001</a:t>
+            </a:r>
+            <a:endParaRPr/>
+          </a:p>
+        </p:txBody>
+      </p:sp>
+      <p:pic>
+        <p:nvPicPr>
+          <p:cNvPr id="326" name="Google Shape;326;p22"/>
+          <p:cNvPicPr preferRelativeResize="0"/>
+          <p:nvPr/>
+        </p:nvPicPr>
+        <p:blipFill>
+          <a:blip r:embed="rId3">
+            <a:alphaModFix/>
+          </a:blip>
+          <a:stretch>
+            <a:fillRect/>
+          </a:stretch>
+        </p:blipFill>
+        <p:spPr>
+          <a:xfrm>
+            <a:off x="5524873" y="4256757"/>
+            <a:ext cx="2352351" cy="1942417"/>
+          </a:xfrm>
+          <a:prstGeom prst="rect">
+            <a:avLst/>
+          </a:prstGeom>
+          <a:noFill/>
+          <a:ln>
+            <a:noFill/>
+          </a:ln>
+        </p:spPr>
+      </p:pic>
+      <p:pic>
+        <p:nvPicPr>
+          <p:cNvPr id="327" name="Google Shape;327;p22"/>
+          <p:cNvPicPr preferRelativeResize="0"/>
+          <p:nvPr/>
+        </p:nvPicPr>
+        <p:blipFill>
+          <a:blip r:embed="rId4">
+            <a:alphaModFix/>
+          </a:blip>
+          <a:stretch>
+            <a:fillRect/>
+          </a:stretch>
+        </p:blipFill>
+        <p:spPr>
+          <a:xfrm>
+            <a:off x="11197224" y="4256758"/>
+            <a:ext cx="2396117" cy="2022600"/>
+          </a:xfrm>
+          <a:prstGeom prst="rect">
+            <a:avLst/>
+          </a:prstGeom>
+          <a:noFill/>
+          <a:ln>
+            <a:noFill/>
+          </a:ln>
+        </p:spPr>
+      </p:pic>
+      <p:pic>
+        <p:nvPicPr>
+          <p:cNvPr id="328" name="Google Shape;328;p22"/>
+          <p:cNvPicPr preferRelativeResize="0"/>
+          <p:nvPr/>
+        </p:nvPicPr>
+        <p:blipFill>
+          <a:blip r:embed="rId5">
+            <a:alphaModFix/>
+          </a:blip>
+          <a:stretch>
+            <a:fillRect/>
+          </a:stretch>
+        </p:blipFill>
+        <p:spPr>
+          <a:xfrm>
+            <a:off x="202123" y="4188067"/>
+            <a:ext cx="2396125" cy="1963191"/>
+          </a:xfrm>
+          <a:prstGeom prst="rect">
+            <a:avLst/>
+          </a:prstGeom>
+          <a:noFill/>
+          <a:ln>
+            <a:noFill/>
+          </a:ln>
+        </p:spPr>
+      </p:pic>
+      <p:sp>
+        <p:nvSpPr>
+          <p:cNvPr id="329" name="Google Shape;329;p22"/>
+          <p:cNvSpPr txBox="1"/>
+          <p:nvPr/>
+        </p:nvSpPr>
+        <p:spPr>
+          <a:xfrm>
+            <a:off x="122659" y="3034105"/>
+            <a:ext cx="657300" cy="446100"/>
+          </a:xfrm>
+          <a:prstGeom prst="rect">
+            <a:avLst/>
+          </a:prstGeom>
+          <a:noFill/>
+          <a:ln>
+            <a:noFill/>
+          </a:ln>
+        </p:spPr>
+        <p:txBody>
+          <a:bodyPr anchorCtr="0" anchor="t" bIns="121900" lIns="121900" spcFirstLastPara="1" rIns="121900" wrap="square" tIns="121900">
+            <a:noAutofit/>
+          </a:bodyPr>
+          <a:lstStyle/>
+          <a:p>
+            <a:pPr indent="0" lvl="0" marL="0" rtl="0" algn="l">
+              <a:spcBef>
+                <a:spcPts val="0"/>
+              </a:spcBef>
+              <a:spcAft>
+                <a:spcPts val="0"/>
+              </a:spcAft>
+              <a:buNone/>
+            </a:pPr>
+            <a:r>
+              <a:rPr b="1" lang="en" sz="4400">
+                <a:highlight>
+                  <a:srgbClr val="FFF2CC"/>
+                </a:highlight>
+              </a:rPr>
+              <a:t>C</a:t>
+            </a:r>
+            <a:endParaRPr b="1" sz="4400">
+              <a:highlight>
+                <a:srgbClr val="FFF2CC"/>
+              </a:highlight>
+            </a:endParaRPr>
+          </a:p>
+        </p:txBody>
+      </p:sp>
+      <p:sp>
+        <p:nvSpPr>
+          <p:cNvPr id="330" name="Google Shape;330;p22"/>
+          <p:cNvSpPr txBox="1"/>
+          <p:nvPr/>
+        </p:nvSpPr>
+        <p:spPr>
+          <a:xfrm>
+            <a:off x="698480" y="3135308"/>
+            <a:ext cx="1248300" cy="708000"/>
+          </a:xfrm>
+          <a:prstGeom prst="rect">
+            <a:avLst/>
+          </a:prstGeom>
+          <a:noFill/>
+          <a:ln>
+            <a:noFill/>
+          </a:ln>
+        </p:spPr>
+        <p:txBody>
+          <a:bodyPr anchorCtr="0" anchor="t" bIns="121900" lIns="121900" spcFirstLastPara="1" rIns="121900" wrap="square" tIns="121900">
+            <a:noAutofit/>
+          </a:bodyPr>
+          <a:lstStyle/>
+          <a:p>
+            <a:pPr indent="0" lvl="0" marL="0" rtl="0" algn="l">
+              <a:spcBef>
+                <a:spcPts val="0"/>
+              </a:spcBef>
+              <a:spcAft>
+                <a:spcPts val="0"/>
+              </a:spcAft>
+              <a:buNone/>
+            </a:pPr>
+            <a:r>
+              <a:rPr b="1" lang="en" sz="2700"/>
+              <a:t>(+1 )</a:t>
+            </a:r>
+            <a:endParaRPr b="1" sz="2700"/>
+          </a:p>
+        </p:txBody>
+      </p:sp>
+      <p:sp>
+        <p:nvSpPr>
+          <p:cNvPr id="331" name="Google Shape;331;p22"/>
+          <p:cNvSpPr txBox="1"/>
+          <p:nvPr/>
+        </p:nvSpPr>
+        <p:spPr>
+          <a:xfrm>
+            <a:off x="245073" y="3995720"/>
+            <a:ext cx="1494300" cy="446100"/>
+          </a:xfrm>
+          <a:prstGeom prst="rect">
+            <a:avLst/>
+          </a:prstGeom>
+          <a:noFill/>
+          <a:ln>
+            <a:noFill/>
+          </a:ln>
+        </p:spPr>
+        <p:txBody>
+          <a:bodyPr anchorCtr="0" anchor="t" bIns="91425" lIns="91425" spcFirstLastPara="1" rIns="91425" wrap="square" tIns="91425">
+            <a:noAutofit/>
+          </a:bodyPr>
+          <a:lstStyle/>
+          <a:p>
+            <a:pPr indent="0" lvl="0" marL="0" rtl="0" algn="l">
+              <a:spcBef>
+                <a:spcPts val="0"/>
+              </a:spcBef>
+              <a:spcAft>
+                <a:spcPts val="0"/>
+              </a:spcAft>
+              <a:buNone/>
+            </a:pPr>
+            <a:r>
+              <a:rPr lang="en"/>
+              <a:t>SM34_micro002</a:t>
+            </a:r>
+            <a:endParaRPr/>
+          </a:p>
+        </p:txBody>
+      </p:sp>
+      <p:cxnSp>
+        <p:nvCxnSpPr>
+          <p:cNvPr id="332" name="Google Shape;332;p22"/>
+          <p:cNvCxnSpPr/>
+          <p:nvPr/>
+        </p:nvCxnSpPr>
+        <p:spPr>
+          <a:xfrm flipH="1" rot="10800000">
+            <a:off x="2598248" y="4962333"/>
+            <a:ext cx="2778900" cy="9000"/>
+          </a:xfrm>
+          <a:prstGeom prst="straightConnector1">
+            <a:avLst/>
+          </a:prstGeom>
+          <a:noFill/>
+          <a:ln cap="flat" cmpd="sng" w="38100">
+            <a:solidFill>
+              <a:srgbClr val="0000FF"/>
+            </a:solidFill>
+            <a:prstDash val="solid"/>
+            <a:round/>
+            <a:headEnd len="med" w="med" type="none"/>
+            <a:tailEnd len="med" w="med" type="triangle"/>
+          </a:ln>
+        </p:spPr>
+      </p:cxnSp>
+      <p:sp>
+        <p:nvSpPr>
+          <p:cNvPr id="333" name="Google Shape;333;p22"/>
+          <p:cNvSpPr txBox="1"/>
+          <p:nvPr/>
+        </p:nvSpPr>
+        <p:spPr>
+          <a:xfrm>
+            <a:off x="3067998" y="4162458"/>
+            <a:ext cx="1185000" cy="446100"/>
+          </a:xfrm>
+          <a:prstGeom prst="rect">
+            <a:avLst/>
+          </a:prstGeom>
+          <a:noFill/>
+          <a:ln>
+            <a:noFill/>
+          </a:ln>
+        </p:spPr>
+        <p:txBody>
+          <a:bodyPr anchorCtr="0" anchor="t" bIns="121900" lIns="121900" spcFirstLastPara="1" rIns="121900" wrap="square" tIns="121900">
+            <a:noAutofit/>
+          </a:bodyPr>
+          <a:lstStyle/>
+          <a:p>
+            <a:pPr indent="0" lvl="0" marL="0" rtl="0" algn="l">
+              <a:spcBef>
+                <a:spcPts val="0"/>
+              </a:spcBef>
+              <a:spcAft>
+                <a:spcPts val="0"/>
+              </a:spcAft>
+              <a:buClr>
+                <a:srgbClr val="000000"/>
+              </a:buClr>
+              <a:buSzPts val="1500"/>
+              <a:buFont typeface="Arial"/>
+              <a:buNone/>
+            </a:pPr>
+            <a:r>
+              <a:rPr b="1" lang="en" sz="2300">
+                <a:solidFill>
+                  <a:srgbClr val="000000"/>
+                </a:solidFill>
+              </a:rPr>
+              <a:t>pKa</a:t>
+            </a:r>
+            <a:r>
+              <a:rPr b="1" baseline="-25000" lang="en" sz="2300">
+                <a:solidFill>
+                  <a:srgbClr val="000000"/>
+                </a:solidFill>
+              </a:rPr>
+              <a:t>CB</a:t>
+            </a:r>
+            <a:endParaRPr sz="1900"/>
+          </a:p>
+        </p:txBody>
+      </p:sp>
     </p:spTree>
   </p:cSld>
   <p:clrMapOvr>
@@ -10141,7 +10373,7 @@
   <p:cSld>
     <p:spTree>
       <p:nvGrpSpPr>
-        <p:cNvPr id="326" name="Shape 326"/>
+        <p:cNvPr id="337" name="Shape 337"/>
         <p:cNvGrpSpPr/>
         <p:nvPr/>
       </p:nvGrpSpPr>
@@ -10155,7 +10387,7 @@
       </p:grpSpPr>
       <p:sp>
         <p:nvSpPr>
-          <p:cNvPr id="327" name="Google Shape;327;p23"/>
+          <p:cNvPr id="338" name="Google Shape;338;p23"/>
           <p:cNvSpPr txBox="1"/>
           <p:nvPr/>
         </p:nvSpPr>
@@ -10212,28 +10444,28 @@
       </p:sp>
       <p:grpSp>
         <p:nvGrpSpPr>
-          <p:cNvPr id="328" name="Google Shape;328;p23"/>
+          <p:cNvPr id="339" name="Google Shape;339;p23"/>
           <p:cNvGrpSpPr/>
           <p:nvPr/>
         </p:nvGrpSpPr>
         <p:grpSpPr>
           <a:xfrm>
-            <a:off x="3813713" y="41518"/>
-            <a:ext cx="6088575" cy="9060964"/>
-            <a:chOff x="55825" y="69575"/>
-            <a:chExt cx="6088575" cy="9060964"/>
+            <a:off x="3735726" y="41518"/>
+            <a:ext cx="6166562" cy="9060964"/>
+            <a:chOff x="-22162" y="69575"/>
+            <a:chExt cx="6166562" cy="9060964"/>
           </a:xfrm>
         </p:grpSpPr>
         <p:sp>
           <p:nvSpPr>
-            <p:cNvPr id="329" name="Google Shape;329;p23"/>
+            <p:cNvPr id="340" name="Google Shape;340;p23"/>
             <p:cNvSpPr/>
             <p:nvPr/>
           </p:nvSpPr>
           <p:spPr>
             <a:xfrm>
-              <a:off x="76200" y="76200"/>
-              <a:ext cx="2280900" cy="3345600"/>
+              <a:off x="-22162" y="76207"/>
+              <a:ext cx="2379300" cy="3345600"/>
             </a:xfrm>
             <a:prstGeom prst="roundRect">
               <a:avLst>
@@ -10277,7 +10509,7 @@
         </p:sp>
         <p:sp>
           <p:nvSpPr>
-            <p:cNvPr id="330" name="Google Shape;330;p23"/>
+            <p:cNvPr id="341" name="Google Shape;341;p23"/>
             <p:cNvSpPr txBox="1"/>
             <p:nvPr/>
           </p:nvSpPr>
@@ -10327,7 +10559,7 @@
         </p:sp>
         <p:sp>
           <p:nvSpPr>
-            <p:cNvPr id="331" name="Google Shape;331;p23"/>
+            <p:cNvPr id="342" name="Google Shape;342;p23"/>
             <p:cNvSpPr txBox="1"/>
             <p:nvPr/>
           </p:nvSpPr>
@@ -10377,7 +10609,7 @@
         </p:sp>
         <p:sp>
           <p:nvSpPr>
-            <p:cNvPr id="332" name="Google Shape;332;p23"/>
+            <p:cNvPr id="343" name="Google Shape;343;p23"/>
             <p:cNvSpPr txBox="1"/>
             <p:nvPr/>
           </p:nvSpPr>
@@ -10427,7 +10659,7 @@
         </p:sp>
         <p:sp>
           <p:nvSpPr>
-            <p:cNvPr id="333" name="Google Shape;333;p23"/>
+            <p:cNvPr id="344" name="Google Shape;344;p23"/>
             <p:cNvSpPr txBox="1"/>
             <p:nvPr/>
           </p:nvSpPr>
@@ -10477,7 +10709,7 @@
         </p:sp>
         <p:pic>
           <p:nvPicPr>
-            <p:cNvPr id="334" name="Google Shape;334;p23"/>
+            <p:cNvPr id="345" name="Google Shape;345;p23"/>
             <p:cNvPicPr preferRelativeResize="0"/>
             <p:nvPr/>
           </p:nvPicPr>
@@ -10504,7 +10736,7 @@
         </p:pic>
         <p:sp>
           <p:nvSpPr>
-            <p:cNvPr id="335" name="Google Shape;335;p23"/>
+            <p:cNvPr id="346" name="Google Shape;346;p23"/>
             <p:cNvSpPr txBox="1"/>
             <p:nvPr/>
           </p:nvSpPr>
@@ -10546,7 +10778,7 @@
         </p:sp>
         <p:pic>
           <p:nvPicPr>
-            <p:cNvPr id="336" name="Google Shape;336;p23"/>
+            <p:cNvPr id="347" name="Google Shape;347;p23"/>
             <p:cNvPicPr preferRelativeResize="0"/>
             <p:nvPr/>
           </p:nvPicPr>
@@ -10574,7 +10806,7 @@
         </p:pic>
         <p:pic>
           <p:nvPicPr>
-            <p:cNvPr id="337" name="Google Shape;337;p23"/>
+            <p:cNvPr id="348" name="Google Shape;348;p23"/>
             <p:cNvPicPr preferRelativeResize="0"/>
             <p:nvPr/>
           </p:nvPicPr>
@@ -10602,7 +10834,7 @@
         </p:pic>
         <p:pic>
           <p:nvPicPr>
-            <p:cNvPr id="338" name="Google Shape;338;p23"/>
+            <p:cNvPr id="349" name="Google Shape;349;p23"/>
             <p:cNvPicPr preferRelativeResize="0"/>
             <p:nvPr/>
           </p:nvPicPr>
@@ -10630,7 +10862,7 @@
         </p:pic>
         <p:sp>
           <p:nvSpPr>
-            <p:cNvPr id="339" name="Google Shape;339;p23"/>
+            <p:cNvPr id="350" name="Google Shape;350;p23"/>
             <p:cNvSpPr txBox="1"/>
             <p:nvPr/>
           </p:nvSpPr>
@@ -10672,7 +10904,7 @@
         </p:sp>
         <p:sp>
           <p:nvSpPr>
-            <p:cNvPr id="340" name="Google Shape;340;p23"/>
+            <p:cNvPr id="351" name="Google Shape;351;p23"/>
             <p:cNvSpPr txBox="1"/>
             <p:nvPr/>
           </p:nvSpPr>
@@ -10714,7 +10946,7 @@
         </p:sp>
         <p:sp>
           <p:nvSpPr>
-            <p:cNvPr id="341" name="Google Shape;341;p23"/>
+            <p:cNvPr id="352" name="Google Shape;352;p23"/>
             <p:cNvSpPr txBox="1"/>
             <p:nvPr/>
           </p:nvSpPr>
@@ -10756,10 +10988,10 @@
         </p:sp>
         <p:cxnSp>
           <p:nvCxnSpPr>
-            <p:cNvPr id="342" name="Google Shape;342;p23"/>
+            <p:cNvPr id="353" name="Google Shape;353;p23"/>
             <p:cNvCxnSpPr>
-              <a:stCxn id="334" idx="3"/>
-              <a:endCxn id="336" idx="1"/>
+              <a:stCxn id="345" idx="3"/>
+              <a:endCxn id="347" idx="1"/>
             </p:cNvCxnSpPr>
             <p:nvPr/>
           </p:nvCxnSpPr>
@@ -10785,7 +11017,7 @@
         </p:cxnSp>
         <p:cxnSp>
           <p:nvCxnSpPr>
-            <p:cNvPr id="343" name="Google Shape;343;p23"/>
+            <p:cNvPr id="354" name="Google Shape;354;p23"/>
             <p:cNvCxnSpPr/>
             <p:nvPr/>
           </p:nvCxnSpPr>
@@ -10811,7 +11043,7 @@
         </p:cxnSp>
         <p:sp>
           <p:nvSpPr>
-            <p:cNvPr id="344" name="Google Shape;344;p23"/>
+            <p:cNvPr id="355" name="Google Shape;355;p23"/>
             <p:cNvSpPr txBox="1"/>
             <p:nvPr/>
           </p:nvSpPr>
@@ -10870,7 +11102,7 @@
         </p:sp>
         <p:sp>
           <p:nvSpPr>
-            <p:cNvPr id="345" name="Google Shape;345;p23"/>
+            <p:cNvPr id="356" name="Google Shape;356;p23"/>
             <p:cNvSpPr txBox="1"/>
             <p:nvPr/>
           </p:nvSpPr>
@@ -10924,7 +11156,7 @@
         </p:sp>
         <p:sp>
           <p:nvSpPr>
-            <p:cNvPr id="346" name="Google Shape;346;p23"/>
+            <p:cNvPr id="357" name="Google Shape;357;p23"/>
             <p:cNvSpPr txBox="1"/>
             <p:nvPr/>
           </p:nvSpPr>
@@ -10983,7 +11215,7 @@
         </p:sp>
         <p:sp>
           <p:nvSpPr>
-            <p:cNvPr id="347" name="Google Shape;347;p23"/>
+            <p:cNvPr id="358" name="Google Shape;358;p23"/>
             <p:cNvSpPr txBox="1"/>
             <p:nvPr/>
           </p:nvSpPr>
@@ -11042,10 +11274,10 @@
         </p:sp>
         <p:cxnSp>
           <p:nvCxnSpPr>
-            <p:cNvPr id="348" name="Google Shape;348;p23"/>
+            <p:cNvPr id="359" name="Google Shape;359;p23"/>
             <p:cNvCxnSpPr>
-              <a:stCxn id="340" idx="0"/>
-              <a:endCxn id="336" idx="2"/>
+              <a:stCxn id="351" idx="0"/>
+              <a:endCxn id="347" idx="2"/>
             </p:cNvCxnSpPr>
             <p:nvPr/>
           </p:nvCxnSpPr>
@@ -11071,10 +11303,10 @@
         </p:cxnSp>
         <p:cxnSp>
           <p:nvCxnSpPr>
-            <p:cNvPr id="349" name="Google Shape;349;p23"/>
+            <p:cNvPr id="360" name="Google Shape;360;p23"/>
             <p:cNvCxnSpPr>
-              <a:stCxn id="334" idx="2"/>
-              <a:endCxn id="333" idx="0"/>
+              <a:stCxn id="345" idx="2"/>
+              <a:endCxn id="344" idx="0"/>
             </p:cNvCxnSpPr>
             <p:nvPr/>
           </p:nvCxnSpPr>
@@ -11100,7 +11332,7 @@
         </p:cxnSp>
         <p:sp>
           <p:nvSpPr>
-            <p:cNvPr id="350" name="Google Shape;350;p23"/>
+            <p:cNvPr id="361" name="Google Shape;361;p23"/>
             <p:cNvSpPr txBox="1"/>
             <p:nvPr/>
           </p:nvSpPr>
@@ -11142,7 +11374,7 @@
         </p:sp>
         <p:sp>
           <p:nvSpPr>
-            <p:cNvPr id="351" name="Google Shape;351;p23"/>
+            <p:cNvPr id="362" name="Google Shape;362;p23"/>
             <p:cNvSpPr txBox="1"/>
             <p:nvPr/>
           </p:nvSpPr>
@@ -11184,7 +11416,7 @@
         </p:sp>
         <p:sp>
           <p:nvSpPr>
-            <p:cNvPr id="352" name="Google Shape;352;p23"/>
+            <p:cNvPr id="363" name="Google Shape;363;p23"/>
             <p:cNvSpPr txBox="1"/>
             <p:nvPr/>
           </p:nvSpPr>
@@ -11226,7 +11458,7 @@
         </p:sp>
         <p:sp>
           <p:nvSpPr>
-            <p:cNvPr id="353" name="Google Shape;353;p23"/>
+            <p:cNvPr id="364" name="Google Shape;364;p23"/>
             <p:cNvSpPr txBox="1"/>
             <p:nvPr/>
           </p:nvSpPr>
@@ -11269,7 +11501,7 @@
       </p:grpSp>
       <p:sp>
         <p:nvSpPr>
-          <p:cNvPr id="354" name="Google Shape;354;p23"/>
+          <p:cNvPr id="365" name="Google Shape;365;p23"/>
           <p:cNvSpPr txBox="1"/>
           <p:nvPr>
             <p:ph idx="12" type="sldNum"/>
@@ -11320,7 +11552,7 @@
   <p:cSld>
     <p:spTree>
       <p:nvGrpSpPr>
-        <p:cNvPr id="358" name="Shape 358"/>
+        <p:cNvPr id="369" name="Shape 369"/>
         <p:cNvGrpSpPr/>
         <p:nvPr/>
       </p:nvGrpSpPr>
@@ -11334,7 +11566,7 @@
       </p:grpSpPr>
       <p:sp>
         <p:nvSpPr>
-          <p:cNvPr id="359" name="Google Shape;359;p24"/>
+          <p:cNvPr id="370" name="Google Shape;370;p24"/>
           <p:cNvSpPr txBox="1"/>
           <p:nvPr/>
         </p:nvSpPr>
@@ -11376,28 +11608,28 @@
       </p:sp>
       <p:grpSp>
         <p:nvGrpSpPr>
-          <p:cNvPr id="360" name="Google Shape;360;p24"/>
+          <p:cNvPr id="371" name="Google Shape;371;p24"/>
           <p:cNvGrpSpPr/>
           <p:nvPr/>
         </p:nvGrpSpPr>
         <p:grpSpPr>
           <a:xfrm>
-            <a:off x="3836839" y="415490"/>
-            <a:ext cx="6042322" cy="8313019"/>
-            <a:chOff x="-64973" y="106485"/>
-            <a:chExt cx="6042322" cy="8313019"/>
+            <a:off x="3740250" y="415490"/>
+            <a:ext cx="6138911" cy="8313019"/>
+            <a:chOff x="-161562" y="106485"/>
+            <a:chExt cx="6138911" cy="8313019"/>
           </a:xfrm>
         </p:grpSpPr>
         <p:sp>
           <p:nvSpPr>
-            <p:cNvPr id="361" name="Google Shape;361;p24"/>
+            <p:cNvPr id="372" name="Google Shape;372;p24"/>
             <p:cNvSpPr/>
             <p:nvPr/>
           </p:nvSpPr>
           <p:spPr>
             <a:xfrm>
-              <a:off x="-6900" y="186650"/>
-              <a:ext cx="2608800" cy="3663900"/>
+              <a:off x="-161562" y="127919"/>
+              <a:ext cx="2763600" cy="3722700"/>
             </a:xfrm>
             <a:prstGeom prst="roundRect">
               <a:avLst>
@@ -11441,7 +11673,7 @@
         </p:sp>
         <p:sp>
           <p:nvSpPr>
-            <p:cNvPr id="362" name="Google Shape;362;p24"/>
+            <p:cNvPr id="373" name="Google Shape;373;p24"/>
             <p:cNvSpPr txBox="1"/>
             <p:nvPr/>
           </p:nvSpPr>
@@ -11491,7 +11723,7 @@
         </p:sp>
         <p:sp>
           <p:nvSpPr>
-            <p:cNvPr id="363" name="Google Shape;363;p24"/>
+            <p:cNvPr id="374" name="Google Shape;374;p24"/>
             <p:cNvSpPr txBox="1"/>
             <p:nvPr/>
           </p:nvSpPr>
@@ -11541,7 +11773,7 @@
         </p:sp>
         <p:sp>
           <p:nvSpPr>
-            <p:cNvPr id="364" name="Google Shape;364;p24"/>
+            <p:cNvPr id="375" name="Google Shape;375;p24"/>
             <p:cNvSpPr txBox="1"/>
             <p:nvPr/>
           </p:nvSpPr>
@@ -11591,7 +11823,7 @@
         </p:sp>
         <p:sp>
           <p:nvSpPr>
-            <p:cNvPr id="365" name="Google Shape;365;p24"/>
+            <p:cNvPr id="376" name="Google Shape;376;p24"/>
             <p:cNvSpPr txBox="1"/>
             <p:nvPr/>
           </p:nvSpPr>
@@ -11641,7 +11873,7 @@
         </p:sp>
         <p:sp>
           <p:nvSpPr>
-            <p:cNvPr id="366" name="Google Shape;366;p24"/>
+            <p:cNvPr id="377" name="Google Shape;377;p24"/>
             <p:cNvSpPr txBox="1"/>
             <p:nvPr/>
           </p:nvSpPr>
@@ -11683,7 +11915,7 @@
         </p:sp>
         <p:sp>
           <p:nvSpPr>
-            <p:cNvPr id="367" name="Google Shape;367;p24"/>
+            <p:cNvPr id="378" name="Google Shape;378;p24"/>
             <p:cNvSpPr txBox="1"/>
             <p:nvPr/>
           </p:nvSpPr>
@@ -11725,7 +11957,7 @@
         </p:sp>
         <p:sp>
           <p:nvSpPr>
-            <p:cNvPr id="368" name="Google Shape;368;p24"/>
+            <p:cNvPr id="379" name="Google Shape;379;p24"/>
             <p:cNvSpPr txBox="1"/>
             <p:nvPr/>
           </p:nvSpPr>
@@ -11784,7 +12016,7 @@
         </p:sp>
         <p:sp>
           <p:nvSpPr>
-            <p:cNvPr id="369" name="Google Shape;369;p24"/>
+            <p:cNvPr id="380" name="Google Shape;380;p24"/>
             <p:cNvSpPr txBox="1"/>
             <p:nvPr/>
           </p:nvSpPr>
@@ -11826,7 +12058,7 @@
         </p:sp>
         <p:sp>
           <p:nvSpPr>
-            <p:cNvPr id="370" name="Google Shape;370;p24"/>
+            <p:cNvPr id="381" name="Google Shape;381;p24"/>
             <p:cNvSpPr txBox="1"/>
             <p:nvPr/>
           </p:nvSpPr>
@@ -11868,7 +12100,7 @@
         </p:sp>
         <p:cxnSp>
           <p:nvCxnSpPr>
-            <p:cNvPr id="371" name="Google Shape;371;p24"/>
+            <p:cNvPr id="382" name="Google Shape;382;p24"/>
             <p:cNvCxnSpPr/>
             <p:nvPr/>
           </p:nvCxnSpPr>
@@ -11894,7 +12126,7 @@
         </p:cxnSp>
         <p:sp>
           <p:nvSpPr>
-            <p:cNvPr id="372" name="Google Shape;372;p24"/>
+            <p:cNvPr id="383" name="Google Shape;383;p24"/>
             <p:cNvSpPr txBox="1"/>
             <p:nvPr/>
           </p:nvSpPr>
@@ -11953,9 +12185,9 @@
         </p:sp>
         <p:cxnSp>
           <p:nvCxnSpPr>
-            <p:cNvPr id="373" name="Google Shape;373;p24"/>
+            <p:cNvPr id="384" name="Google Shape;384;p24"/>
             <p:cNvCxnSpPr>
-              <a:stCxn id="370" idx="0"/>
+              <a:stCxn id="381" idx="0"/>
             </p:cNvCxnSpPr>
             <p:nvPr/>
           </p:nvCxnSpPr>
@@ -11981,7 +12213,7 @@
         </p:cxnSp>
         <p:sp>
           <p:nvSpPr>
-            <p:cNvPr id="374" name="Google Shape;374;p24"/>
+            <p:cNvPr id="385" name="Google Shape;385;p24"/>
             <p:cNvSpPr txBox="1"/>
             <p:nvPr/>
           </p:nvSpPr>
@@ -12040,10 +12272,10 @@
         </p:sp>
         <p:cxnSp>
           <p:nvCxnSpPr>
-            <p:cNvPr id="375" name="Google Shape;375;p24"/>
+            <p:cNvPr id="386" name="Google Shape;386;p24"/>
             <p:cNvCxnSpPr>
-              <a:stCxn id="376" idx="2"/>
-              <a:endCxn id="365" idx="0"/>
+              <a:stCxn id="387" idx="2"/>
+              <a:endCxn id="376" idx="0"/>
             </p:cNvCxnSpPr>
             <p:nvPr/>
           </p:nvCxnSpPr>
@@ -12069,7 +12301,7 @@
         </p:cxnSp>
         <p:sp>
           <p:nvSpPr>
-            <p:cNvPr id="377" name="Google Shape;377;p24"/>
+            <p:cNvPr id="388" name="Google Shape;388;p24"/>
             <p:cNvSpPr txBox="1"/>
             <p:nvPr/>
           </p:nvSpPr>
@@ -12128,7 +12360,7 @@
         </p:sp>
         <p:sp>
           <p:nvSpPr>
-            <p:cNvPr id="378" name="Google Shape;378;p24"/>
+            <p:cNvPr id="389" name="Google Shape;389;p24"/>
             <p:cNvSpPr txBox="1"/>
             <p:nvPr/>
           </p:nvSpPr>
@@ -12170,7 +12402,7 @@
         </p:sp>
         <p:sp>
           <p:nvSpPr>
-            <p:cNvPr id="379" name="Google Shape;379;p24"/>
+            <p:cNvPr id="390" name="Google Shape;390;p24"/>
             <p:cNvSpPr txBox="1"/>
             <p:nvPr/>
           </p:nvSpPr>
@@ -12212,7 +12444,7 @@
         </p:sp>
         <p:sp>
           <p:nvSpPr>
-            <p:cNvPr id="380" name="Google Shape;380;p24"/>
+            <p:cNvPr id="391" name="Google Shape;391;p24"/>
             <p:cNvSpPr txBox="1"/>
             <p:nvPr/>
           </p:nvSpPr>
@@ -12254,7 +12486,7 @@
         </p:sp>
         <p:sp>
           <p:nvSpPr>
-            <p:cNvPr id="381" name="Google Shape;381;p24"/>
+            <p:cNvPr id="392" name="Google Shape;392;p24"/>
             <p:cNvSpPr txBox="1"/>
             <p:nvPr/>
           </p:nvSpPr>
@@ -12296,7 +12528,7 @@
         </p:sp>
         <p:pic>
           <p:nvPicPr>
-            <p:cNvPr id="376" name="Google Shape;376;p24"/>
+            <p:cNvPr id="387" name="Google Shape;387;p24"/>
             <p:cNvPicPr preferRelativeResize="0"/>
             <p:nvPr/>
           </p:nvPicPr>
@@ -12324,7 +12556,7 @@
         </p:pic>
         <p:pic>
           <p:nvPicPr>
-            <p:cNvPr id="382" name="Google Shape;382;p24"/>
+            <p:cNvPr id="393" name="Google Shape;393;p24"/>
             <p:cNvPicPr preferRelativeResize="0"/>
             <p:nvPr/>
           </p:nvPicPr>
@@ -12352,7 +12584,7 @@
         </p:pic>
         <p:pic>
           <p:nvPicPr>
-            <p:cNvPr id="383" name="Google Shape;383;p24"/>
+            <p:cNvPr id="394" name="Google Shape;394;p24"/>
             <p:cNvPicPr preferRelativeResize="0"/>
             <p:nvPr/>
           </p:nvPicPr>
@@ -12380,7 +12612,7 @@
         </p:pic>
         <p:pic>
           <p:nvPicPr>
-            <p:cNvPr id="384" name="Google Shape;384;p24"/>
+            <p:cNvPr id="395" name="Google Shape;395;p24"/>
             <p:cNvPicPr preferRelativeResize="0"/>
             <p:nvPr/>
           </p:nvPicPr>
@@ -12408,10 +12640,10 @@
         </p:pic>
         <p:cxnSp>
           <p:nvCxnSpPr>
-            <p:cNvPr id="385" name="Google Shape;385;p24"/>
+            <p:cNvPr id="396" name="Google Shape;396;p24"/>
             <p:cNvCxnSpPr>
-              <a:stCxn id="376" idx="3"/>
-              <a:endCxn id="382" idx="1"/>
+              <a:stCxn id="387" idx="3"/>
+              <a:endCxn id="393" idx="1"/>
             </p:cNvCxnSpPr>
             <p:nvPr/>
           </p:nvCxnSpPr>
@@ -12438,7 +12670,7 @@
       </p:grpSp>
       <p:sp>
         <p:nvSpPr>
-          <p:cNvPr id="386" name="Google Shape;386;p24"/>
+          <p:cNvPr id="397" name="Google Shape;397;p24"/>
           <p:cNvSpPr txBox="1"/>
           <p:nvPr>
             <p:ph idx="12" type="sldNum"/>
@@ -12489,7 +12721,7 @@
   <p:cSld>
     <p:spTree>
       <p:nvGrpSpPr>
-        <p:cNvPr id="390" name="Shape 390"/>
+        <p:cNvPr id="401" name="Shape 401"/>
         <p:cNvGrpSpPr/>
         <p:nvPr/>
       </p:nvGrpSpPr>
@@ -12503,7 +12735,7 @@
       </p:grpSpPr>
       <p:sp>
         <p:nvSpPr>
-          <p:cNvPr id="391" name="Google Shape;391;p25"/>
+          <p:cNvPr id="402" name="Google Shape;402;p25"/>
           <p:cNvSpPr txBox="1"/>
           <p:nvPr/>
         </p:nvSpPr>
@@ -12545,7 +12777,7 @@
       </p:sp>
       <p:grpSp>
         <p:nvGrpSpPr>
-          <p:cNvPr id="392" name="Google Shape;392;p25"/>
+          <p:cNvPr id="403" name="Google Shape;403;p25"/>
           <p:cNvGrpSpPr/>
           <p:nvPr/>
         </p:nvGrpSpPr>
@@ -12559,14 +12791,14 @@
         </p:grpSpPr>
         <p:sp>
           <p:nvSpPr>
-            <p:cNvPr id="393" name="Google Shape;393;p25"/>
+            <p:cNvPr id="404" name="Google Shape;404;p25"/>
             <p:cNvSpPr/>
             <p:nvPr/>
           </p:nvSpPr>
           <p:spPr>
             <a:xfrm>
               <a:off x="5183150" y="1352700"/>
-              <a:ext cx="2722500" cy="2546100"/>
+              <a:ext cx="2832000" cy="2546100"/>
             </a:xfrm>
             <a:prstGeom prst="roundRect">
               <a:avLst>
@@ -12610,7 +12842,7 @@
         </p:sp>
         <p:sp>
           <p:nvSpPr>
-            <p:cNvPr id="394" name="Google Shape;394;p25"/>
+            <p:cNvPr id="405" name="Google Shape;405;p25"/>
             <p:cNvSpPr txBox="1"/>
             <p:nvPr/>
           </p:nvSpPr>
@@ -12649,418 +12881,6 @@
                   </a:highlight>
                 </a:rPr>
                 <a:t>B</a:t>
-              </a:r>
-              <a:endParaRPr b="1" sz="4400">
-                <a:highlight>
-                  <a:srgbClr val="FFF2CC"/>
-                </a:highlight>
-              </a:endParaRPr>
-            </a:p>
-          </p:txBody>
-        </p:sp>
-        <p:sp>
-          <p:nvSpPr>
-            <p:cNvPr id="395" name="Google Shape;395;p25"/>
-            <p:cNvSpPr txBox="1"/>
-            <p:nvPr/>
-          </p:nvSpPr>
-          <p:spPr>
-            <a:xfrm>
-              <a:off x="5210759" y="4238833"/>
-              <a:ext cx="650100" cy="459900"/>
-            </a:xfrm>
-            <a:prstGeom prst="rect">
-              <a:avLst/>
-            </a:prstGeom>
-            <a:noFill/>
-            <a:ln>
-              <a:noFill/>
-            </a:ln>
-          </p:spPr>
-          <p:txBody>
-            <a:bodyPr anchorCtr="0" anchor="t" bIns="121900" lIns="121900" spcFirstLastPara="1" rIns="121900" wrap="square" tIns="121900">
-              <a:noAutofit/>
-            </a:bodyPr>
-            <a:lstStyle/>
-            <a:p>
-              <a:pPr indent="0" lvl="0" marL="0" rtl="0" algn="l">
-                <a:spcBef>
-                  <a:spcPts val="0"/>
-                </a:spcBef>
-                <a:spcAft>
-                  <a:spcPts val="0"/>
-                </a:spcAft>
-                <a:buNone/>
-              </a:pPr>
-              <a:r>
-                <a:rPr b="1" lang="en" sz="4400">
-                  <a:highlight>
-                    <a:srgbClr val="FFF2CC"/>
-                  </a:highlight>
-                </a:rPr>
-                <a:t>D</a:t>
-              </a:r>
-              <a:endParaRPr b="1" sz="4400">
-                <a:highlight>
-                  <a:srgbClr val="FFF2CC"/>
-                </a:highlight>
-              </a:endParaRPr>
-            </a:p>
-          </p:txBody>
-        </p:sp>
-        <p:sp>
-          <p:nvSpPr>
-            <p:cNvPr id="396" name="Google Shape;396;p25"/>
-            <p:cNvSpPr txBox="1"/>
-            <p:nvPr/>
-          </p:nvSpPr>
-          <p:spPr>
-            <a:xfrm>
-              <a:off x="10941423" y="1579377"/>
-              <a:ext cx="650100" cy="459900"/>
-            </a:xfrm>
-            <a:prstGeom prst="rect">
-              <a:avLst/>
-            </a:prstGeom>
-            <a:noFill/>
-            <a:ln>
-              <a:noFill/>
-            </a:ln>
-          </p:spPr>
-          <p:txBody>
-            <a:bodyPr anchorCtr="0" anchor="t" bIns="121900" lIns="121900" spcFirstLastPara="1" rIns="121900" wrap="square" tIns="121900">
-              <a:noAutofit/>
-            </a:bodyPr>
-            <a:lstStyle/>
-            <a:p>
-              <a:pPr indent="0" lvl="0" marL="0" rtl="0" algn="l">
-                <a:spcBef>
-                  <a:spcPts val="0"/>
-                </a:spcBef>
-                <a:spcAft>
-                  <a:spcPts val="0"/>
-                </a:spcAft>
-                <a:buNone/>
-              </a:pPr>
-              <a:r>
-                <a:rPr b="1" lang="en" sz="4400">
-                  <a:highlight>
-                    <a:srgbClr val="FFF2CC"/>
-                  </a:highlight>
-                </a:rPr>
-                <a:t>A</a:t>
-              </a:r>
-              <a:endParaRPr b="1" sz="4400">
-                <a:highlight>
-                  <a:srgbClr val="FFF2CC"/>
-                </a:highlight>
-              </a:endParaRPr>
-            </a:p>
-          </p:txBody>
-        </p:sp>
-        <p:sp>
-          <p:nvSpPr>
-            <p:cNvPr id="397" name="Google Shape;397;p25"/>
-            <p:cNvSpPr txBox="1"/>
-            <p:nvPr/>
-          </p:nvSpPr>
-          <p:spPr>
-            <a:xfrm>
-              <a:off x="-102012" y="1598914"/>
-              <a:ext cx="650100" cy="459900"/>
-            </a:xfrm>
-            <a:prstGeom prst="rect">
-              <a:avLst/>
-            </a:prstGeom>
-            <a:noFill/>
-            <a:ln>
-              <a:noFill/>
-            </a:ln>
-          </p:spPr>
-          <p:txBody>
-            <a:bodyPr anchorCtr="0" anchor="t" bIns="121900" lIns="121900" spcFirstLastPara="1" rIns="121900" wrap="square" tIns="121900">
-              <a:noAutofit/>
-            </a:bodyPr>
-            <a:lstStyle/>
-            <a:p>
-              <a:pPr indent="0" lvl="0" marL="0" rtl="0" algn="l">
-                <a:spcBef>
-                  <a:spcPts val="0"/>
-                </a:spcBef>
-                <a:spcAft>
-                  <a:spcPts val="0"/>
-                </a:spcAft>
-                <a:buNone/>
-              </a:pPr>
-              <a:r>
-                <a:rPr b="1" lang="en" sz="4400">
-                  <a:highlight>
-                    <a:srgbClr val="FFF2CC"/>
-                  </a:highlight>
-                </a:rPr>
-                <a:t>C</a:t>
-              </a:r>
-              <a:endParaRPr b="1" sz="4400">
-                <a:highlight>
-                  <a:srgbClr val="FFF2CC"/>
-                </a:highlight>
-              </a:endParaRPr>
-            </a:p>
-          </p:txBody>
-        </p:sp>
-        <p:pic>
-          <p:nvPicPr>
-            <p:cNvPr id="398" name="Google Shape;398;p25"/>
-            <p:cNvPicPr preferRelativeResize="0"/>
-            <p:nvPr/>
-          </p:nvPicPr>
-          <p:blipFill>
-            <a:blip r:embed="rId3">
-              <a:alphaModFix/>
-            </a:blip>
-            <a:stretch>
-              <a:fillRect/>
-            </a:stretch>
-          </p:blipFill>
-          <p:spPr>
-            <a:xfrm>
-              <a:off x="5881442" y="1807008"/>
-              <a:ext cx="1834633" cy="1981232"/>
-            </a:xfrm>
-            <a:prstGeom prst="rect">
-              <a:avLst/>
-            </a:prstGeom>
-            <a:noFill/>
-            <a:ln>
-              <a:noFill/>
-            </a:ln>
-          </p:spPr>
-        </p:pic>
-        <p:pic>
-          <p:nvPicPr>
-            <p:cNvPr id="399" name="Google Shape;399;p25"/>
-            <p:cNvPicPr preferRelativeResize="0"/>
-            <p:nvPr/>
-          </p:nvPicPr>
-          <p:blipFill>
-            <a:blip r:embed="rId4">
-              <a:alphaModFix/>
-            </a:blip>
-            <a:stretch>
-              <a:fillRect/>
-            </a:stretch>
-          </p:blipFill>
-          <p:spPr>
-            <a:xfrm>
-              <a:off x="5954336" y="4184375"/>
-              <a:ext cx="1834633" cy="2057750"/>
-            </a:xfrm>
-            <a:prstGeom prst="rect">
-              <a:avLst/>
-            </a:prstGeom>
-            <a:noFill/>
-            <a:ln>
-              <a:noFill/>
-            </a:ln>
-          </p:spPr>
-        </p:pic>
-        <p:pic>
-          <p:nvPicPr>
-            <p:cNvPr id="400" name="Google Shape;400;p25"/>
-            <p:cNvPicPr preferRelativeResize="0"/>
-            <p:nvPr/>
-          </p:nvPicPr>
-          <p:blipFill rotWithShape="1">
-            <a:blip r:embed="rId5">
-              <a:alphaModFix/>
-            </a:blip>
-            <a:srcRect b="0" l="0" r="0" t="3081"/>
-            <a:stretch/>
-          </p:blipFill>
-          <p:spPr>
-            <a:xfrm>
-              <a:off x="633487" y="1844792"/>
-              <a:ext cx="1834631" cy="2019369"/>
-            </a:xfrm>
-            <a:prstGeom prst="rect">
-              <a:avLst/>
-            </a:prstGeom>
-            <a:noFill/>
-            <a:ln>
-              <a:noFill/>
-            </a:ln>
-          </p:spPr>
-        </p:pic>
-        <p:pic>
-          <p:nvPicPr>
-            <p:cNvPr id="401" name="Google Shape;401;p25"/>
-            <p:cNvPicPr preferRelativeResize="0"/>
-            <p:nvPr/>
-          </p:nvPicPr>
-          <p:blipFill>
-            <a:blip r:embed="rId6">
-              <a:alphaModFix/>
-            </a:blip>
-            <a:stretch>
-              <a:fillRect/>
-            </a:stretch>
-          </p:blipFill>
-          <p:spPr>
-            <a:xfrm>
-              <a:off x="542325" y="4222053"/>
-              <a:ext cx="1834634" cy="2054346"/>
-            </a:xfrm>
-            <a:prstGeom prst="rect">
-              <a:avLst/>
-            </a:prstGeom>
-            <a:noFill/>
-            <a:ln>
-              <a:noFill/>
-            </a:ln>
-          </p:spPr>
-        </p:pic>
-        <p:sp>
-          <p:nvSpPr>
-            <p:cNvPr id="402" name="Google Shape;402;p25"/>
-            <p:cNvSpPr txBox="1"/>
-            <p:nvPr/>
-          </p:nvSpPr>
-          <p:spPr>
-            <a:xfrm>
-              <a:off x="-152400" y="2411601"/>
-              <a:ext cx="1233900" cy="729600"/>
-            </a:xfrm>
-            <a:prstGeom prst="rect">
-              <a:avLst/>
-            </a:prstGeom>
-            <a:noFill/>
-            <a:ln>
-              <a:noFill/>
-            </a:ln>
-          </p:spPr>
-          <p:txBody>
-            <a:bodyPr anchorCtr="0" anchor="t" bIns="121900" lIns="121900" spcFirstLastPara="1" rIns="121900" wrap="square" tIns="121900">
-              <a:noAutofit/>
-            </a:bodyPr>
-            <a:lstStyle/>
-            <a:p>
-              <a:pPr indent="0" lvl="0" marL="0" rtl="0" algn="l">
-                <a:spcBef>
-                  <a:spcPts val="0"/>
-                </a:spcBef>
-                <a:spcAft>
-                  <a:spcPts val="0"/>
-                </a:spcAft>
-                <a:buNone/>
-              </a:pPr>
-              <a:r>
-                <a:rPr b="1" lang="en" sz="2700"/>
-                <a:t>(</a:t>
-              </a:r>
-              <a:r>
-                <a:rPr b="1" lang="en" sz="2700"/>
-                <a:t>+1)</a:t>
-              </a:r>
-              <a:endParaRPr b="1" sz="2700"/>
-            </a:p>
-          </p:txBody>
-        </p:sp>
-        <p:pic>
-          <p:nvPicPr>
-            <p:cNvPr id="403" name="Google Shape;403;p25"/>
-            <p:cNvPicPr preferRelativeResize="0"/>
-            <p:nvPr/>
-          </p:nvPicPr>
-          <p:blipFill rotWithShape="1">
-            <a:blip r:embed="rId7">
-              <a:alphaModFix/>
-            </a:blip>
-            <a:srcRect b="-9" l="0" r="0" t="3035"/>
-            <a:stretch/>
-          </p:blipFill>
-          <p:spPr>
-            <a:xfrm>
-              <a:off x="11604615" y="1852847"/>
-              <a:ext cx="1894284" cy="2045973"/>
-            </a:xfrm>
-            <a:prstGeom prst="rect">
-              <a:avLst/>
-            </a:prstGeom>
-            <a:noFill/>
-            <a:ln>
-              <a:noFill/>
-            </a:ln>
-          </p:spPr>
-        </p:pic>
-        <p:pic>
-          <p:nvPicPr>
-            <p:cNvPr id="404" name="Google Shape;404;p25"/>
-            <p:cNvPicPr preferRelativeResize="0"/>
-            <p:nvPr/>
-          </p:nvPicPr>
-          <p:blipFill>
-            <a:blip r:embed="rId8">
-              <a:alphaModFix/>
-            </a:blip>
-            <a:stretch>
-              <a:fillRect/>
-            </a:stretch>
-          </p:blipFill>
-          <p:spPr>
-            <a:xfrm>
-              <a:off x="11604615" y="4192536"/>
-              <a:ext cx="1834633" cy="2045979"/>
-            </a:xfrm>
-            <a:prstGeom prst="rect">
-              <a:avLst/>
-            </a:prstGeom>
-            <a:noFill/>
-            <a:ln>
-              <a:noFill/>
-            </a:ln>
-          </p:spPr>
-        </p:pic>
-        <p:sp>
-          <p:nvSpPr>
-            <p:cNvPr id="405" name="Google Shape;405;p25"/>
-            <p:cNvSpPr txBox="1"/>
-            <p:nvPr/>
-          </p:nvSpPr>
-          <p:spPr>
-            <a:xfrm>
-              <a:off x="-91929" y="4326399"/>
-              <a:ext cx="650100" cy="459900"/>
-            </a:xfrm>
-            <a:prstGeom prst="rect">
-              <a:avLst/>
-            </a:prstGeom>
-            <a:noFill/>
-            <a:ln>
-              <a:noFill/>
-            </a:ln>
-          </p:spPr>
-          <p:txBody>
-            <a:bodyPr anchorCtr="0" anchor="t" bIns="121900" lIns="121900" spcFirstLastPara="1" rIns="121900" wrap="square" tIns="121900">
-              <a:noAutofit/>
-            </a:bodyPr>
-            <a:lstStyle/>
-            <a:p>
-              <a:pPr indent="0" lvl="0" marL="0" rtl="0" algn="l">
-                <a:spcBef>
-                  <a:spcPts val="0"/>
-                </a:spcBef>
-                <a:spcAft>
-                  <a:spcPts val="0"/>
-                </a:spcAft>
-                <a:buNone/>
-              </a:pPr>
-              <a:r>
-                <a:rPr b="1" lang="en" sz="4400">
-                  <a:highlight>
-                    <a:srgbClr val="FFF2CC"/>
-                  </a:highlight>
-                </a:rPr>
-                <a:t>E</a:t>
               </a:r>
               <a:endParaRPr b="1" sz="4400">
                 <a:highlight>
@@ -13078,7 +12898,7 @@
           </p:nvSpPr>
           <p:spPr>
             <a:xfrm>
-              <a:off x="10996957" y="4229643"/>
+              <a:off x="5210759" y="4238833"/>
               <a:ext cx="650100" cy="459900"/>
             </a:xfrm>
             <a:prstGeom prst="rect">
@@ -13110,7 +12930,7 @@
                     <a:srgbClr val="FFF2CC"/>
                   </a:highlight>
                 </a:rPr>
-                <a:t>F</a:t>
+                <a:t>D</a:t>
               </a:r>
               <a:endParaRPr b="1" sz="4400">
                 <a:highlight>
@@ -13128,8 +12948,8 @@
           </p:nvSpPr>
           <p:spPr>
             <a:xfrm>
-              <a:off x="-152400" y="4975459"/>
-              <a:ext cx="1233900" cy="729600"/>
+              <a:off x="10941423" y="1579377"/>
+              <a:ext cx="650100" cy="459900"/>
             </a:xfrm>
             <a:prstGeom prst="rect">
               <a:avLst/>
@@ -13155,10 +12975,18 @@
                 <a:buNone/>
               </a:pPr>
               <a:r>
-                <a:rPr b="1" lang="en" sz="2700"/>
-                <a:t>(+1)</a:t>
-              </a:r>
-              <a:endParaRPr b="1" sz="2700"/>
+                <a:rPr b="1" lang="en" sz="4400">
+                  <a:highlight>
+                    <a:srgbClr val="FFF2CC"/>
+                  </a:highlight>
+                </a:rPr>
+                <a:t>A</a:t>
+              </a:r>
+              <a:endParaRPr b="1" sz="4400">
+                <a:highlight>
+                  <a:srgbClr val="FFF2CC"/>
+                </a:highlight>
+              </a:endParaRPr>
             </a:p>
           </p:txBody>
         </p:sp>
@@ -13170,8 +12998,8 @@
           </p:nvSpPr>
           <p:spPr>
             <a:xfrm>
-              <a:off x="10941425" y="2341146"/>
-              <a:ext cx="1233900" cy="729600"/>
+              <a:off x="-102012" y="1598914"/>
+              <a:ext cx="650100" cy="459900"/>
             </a:xfrm>
             <a:prstGeom prst="rect">
               <a:avLst/>
@@ -13197,22 +13025,141 @@
                 <a:buNone/>
               </a:pPr>
               <a:r>
-                <a:rPr b="1" lang="en" sz="2700"/>
-                <a:t>(-1)</a:t>
-              </a:r>
-              <a:endParaRPr b="1" sz="2700"/>
+                <a:rPr b="1" lang="en" sz="4400">
+                  <a:highlight>
+                    <a:srgbClr val="FFF2CC"/>
+                  </a:highlight>
+                </a:rPr>
+                <a:t>C</a:t>
+              </a:r>
+              <a:endParaRPr b="1" sz="4400">
+                <a:highlight>
+                  <a:srgbClr val="FFF2CC"/>
+                </a:highlight>
+              </a:endParaRPr>
             </a:p>
           </p:txBody>
         </p:sp>
+        <p:pic>
+          <p:nvPicPr>
+            <p:cNvPr id="409" name="Google Shape;409;p25"/>
+            <p:cNvPicPr preferRelativeResize="0"/>
+            <p:nvPr/>
+          </p:nvPicPr>
+          <p:blipFill>
+            <a:blip r:embed="rId3">
+              <a:alphaModFix/>
+            </a:blip>
+            <a:stretch>
+              <a:fillRect/>
+            </a:stretch>
+          </p:blipFill>
+          <p:spPr>
+            <a:xfrm>
+              <a:off x="5881442" y="1807008"/>
+              <a:ext cx="1834633" cy="1981232"/>
+            </a:xfrm>
+            <a:prstGeom prst="rect">
+              <a:avLst/>
+            </a:prstGeom>
+            <a:noFill/>
+            <a:ln>
+              <a:noFill/>
+            </a:ln>
+          </p:spPr>
+        </p:pic>
+        <p:pic>
+          <p:nvPicPr>
+            <p:cNvPr id="410" name="Google Shape;410;p25"/>
+            <p:cNvPicPr preferRelativeResize="0"/>
+            <p:nvPr/>
+          </p:nvPicPr>
+          <p:blipFill>
+            <a:blip r:embed="rId4">
+              <a:alphaModFix/>
+            </a:blip>
+            <a:stretch>
+              <a:fillRect/>
+            </a:stretch>
+          </p:blipFill>
+          <p:spPr>
+            <a:xfrm>
+              <a:off x="5954336" y="4184375"/>
+              <a:ext cx="1834633" cy="2057750"/>
+            </a:xfrm>
+            <a:prstGeom prst="rect">
+              <a:avLst/>
+            </a:prstGeom>
+            <a:noFill/>
+            <a:ln>
+              <a:noFill/>
+            </a:ln>
+          </p:spPr>
+        </p:pic>
+        <p:pic>
+          <p:nvPicPr>
+            <p:cNvPr id="411" name="Google Shape;411;p25"/>
+            <p:cNvPicPr preferRelativeResize="0"/>
+            <p:nvPr/>
+          </p:nvPicPr>
+          <p:blipFill rotWithShape="1">
+            <a:blip r:embed="rId5">
+              <a:alphaModFix/>
+            </a:blip>
+            <a:srcRect b="0" l="0" r="0" t="3081"/>
+            <a:stretch/>
+          </p:blipFill>
+          <p:spPr>
+            <a:xfrm>
+              <a:off x="633487" y="1844792"/>
+              <a:ext cx="1834631" cy="2019369"/>
+            </a:xfrm>
+            <a:prstGeom prst="rect">
+              <a:avLst/>
+            </a:prstGeom>
+            <a:noFill/>
+            <a:ln>
+              <a:noFill/>
+            </a:ln>
+          </p:spPr>
+        </p:pic>
+        <p:pic>
+          <p:nvPicPr>
+            <p:cNvPr id="412" name="Google Shape;412;p25"/>
+            <p:cNvPicPr preferRelativeResize="0"/>
+            <p:nvPr/>
+          </p:nvPicPr>
+          <p:blipFill>
+            <a:blip r:embed="rId6">
+              <a:alphaModFix/>
+            </a:blip>
+            <a:stretch>
+              <a:fillRect/>
+            </a:stretch>
+          </p:blipFill>
+          <p:spPr>
+            <a:xfrm>
+              <a:off x="542325" y="4222053"/>
+              <a:ext cx="1834634" cy="2054346"/>
+            </a:xfrm>
+            <a:prstGeom prst="rect">
+              <a:avLst/>
+            </a:prstGeom>
+            <a:noFill/>
+            <a:ln>
+              <a:noFill/>
+            </a:ln>
+          </p:spPr>
+        </p:pic>
         <p:sp>
           <p:nvSpPr>
-            <p:cNvPr id="409" name="Google Shape;409;p25"/>
+            <p:cNvPr id="413" name="Google Shape;413;p25"/>
             <p:cNvSpPr txBox="1"/>
             <p:nvPr/>
           </p:nvSpPr>
           <p:spPr>
             <a:xfrm>
-              <a:off x="10996955" y="5032541"/>
+              <a:off x="-152400" y="2411601"/>
               <a:ext cx="1233900" cy="729600"/>
             </a:xfrm>
             <a:prstGeom prst="rect">
@@ -13240,22 +13187,81 @@
               </a:pPr>
               <a:r>
                 <a:rPr b="1" lang="en" sz="2700"/>
-                <a:t>(-1)</a:t>
+                <a:t>(</a:t>
+              </a:r>
+              <a:r>
+                <a:rPr b="1" lang="en" sz="2700"/>
+                <a:t>+1)</a:t>
               </a:r>
               <a:endParaRPr b="1" sz="2700"/>
             </a:p>
           </p:txBody>
         </p:sp>
+        <p:pic>
+          <p:nvPicPr>
+            <p:cNvPr id="414" name="Google Shape;414;p25"/>
+            <p:cNvPicPr preferRelativeResize="0"/>
+            <p:nvPr/>
+          </p:nvPicPr>
+          <p:blipFill rotWithShape="1">
+            <a:blip r:embed="rId7">
+              <a:alphaModFix/>
+            </a:blip>
+            <a:srcRect b="-9" l="0" r="0" t="3035"/>
+            <a:stretch/>
+          </p:blipFill>
+          <p:spPr>
+            <a:xfrm>
+              <a:off x="11604615" y="1852847"/>
+              <a:ext cx="1894284" cy="2045973"/>
+            </a:xfrm>
+            <a:prstGeom prst="rect">
+              <a:avLst/>
+            </a:prstGeom>
+            <a:noFill/>
+            <a:ln>
+              <a:noFill/>
+            </a:ln>
+          </p:spPr>
+        </p:pic>
+        <p:pic>
+          <p:nvPicPr>
+            <p:cNvPr id="415" name="Google Shape;415;p25"/>
+            <p:cNvPicPr preferRelativeResize="0"/>
+            <p:nvPr/>
+          </p:nvPicPr>
+          <p:blipFill>
+            <a:blip r:embed="rId8">
+              <a:alphaModFix/>
+            </a:blip>
+            <a:stretch>
+              <a:fillRect/>
+            </a:stretch>
+          </p:blipFill>
+          <p:spPr>
+            <a:xfrm>
+              <a:off x="11604615" y="4192536"/>
+              <a:ext cx="1834633" cy="2045979"/>
+            </a:xfrm>
+            <a:prstGeom prst="rect">
+              <a:avLst/>
+            </a:prstGeom>
+            <a:noFill/>
+            <a:ln>
+              <a:noFill/>
+            </a:ln>
+          </p:spPr>
+        </p:pic>
         <p:sp>
           <p:nvSpPr>
-            <p:cNvPr id="410" name="Google Shape;410;p25"/>
+            <p:cNvPr id="416" name="Google Shape;416;p25"/>
             <p:cNvSpPr txBox="1"/>
             <p:nvPr/>
           </p:nvSpPr>
           <p:spPr>
             <a:xfrm>
-              <a:off x="5101416" y="2150463"/>
-              <a:ext cx="1233900" cy="729600"/>
+              <a:off x="-91929" y="4326399"/>
+              <a:ext cx="650100" cy="459900"/>
             </a:xfrm>
             <a:prstGeom prst="rect">
               <a:avLst/>
@@ -13281,23 +13287,31 @@
                 <a:buNone/>
               </a:pPr>
               <a:r>
-                <a:rPr b="1" lang="en" sz="2700"/>
-                <a:t>(0)</a:t>
-              </a:r>
-              <a:endParaRPr b="1" sz="2700"/>
+                <a:rPr b="1" lang="en" sz="4400">
+                  <a:highlight>
+                    <a:srgbClr val="FFF2CC"/>
+                  </a:highlight>
+                </a:rPr>
+                <a:t>E</a:t>
+              </a:r>
+              <a:endParaRPr b="1" sz="4400">
+                <a:highlight>
+                  <a:srgbClr val="FFF2CC"/>
+                </a:highlight>
+              </a:endParaRPr>
             </a:p>
           </p:txBody>
         </p:sp>
         <p:sp>
           <p:nvSpPr>
-            <p:cNvPr id="411" name="Google Shape;411;p25"/>
+            <p:cNvPr id="417" name="Google Shape;417;p25"/>
             <p:cNvSpPr txBox="1"/>
             <p:nvPr/>
           </p:nvSpPr>
           <p:spPr>
             <a:xfrm>
-              <a:off x="5210757" y="4860020"/>
-              <a:ext cx="1233900" cy="729600"/>
+              <a:off x="10996957" y="4229643"/>
+              <a:ext cx="650100" cy="459900"/>
             </a:xfrm>
             <a:prstGeom prst="rect">
               <a:avLst/>
@@ -13323,23 +13337,31 @@
                 <a:buNone/>
               </a:pPr>
               <a:r>
-                <a:rPr b="1" lang="en" sz="2700"/>
-                <a:t>(0)</a:t>
-              </a:r>
-              <a:endParaRPr b="1" sz="2700"/>
+                <a:rPr b="1" lang="en" sz="4400">
+                  <a:highlight>
+                    <a:srgbClr val="FFF2CC"/>
+                  </a:highlight>
+                </a:rPr>
+                <a:t>F</a:t>
+              </a:r>
+              <a:endParaRPr b="1" sz="4400">
+                <a:highlight>
+                  <a:srgbClr val="FFF2CC"/>
+                </a:highlight>
+              </a:endParaRPr>
             </a:p>
           </p:txBody>
         </p:sp>
         <p:sp>
           <p:nvSpPr>
-            <p:cNvPr id="412" name="Google Shape;412;p25"/>
+            <p:cNvPr id="418" name="Google Shape;418;p25"/>
             <p:cNvSpPr txBox="1"/>
             <p:nvPr/>
           </p:nvSpPr>
           <p:spPr>
             <a:xfrm>
-              <a:off x="3017459" y="1510893"/>
-              <a:ext cx="1340400" cy="459900"/>
+              <a:off x="-152400" y="4975459"/>
+              <a:ext cx="1233900" cy="729600"/>
             </a:xfrm>
             <a:prstGeom prst="rect">
               <a:avLst/>
@@ -13362,43 +13384,26 @@
                 <a:spcAft>
                   <a:spcPts val="0"/>
                 </a:spcAft>
-                <a:buClr>
-                  <a:schemeClr val="dk1"/>
-                </a:buClr>
-                <a:buSzPts val="1500"/>
-                <a:buFont typeface="Arial"/>
                 <a:buNone/>
               </a:pPr>
               <a:r>
-                <a:rPr b="1" lang="en" sz="2300">
-                  <a:solidFill>
-                    <a:schemeClr val="dk1"/>
-                  </a:solidFill>
-                </a:rPr>
-                <a:t>pKa</a:t>
-              </a:r>
-              <a:r>
-                <a:rPr b="1" baseline="-25000" lang="en" sz="2300">
-                  <a:solidFill>
-                    <a:schemeClr val="dk1"/>
-                  </a:solidFill>
-                </a:rPr>
-                <a:t>CB</a:t>
-              </a:r>
-              <a:endParaRPr sz="1900"/>
+                <a:rPr b="1" lang="en" sz="2700"/>
+                <a:t>(+1)</a:t>
+              </a:r>
+              <a:endParaRPr b="1" sz="2700"/>
             </a:p>
           </p:txBody>
         </p:sp>
         <p:sp>
           <p:nvSpPr>
-            <p:cNvPr id="413" name="Google Shape;413;p25"/>
+            <p:cNvPr id="419" name="Google Shape;419;p25"/>
             <p:cNvSpPr txBox="1"/>
             <p:nvPr/>
           </p:nvSpPr>
           <p:spPr>
             <a:xfrm>
-              <a:off x="8873223" y="1440564"/>
-              <a:ext cx="1171500" cy="459900"/>
+              <a:off x="10941425" y="2341146"/>
+              <a:ext cx="1233900" cy="729600"/>
             </a:xfrm>
             <a:prstGeom prst="rect">
               <a:avLst/>
@@ -13421,43 +13426,26 @@
                 <a:spcAft>
                   <a:spcPts val="0"/>
                 </a:spcAft>
-                <a:buClr>
-                  <a:schemeClr val="dk1"/>
-                </a:buClr>
-                <a:buSzPts val="1500"/>
-                <a:buFont typeface="Arial"/>
                 <a:buNone/>
               </a:pPr>
               <a:r>
-                <a:rPr b="1" lang="en" sz="2300">
-                  <a:solidFill>
-                    <a:schemeClr val="dk1"/>
-                  </a:solidFill>
-                </a:rPr>
-                <a:t>pKa</a:t>
-              </a:r>
-              <a:r>
-                <a:rPr b="1" baseline="-25000" lang="en" sz="2300">
-                  <a:solidFill>
-                    <a:schemeClr val="dk1"/>
-                  </a:solidFill>
-                </a:rPr>
-                <a:t>BA</a:t>
-              </a:r>
-              <a:endParaRPr sz="1900"/>
+                <a:rPr b="1" lang="en" sz="2700"/>
+                <a:t>(-1)</a:t>
+              </a:r>
+              <a:endParaRPr b="1" sz="2700"/>
             </a:p>
           </p:txBody>
         </p:sp>
         <p:sp>
           <p:nvSpPr>
-            <p:cNvPr id="414" name="Google Shape;414;p25"/>
+            <p:cNvPr id="420" name="Google Shape;420;p25"/>
             <p:cNvSpPr txBox="1"/>
             <p:nvPr/>
           </p:nvSpPr>
           <p:spPr>
             <a:xfrm>
-              <a:off x="8722156" y="4666037"/>
-              <a:ext cx="1171500" cy="459900"/>
+              <a:off x="10996955" y="5032541"/>
+              <a:ext cx="1233900" cy="729600"/>
             </a:xfrm>
             <a:prstGeom prst="rect">
               <a:avLst/>
@@ -13480,43 +13468,26 @@
                 <a:spcAft>
                   <a:spcPts val="0"/>
                 </a:spcAft>
-                <a:buClr>
-                  <a:schemeClr val="dk1"/>
-                </a:buClr>
-                <a:buSzPts val="1500"/>
-                <a:buFont typeface="Arial"/>
                 <a:buNone/>
               </a:pPr>
               <a:r>
-                <a:rPr b="1" lang="en" sz="2300">
-                  <a:solidFill>
-                    <a:schemeClr val="dk1"/>
-                  </a:solidFill>
-                </a:rPr>
-                <a:t>pKa</a:t>
-              </a:r>
-              <a:r>
-                <a:rPr b="1" baseline="-25000" lang="en" sz="2300">
-                  <a:solidFill>
-                    <a:schemeClr val="dk1"/>
-                  </a:solidFill>
-                </a:rPr>
-                <a:t>DF</a:t>
-              </a:r>
-              <a:endParaRPr sz="1900"/>
+                <a:rPr b="1" lang="en" sz="2700"/>
+                <a:t>(-1)</a:t>
+              </a:r>
+              <a:endParaRPr b="1" sz="2700"/>
             </a:p>
           </p:txBody>
         </p:sp>
         <p:sp>
           <p:nvSpPr>
-            <p:cNvPr id="415" name="Google Shape;415;p25"/>
+            <p:cNvPr id="421" name="Google Shape;421;p25"/>
             <p:cNvSpPr txBox="1"/>
             <p:nvPr/>
           </p:nvSpPr>
           <p:spPr>
             <a:xfrm>
-              <a:off x="3116463" y="4742465"/>
-              <a:ext cx="1171500" cy="459900"/>
+              <a:off x="5101416" y="2150463"/>
+              <a:ext cx="1233900" cy="729600"/>
             </a:xfrm>
             <a:prstGeom prst="rect">
               <a:avLst/>
@@ -13539,6 +13510,90 @@
                 <a:spcAft>
                   <a:spcPts val="0"/>
                 </a:spcAft>
+                <a:buNone/>
+              </a:pPr>
+              <a:r>
+                <a:rPr b="1" lang="en" sz="2700"/>
+                <a:t>(0)</a:t>
+              </a:r>
+              <a:endParaRPr b="1" sz="2700"/>
+            </a:p>
+          </p:txBody>
+        </p:sp>
+        <p:sp>
+          <p:nvSpPr>
+            <p:cNvPr id="422" name="Google Shape;422;p25"/>
+            <p:cNvSpPr txBox="1"/>
+            <p:nvPr/>
+          </p:nvSpPr>
+          <p:spPr>
+            <a:xfrm>
+              <a:off x="5210757" y="4860020"/>
+              <a:ext cx="1233900" cy="729600"/>
+            </a:xfrm>
+            <a:prstGeom prst="rect">
+              <a:avLst/>
+            </a:prstGeom>
+            <a:noFill/>
+            <a:ln>
+              <a:noFill/>
+            </a:ln>
+          </p:spPr>
+          <p:txBody>
+            <a:bodyPr anchorCtr="0" anchor="t" bIns="121900" lIns="121900" spcFirstLastPara="1" rIns="121900" wrap="square" tIns="121900">
+              <a:noAutofit/>
+            </a:bodyPr>
+            <a:lstStyle/>
+            <a:p>
+              <a:pPr indent="0" lvl="0" marL="0" rtl="0" algn="l">
+                <a:spcBef>
+                  <a:spcPts val="0"/>
+                </a:spcBef>
+                <a:spcAft>
+                  <a:spcPts val="0"/>
+                </a:spcAft>
+                <a:buNone/>
+              </a:pPr>
+              <a:r>
+                <a:rPr b="1" lang="en" sz="2700"/>
+                <a:t>(0)</a:t>
+              </a:r>
+              <a:endParaRPr b="1" sz="2700"/>
+            </a:p>
+          </p:txBody>
+        </p:sp>
+        <p:sp>
+          <p:nvSpPr>
+            <p:cNvPr id="423" name="Google Shape;423;p25"/>
+            <p:cNvSpPr txBox="1"/>
+            <p:nvPr/>
+          </p:nvSpPr>
+          <p:spPr>
+            <a:xfrm>
+              <a:off x="3017459" y="1510893"/>
+              <a:ext cx="1340400" cy="459900"/>
+            </a:xfrm>
+            <a:prstGeom prst="rect">
+              <a:avLst/>
+            </a:prstGeom>
+            <a:noFill/>
+            <a:ln>
+              <a:noFill/>
+            </a:ln>
+          </p:spPr>
+          <p:txBody>
+            <a:bodyPr anchorCtr="0" anchor="t" bIns="121900" lIns="121900" spcFirstLastPara="1" rIns="121900" wrap="square" tIns="121900">
+              <a:noAutofit/>
+            </a:bodyPr>
+            <a:lstStyle/>
+            <a:p>
+              <a:pPr indent="0" lvl="0" marL="0" rtl="0" algn="l">
+                <a:spcBef>
+                  <a:spcPts val="0"/>
+                </a:spcBef>
+                <a:spcAft>
+                  <a:spcPts val="0"/>
+                </a:spcAft>
                 <a:buClr>
                   <a:schemeClr val="dk1"/>
                 </a:buClr>
@@ -13560,6 +13615,183 @@
                     <a:schemeClr val="dk1"/>
                   </a:solidFill>
                 </a:rPr>
+                <a:t>CB</a:t>
+              </a:r>
+              <a:endParaRPr sz="1900"/>
+            </a:p>
+          </p:txBody>
+        </p:sp>
+        <p:sp>
+          <p:nvSpPr>
+            <p:cNvPr id="424" name="Google Shape;424;p25"/>
+            <p:cNvSpPr txBox="1"/>
+            <p:nvPr/>
+          </p:nvSpPr>
+          <p:spPr>
+            <a:xfrm>
+              <a:off x="8873223" y="1440564"/>
+              <a:ext cx="1171500" cy="459900"/>
+            </a:xfrm>
+            <a:prstGeom prst="rect">
+              <a:avLst/>
+            </a:prstGeom>
+            <a:noFill/>
+            <a:ln>
+              <a:noFill/>
+            </a:ln>
+          </p:spPr>
+          <p:txBody>
+            <a:bodyPr anchorCtr="0" anchor="t" bIns="121900" lIns="121900" spcFirstLastPara="1" rIns="121900" wrap="square" tIns="121900">
+              <a:noAutofit/>
+            </a:bodyPr>
+            <a:lstStyle/>
+            <a:p>
+              <a:pPr indent="0" lvl="0" marL="0" rtl="0" algn="l">
+                <a:spcBef>
+                  <a:spcPts val="0"/>
+                </a:spcBef>
+                <a:spcAft>
+                  <a:spcPts val="0"/>
+                </a:spcAft>
+                <a:buClr>
+                  <a:schemeClr val="dk1"/>
+                </a:buClr>
+                <a:buSzPts val="1500"/>
+                <a:buFont typeface="Arial"/>
+                <a:buNone/>
+              </a:pPr>
+              <a:r>
+                <a:rPr b="1" lang="en" sz="2300">
+                  <a:solidFill>
+                    <a:schemeClr val="dk1"/>
+                  </a:solidFill>
+                </a:rPr>
+                <a:t>pKa</a:t>
+              </a:r>
+              <a:r>
+                <a:rPr b="1" baseline="-25000" lang="en" sz="2300">
+                  <a:solidFill>
+                    <a:schemeClr val="dk1"/>
+                  </a:solidFill>
+                </a:rPr>
+                <a:t>BA</a:t>
+              </a:r>
+              <a:endParaRPr sz="1900"/>
+            </a:p>
+          </p:txBody>
+        </p:sp>
+        <p:sp>
+          <p:nvSpPr>
+            <p:cNvPr id="425" name="Google Shape;425;p25"/>
+            <p:cNvSpPr txBox="1"/>
+            <p:nvPr/>
+          </p:nvSpPr>
+          <p:spPr>
+            <a:xfrm>
+              <a:off x="8722156" y="4666037"/>
+              <a:ext cx="1171500" cy="459900"/>
+            </a:xfrm>
+            <a:prstGeom prst="rect">
+              <a:avLst/>
+            </a:prstGeom>
+            <a:noFill/>
+            <a:ln>
+              <a:noFill/>
+            </a:ln>
+          </p:spPr>
+          <p:txBody>
+            <a:bodyPr anchorCtr="0" anchor="t" bIns="121900" lIns="121900" spcFirstLastPara="1" rIns="121900" wrap="square" tIns="121900">
+              <a:noAutofit/>
+            </a:bodyPr>
+            <a:lstStyle/>
+            <a:p>
+              <a:pPr indent="0" lvl="0" marL="0" rtl="0" algn="l">
+                <a:spcBef>
+                  <a:spcPts val="0"/>
+                </a:spcBef>
+                <a:spcAft>
+                  <a:spcPts val="0"/>
+                </a:spcAft>
+                <a:buClr>
+                  <a:schemeClr val="dk1"/>
+                </a:buClr>
+                <a:buSzPts val="1500"/>
+                <a:buFont typeface="Arial"/>
+                <a:buNone/>
+              </a:pPr>
+              <a:r>
+                <a:rPr b="1" lang="en" sz="2300">
+                  <a:solidFill>
+                    <a:schemeClr val="dk1"/>
+                  </a:solidFill>
+                </a:rPr>
+                <a:t>pKa</a:t>
+              </a:r>
+              <a:r>
+                <a:rPr b="1" baseline="-25000" lang="en" sz="2300">
+                  <a:solidFill>
+                    <a:schemeClr val="dk1"/>
+                  </a:solidFill>
+                </a:rPr>
+                <a:t>DF</a:t>
+              </a:r>
+              <a:endParaRPr sz="1900"/>
+            </a:p>
+          </p:txBody>
+        </p:sp>
+        <p:sp>
+          <p:nvSpPr>
+            <p:cNvPr id="426" name="Google Shape;426;p25"/>
+            <p:cNvSpPr txBox="1"/>
+            <p:nvPr/>
+          </p:nvSpPr>
+          <p:spPr>
+            <a:xfrm>
+              <a:off x="3116463" y="4742465"/>
+              <a:ext cx="1171500" cy="459900"/>
+            </a:xfrm>
+            <a:prstGeom prst="rect">
+              <a:avLst/>
+            </a:prstGeom>
+            <a:noFill/>
+            <a:ln>
+              <a:noFill/>
+            </a:ln>
+          </p:spPr>
+          <p:txBody>
+            <a:bodyPr anchorCtr="0" anchor="t" bIns="121900" lIns="121900" spcFirstLastPara="1" rIns="121900" wrap="square" tIns="121900">
+              <a:noAutofit/>
+            </a:bodyPr>
+            <a:lstStyle/>
+            <a:p>
+              <a:pPr indent="0" lvl="0" marL="0" rtl="0" algn="l">
+                <a:spcBef>
+                  <a:spcPts val="0"/>
+                </a:spcBef>
+                <a:spcAft>
+                  <a:spcPts val="0"/>
+                </a:spcAft>
+                <a:buClr>
+                  <a:schemeClr val="dk1"/>
+                </a:buClr>
+                <a:buSzPts val="1500"/>
+                <a:buFont typeface="Arial"/>
+                <a:buNone/>
+              </a:pPr>
+              <a:r>
+                <a:rPr b="1" lang="en" sz="2300">
+                  <a:solidFill>
+                    <a:schemeClr val="dk1"/>
+                  </a:solidFill>
+                </a:rPr>
+                <a:t>pKa</a:t>
+              </a:r>
+              <a:r>
+                <a:rPr b="1" baseline="-25000" lang="en" sz="2300">
+                  <a:solidFill>
+                    <a:schemeClr val="dk1"/>
+                  </a:solidFill>
+                </a:rPr>
                 <a:t>ED</a:t>
               </a:r>
               <a:endParaRPr sz="1900"/>
@@ -13568,7 +13800,7 @@
         </p:sp>
         <p:cxnSp>
           <p:nvCxnSpPr>
-            <p:cNvPr id="416" name="Google Shape;416;p25"/>
+            <p:cNvPr id="427" name="Google Shape;427;p25"/>
             <p:cNvCxnSpPr/>
             <p:nvPr/>
           </p:nvCxnSpPr>
@@ -13594,10 +13826,10 @@
         </p:cxnSp>
         <p:cxnSp>
           <p:nvCxnSpPr>
-            <p:cNvPr id="417" name="Google Shape;417;p25"/>
+            <p:cNvPr id="428" name="Google Shape;428;p25"/>
             <p:cNvCxnSpPr>
-              <a:stCxn id="400" idx="3"/>
-              <a:endCxn id="395" idx="1"/>
+              <a:stCxn id="411" idx="3"/>
+              <a:endCxn id="406" idx="1"/>
             </p:cNvCxnSpPr>
             <p:nvPr/>
           </p:nvCxnSpPr>
@@ -13623,10 +13855,10 @@
         </p:cxnSp>
         <p:cxnSp>
           <p:nvCxnSpPr>
-            <p:cNvPr id="418" name="Google Shape;418;p25"/>
+            <p:cNvPr id="429" name="Google Shape;429;p25"/>
             <p:cNvCxnSpPr>
-              <a:stCxn id="401" idx="3"/>
-              <a:endCxn id="410" idx="1"/>
+              <a:stCxn id="412" idx="3"/>
+              <a:endCxn id="421" idx="1"/>
             </p:cNvCxnSpPr>
             <p:nvPr/>
           </p:nvCxnSpPr>
@@ -13652,7 +13884,7 @@
         </p:cxnSp>
         <p:sp>
           <p:nvSpPr>
-            <p:cNvPr id="419" name="Google Shape;419;p25"/>
+            <p:cNvPr id="430" name="Google Shape;430;p25"/>
             <p:cNvSpPr txBox="1"/>
             <p:nvPr/>
           </p:nvSpPr>
@@ -13711,7 +13943,7 @@
         </p:sp>
         <p:sp>
           <p:nvSpPr>
-            <p:cNvPr id="420" name="Google Shape;420;p25"/>
+            <p:cNvPr id="431" name="Google Shape;431;p25"/>
             <p:cNvSpPr txBox="1"/>
             <p:nvPr/>
           </p:nvSpPr>
@@ -13770,10 +14002,10 @@
         </p:sp>
         <p:cxnSp>
           <p:nvCxnSpPr>
-            <p:cNvPr id="421" name="Google Shape;421;p25"/>
+            <p:cNvPr id="432" name="Google Shape;432;p25"/>
             <p:cNvCxnSpPr>
-              <a:stCxn id="398" idx="3"/>
-              <a:endCxn id="406" idx="1"/>
+              <a:stCxn id="409" idx="3"/>
+              <a:endCxn id="417" idx="1"/>
             </p:cNvCxnSpPr>
             <p:nvPr/>
           </p:nvCxnSpPr>
@@ -13799,10 +14031,10 @@
         </p:cxnSp>
         <p:cxnSp>
           <p:nvCxnSpPr>
-            <p:cNvPr id="422" name="Google Shape;422;p25"/>
+            <p:cNvPr id="433" name="Google Shape;433;p25"/>
             <p:cNvCxnSpPr>
-              <a:stCxn id="399" idx="3"/>
-              <a:endCxn id="408" idx="1"/>
+              <a:stCxn id="410" idx="3"/>
+              <a:endCxn id="419" idx="1"/>
             </p:cNvCxnSpPr>
             <p:nvPr/>
           </p:nvCxnSpPr>
@@ -13828,7 +14060,7 @@
         </p:cxnSp>
         <p:sp>
           <p:nvSpPr>
-            <p:cNvPr id="423" name="Google Shape;423;p25"/>
+            <p:cNvPr id="434" name="Google Shape;434;p25"/>
             <p:cNvSpPr txBox="1"/>
             <p:nvPr/>
           </p:nvSpPr>
@@ -13887,7 +14119,7 @@
         </p:sp>
         <p:sp>
           <p:nvSpPr>
-            <p:cNvPr id="424" name="Google Shape;424;p25"/>
+            <p:cNvPr id="435" name="Google Shape;435;p25"/>
             <p:cNvSpPr txBox="1"/>
             <p:nvPr/>
           </p:nvSpPr>
@@ -13946,7 +14178,7 @@
         </p:sp>
         <p:cxnSp>
           <p:nvCxnSpPr>
-            <p:cNvPr id="425" name="Google Shape;425;p25"/>
+            <p:cNvPr id="436" name="Google Shape;436;p25"/>
             <p:cNvCxnSpPr/>
             <p:nvPr/>
           </p:nvCxnSpPr>
@@ -13972,7 +14204,7 @@
         </p:cxnSp>
         <p:cxnSp>
           <p:nvCxnSpPr>
-            <p:cNvPr id="426" name="Google Shape;426;p25"/>
+            <p:cNvPr id="437" name="Google Shape;437;p25"/>
             <p:cNvCxnSpPr/>
             <p:nvPr/>
           </p:nvCxnSpPr>
@@ -13998,7 +14230,7 @@
         </p:cxnSp>
         <p:cxnSp>
           <p:nvCxnSpPr>
-            <p:cNvPr id="427" name="Google Shape;427;p25"/>
+            <p:cNvPr id="438" name="Google Shape;438;p25"/>
             <p:cNvCxnSpPr/>
             <p:nvPr/>
           </p:nvCxnSpPr>
@@ -14024,7 +14256,7 @@
         </p:cxnSp>
         <p:sp>
           <p:nvSpPr>
-            <p:cNvPr id="428" name="Google Shape;428;p25"/>
+            <p:cNvPr id="439" name="Google Shape;439;p25"/>
             <p:cNvSpPr txBox="1"/>
             <p:nvPr/>
           </p:nvSpPr>
@@ -14066,7 +14298,7 @@
         </p:sp>
         <p:sp>
           <p:nvSpPr>
-            <p:cNvPr id="429" name="Google Shape;429;p25"/>
+            <p:cNvPr id="440" name="Google Shape;440;p25"/>
             <p:cNvSpPr txBox="1"/>
             <p:nvPr/>
           </p:nvSpPr>
@@ -14108,7 +14340,7 @@
         </p:sp>
         <p:sp>
           <p:nvSpPr>
-            <p:cNvPr id="430" name="Google Shape;430;p25"/>
+            <p:cNvPr id="441" name="Google Shape;441;p25"/>
             <p:cNvSpPr txBox="1"/>
             <p:nvPr/>
           </p:nvSpPr>
@@ -14150,7 +14382,7 @@
         </p:sp>
         <p:sp>
           <p:nvSpPr>
-            <p:cNvPr id="431" name="Google Shape;431;p25"/>
+            <p:cNvPr id="442" name="Google Shape;442;p25"/>
             <p:cNvSpPr txBox="1"/>
             <p:nvPr/>
           </p:nvSpPr>
@@ -14192,7 +14424,7 @@
         </p:sp>
         <p:sp>
           <p:nvSpPr>
-            <p:cNvPr id="432" name="Google Shape;432;p25"/>
+            <p:cNvPr id="443" name="Google Shape;443;p25"/>
             <p:cNvSpPr txBox="1"/>
             <p:nvPr/>
           </p:nvSpPr>
@@ -14234,7 +14466,7 @@
         </p:sp>
         <p:sp>
           <p:nvSpPr>
-            <p:cNvPr id="433" name="Google Shape;433;p25"/>
+            <p:cNvPr id="444" name="Google Shape;444;p25"/>
             <p:cNvSpPr txBox="1"/>
             <p:nvPr/>
           </p:nvSpPr>
@@ -14277,7 +14509,7 @@
       </p:grpSp>
       <p:sp>
         <p:nvSpPr>
-          <p:cNvPr id="434" name="Google Shape;434;p25"/>
+          <p:cNvPr id="445" name="Google Shape;445;p25"/>
           <p:cNvSpPr txBox="1"/>
           <p:nvPr>
             <p:ph idx="12" type="sldNum"/>
@@ -14328,7 +14560,7 @@
   <p:cSld>
     <p:spTree>
       <p:nvGrpSpPr>
-        <p:cNvPr id="438" name="Shape 438"/>
+        <p:cNvPr id="449" name="Shape 449"/>
         <p:cNvGrpSpPr/>
         <p:nvPr/>
       </p:nvGrpSpPr>
@@ -14342,7 +14574,7 @@
       </p:grpSpPr>
       <p:sp>
         <p:nvSpPr>
-          <p:cNvPr id="439" name="Google Shape;439;p26"/>
+          <p:cNvPr id="450" name="Google Shape;450;p26"/>
           <p:cNvSpPr txBox="1"/>
           <p:nvPr/>
         </p:nvSpPr>
@@ -14384,7 +14616,7 @@
       </p:sp>
       <p:grpSp>
         <p:nvGrpSpPr>
-          <p:cNvPr id="440" name="Google Shape;440;p26"/>
+          <p:cNvPr id="451" name="Google Shape;451;p26"/>
           <p:cNvGrpSpPr/>
           <p:nvPr/>
         </p:nvGrpSpPr>
@@ -14398,7 +14630,7 @@
         </p:grpSpPr>
         <p:sp>
           <p:nvSpPr>
-            <p:cNvPr id="441" name="Google Shape;441;p26"/>
+            <p:cNvPr id="452" name="Google Shape;452;p26"/>
             <p:cNvSpPr/>
             <p:nvPr/>
           </p:nvSpPr>
@@ -14449,7 +14681,7 @@
         </p:sp>
         <p:sp>
           <p:nvSpPr>
-            <p:cNvPr id="442" name="Google Shape;442;p26"/>
+            <p:cNvPr id="453" name="Google Shape;453;p26"/>
             <p:cNvSpPr txBox="1"/>
             <p:nvPr/>
           </p:nvSpPr>
@@ -14494,7 +14726,7 @@
         </p:sp>
         <p:sp>
           <p:nvSpPr>
-            <p:cNvPr id="443" name="Google Shape;443;p26"/>
+            <p:cNvPr id="454" name="Google Shape;454;p26"/>
             <p:cNvSpPr txBox="1"/>
             <p:nvPr/>
           </p:nvSpPr>
@@ -14544,7 +14776,7 @@
         </p:sp>
         <p:sp>
           <p:nvSpPr>
-            <p:cNvPr id="444" name="Google Shape;444;p26"/>
+            <p:cNvPr id="455" name="Google Shape;455;p26"/>
             <p:cNvSpPr txBox="1"/>
             <p:nvPr/>
           </p:nvSpPr>
@@ -14594,7 +14826,7 @@
         </p:sp>
         <p:sp>
           <p:nvSpPr>
-            <p:cNvPr id="445" name="Google Shape;445;p26"/>
+            <p:cNvPr id="456" name="Google Shape;456;p26"/>
             <p:cNvSpPr txBox="1"/>
             <p:nvPr/>
           </p:nvSpPr>
@@ -14636,7 +14868,7 @@
         </p:sp>
         <p:sp>
           <p:nvSpPr>
-            <p:cNvPr id="446" name="Google Shape;446;p26"/>
+            <p:cNvPr id="457" name="Google Shape;457;p26"/>
             <p:cNvSpPr txBox="1"/>
             <p:nvPr/>
           </p:nvSpPr>
@@ -14678,7 +14910,7 @@
         </p:sp>
         <p:cxnSp>
           <p:nvCxnSpPr>
-            <p:cNvPr id="447" name="Google Shape;447;p26"/>
+            <p:cNvPr id="458" name="Google Shape;458;p26"/>
             <p:cNvCxnSpPr/>
             <p:nvPr/>
           </p:nvCxnSpPr>
@@ -14704,7 +14936,7 @@
         </p:cxnSp>
         <p:sp>
           <p:nvSpPr>
-            <p:cNvPr id="448" name="Google Shape;448;p26"/>
+            <p:cNvPr id="459" name="Google Shape;459;p26"/>
             <p:cNvSpPr txBox="1"/>
             <p:nvPr/>
           </p:nvSpPr>
@@ -14763,7 +14995,7 @@
         </p:sp>
         <p:sp>
           <p:nvSpPr>
-            <p:cNvPr id="449" name="Google Shape;449;p26"/>
+            <p:cNvPr id="460" name="Google Shape;460;p26"/>
             <p:cNvSpPr txBox="1"/>
             <p:nvPr/>
           </p:nvSpPr>
@@ -14805,7 +15037,7 @@
         </p:sp>
         <p:sp>
           <p:nvSpPr>
-            <p:cNvPr id="450" name="Google Shape;450;p26"/>
+            <p:cNvPr id="461" name="Google Shape;461;p26"/>
             <p:cNvSpPr txBox="1"/>
             <p:nvPr/>
           </p:nvSpPr>
@@ -14847,7 +15079,7 @@
         </p:sp>
         <p:pic>
           <p:nvPicPr>
-            <p:cNvPr id="451" name="Google Shape;451;p26"/>
+            <p:cNvPr id="462" name="Google Shape;462;p26"/>
             <p:cNvPicPr preferRelativeResize="0"/>
             <p:nvPr/>
           </p:nvPicPr>
@@ -14875,7 +15107,7 @@
         </p:pic>
         <p:pic>
           <p:nvPicPr>
-            <p:cNvPr id="452" name="Google Shape;452;p26"/>
+            <p:cNvPr id="463" name="Google Shape;463;p26"/>
             <p:cNvPicPr preferRelativeResize="0"/>
             <p:nvPr/>
           </p:nvPicPr>
@@ -14904,7 +15136,7 @@
       </p:grpSp>
       <p:sp>
         <p:nvSpPr>
-          <p:cNvPr id="453" name="Google Shape;453;p26"/>
+          <p:cNvPr id="464" name="Google Shape;464;p26"/>
           <p:cNvSpPr txBox="1"/>
           <p:nvPr>
             <p:ph idx="12" type="sldNum"/>
@@ -14955,7 +15187,7 @@
   <p:cSld>
     <p:spTree>
       <p:nvGrpSpPr>
-        <p:cNvPr id="457" name="Shape 457"/>
+        <p:cNvPr id="468" name="Shape 468"/>
         <p:cNvGrpSpPr/>
         <p:nvPr/>
       </p:nvGrpSpPr>
@@ -14969,7 +15201,7 @@
       </p:grpSpPr>
       <p:sp>
         <p:nvSpPr>
-          <p:cNvPr id="458" name="Google Shape;458;p27"/>
+          <p:cNvPr id="469" name="Google Shape;469;p27"/>
           <p:cNvSpPr txBox="1"/>
           <p:nvPr/>
         </p:nvSpPr>
@@ -15011,7 +15243,7 @@
       </p:sp>
       <p:grpSp>
         <p:nvGrpSpPr>
-          <p:cNvPr id="459" name="Google Shape;459;p27"/>
+          <p:cNvPr id="470" name="Google Shape;470;p27"/>
           <p:cNvGrpSpPr/>
           <p:nvPr/>
         </p:nvGrpSpPr>
@@ -15025,7 +15257,7 @@
         </p:grpSpPr>
         <p:sp>
           <p:nvSpPr>
-            <p:cNvPr id="460" name="Google Shape;460;p27"/>
+            <p:cNvPr id="471" name="Google Shape;471;p27"/>
             <p:cNvSpPr/>
             <p:nvPr/>
           </p:nvSpPr>
@@ -15076,7 +15308,7 @@
         </p:sp>
         <p:sp>
           <p:nvSpPr>
-            <p:cNvPr id="461" name="Google Shape;461;p27"/>
+            <p:cNvPr id="472" name="Google Shape;472;p27"/>
             <p:cNvSpPr txBox="1"/>
             <p:nvPr/>
           </p:nvSpPr>
@@ -15121,7 +15353,7 @@
         </p:sp>
         <p:sp>
           <p:nvSpPr>
-            <p:cNvPr id="462" name="Google Shape;462;p27"/>
+            <p:cNvPr id="473" name="Google Shape;473;p27"/>
             <p:cNvSpPr txBox="1"/>
             <p:nvPr/>
           </p:nvSpPr>
@@ -15171,7 +15403,7 @@
         </p:sp>
         <p:sp>
           <p:nvSpPr>
-            <p:cNvPr id="463" name="Google Shape;463;p27"/>
+            <p:cNvPr id="474" name="Google Shape;474;p27"/>
             <p:cNvSpPr txBox="1"/>
             <p:nvPr/>
           </p:nvSpPr>
@@ -15221,7 +15453,7 @@
         </p:sp>
         <p:sp>
           <p:nvSpPr>
-            <p:cNvPr id="464" name="Google Shape;464;p27"/>
+            <p:cNvPr id="475" name="Google Shape;475;p27"/>
             <p:cNvSpPr txBox="1"/>
             <p:nvPr/>
           </p:nvSpPr>
@@ -15263,7 +15495,7 @@
         </p:sp>
         <p:sp>
           <p:nvSpPr>
-            <p:cNvPr id="465" name="Google Shape;465;p27"/>
+            <p:cNvPr id="476" name="Google Shape;476;p27"/>
             <p:cNvSpPr txBox="1"/>
             <p:nvPr/>
           </p:nvSpPr>
@@ -15305,7 +15537,7 @@
         </p:sp>
         <p:cxnSp>
           <p:nvCxnSpPr>
-            <p:cNvPr id="466" name="Google Shape;466;p27"/>
+            <p:cNvPr id="477" name="Google Shape;477;p27"/>
             <p:cNvCxnSpPr/>
             <p:nvPr/>
           </p:nvCxnSpPr>
@@ -15331,7 +15563,7 @@
         </p:cxnSp>
         <p:sp>
           <p:nvSpPr>
-            <p:cNvPr id="467" name="Google Shape;467;p27"/>
+            <p:cNvPr id="478" name="Google Shape;478;p27"/>
             <p:cNvSpPr txBox="1"/>
             <p:nvPr/>
           </p:nvSpPr>
@@ -15390,7 +15622,7 @@
         </p:sp>
         <p:sp>
           <p:nvSpPr>
-            <p:cNvPr id="468" name="Google Shape;468;p27"/>
+            <p:cNvPr id="479" name="Google Shape;479;p27"/>
             <p:cNvSpPr txBox="1"/>
             <p:nvPr/>
           </p:nvSpPr>
@@ -15432,7 +15664,7 @@
         </p:sp>
         <p:sp>
           <p:nvSpPr>
-            <p:cNvPr id="469" name="Google Shape;469;p27"/>
+            <p:cNvPr id="480" name="Google Shape;480;p27"/>
             <p:cNvSpPr txBox="1"/>
             <p:nvPr/>
           </p:nvSpPr>
@@ -15474,7 +15706,7 @@
         </p:sp>
         <p:pic>
           <p:nvPicPr>
-            <p:cNvPr id="470" name="Google Shape;470;p27"/>
+            <p:cNvPr id="481" name="Google Shape;481;p27"/>
             <p:cNvPicPr preferRelativeResize="0"/>
             <p:nvPr/>
           </p:nvPicPr>
@@ -15502,7 +15734,7 @@
         </p:pic>
         <p:pic>
           <p:nvPicPr>
-            <p:cNvPr id="471" name="Google Shape;471;p27"/>
+            <p:cNvPr id="482" name="Google Shape;482;p27"/>
             <p:cNvPicPr preferRelativeResize="0"/>
             <p:nvPr/>
           </p:nvPicPr>
@@ -15531,7 +15763,7 @@
       </p:grpSp>
       <p:sp>
         <p:nvSpPr>
-          <p:cNvPr id="472" name="Google Shape;472;p27"/>
+          <p:cNvPr id="483" name="Google Shape;483;p27"/>
           <p:cNvSpPr txBox="1"/>
           <p:nvPr>
             <p:ph idx="12" type="sldNum"/>
@@ -15582,7 +15814,7 @@
   <p:cSld>
     <p:spTree>
       <p:nvGrpSpPr>
-        <p:cNvPr id="476" name="Shape 476"/>
+        <p:cNvPr id="487" name="Shape 487"/>
         <p:cNvGrpSpPr/>
         <p:nvPr/>
       </p:nvGrpSpPr>
@@ -15596,7 +15828,7 @@
       </p:grpSpPr>
       <p:sp>
         <p:nvSpPr>
-          <p:cNvPr id="477" name="Google Shape;477;p28"/>
+          <p:cNvPr id="488" name="Google Shape;488;p28"/>
           <p:cNvSpPr txBox="1"/>
           <p:nvPr/>
         </p:nvSpPr>
@@ -15638,7 +15870,7 @@
       </p:sp>
       <p:grpSp>
         <p:nvGrpSpPr>
-          <p:cNvPr id="478" name="Google Shape;478;p28"/>
+          <p:cNvPr id="489" name="Google Shape;489;p28"/>
           <p:cNvGrpSpPr/>
           <p:nvPr/>
         </p:nvGrpSpPr>
@@ -15652,7 +15884,7 @@
         </p:grpSpPr>
         <p:sp>
           <p:nvSpPr>
-            <p:cNvPr id="479" name="Google Shape;479;p28"/>
+            <p:cNvPr id="490" name="Google Shape;490;p28"/>
             <p:cNvSpPr/>
             <p:nvPr/>
           </p:nvSpPr>
@@ -15703,7 +15935,7 @@
         </p:sp>
         <p:sp>
           <p:nvSpPr>
-            <p:cNvPr id="480" name="Google Shape;480;p28"/>
+            <p:cNvPr id="491" name="Google Shape;491;p28"/>
             <p:cNvSpPr txBox="1"/>
             <p:nvPr/>
           </p:nvSpPr>
@@ -15753,7 +15985,7 @@
         </p:sp>
         <p:sp>
           <p:nvSpPr>
-            <p:cNvPr id="481" name="Google Shape;481;p28"/>
+            <p:cNvPr id="492" name="Google Shape;492;p28"/>
             <p:cNvSpPr txBox="1"/>
             <p:nvPr/>
           </p:nvSpPr>
@@ -15803,7 +16035,7 @@
         </p:sp>
         <p:sp>
           <p:nvSpPr>
-            <p:cNvPr id="482" name="Google Shape;482;p28"/>
+            <p:cNvPr id="493" name="Google Shape;493;p28"/>
             <p:cNvSpPr txBox="1"/>
             <p:nvPr/>
           </p:nvSpPr>
@@ -15853,7 +16085,7 @@
         </p:sp>
         <p:sp>
           <p:nvSpPr>
-            <p:cNvPr id="483" name="Google Shape;483;p28"/>
+            <p:cNvPr id="494" name="Google Shape;494;p28"/>
             <p:cNvSpPr txBox="1"/>
             <p:nvPr/>
           </p:nvSpPr>
@@ -15895,10 +16127,10 @@
         </p:sp>
         <p:cxnSp>
           <p:nvCxnSpPr>
-            <p:cNvPr id="484" name="Google Shape;484;p28"/>
+            <p:cNvPr id="495" name="Google Shape;495;p28"/>
             <p:cNvCxnSpPr>
-              <a:stCxn id="485" idx="3"/>
-              <a:endCxn id="486" idx="1"/>
+              <a:stCxn id="496" idx="3"/>
+              <a:endCxn id="497" idx="1"/>
             </p:cNvCxnSpPr>
             <p:nvPr/>
           </p:nvCxnSpPr>
@@ -15924,10 +16156,10 @@
         </p:cxnSp>
         <p:cxnSp>
           <p:nvCxnSpPr>
-            <p:cNvPr id="487" name="Google Shape;487;p28"/>
+            <p:cNvPr id="498" name="Google Shape;498;p28"/>
             <p:cNvCxnSpPr>
-              <a:stCxn id="486" idx="3"/>
-              <a:endCxn id="488" idx="1"/>
+              <a:stCxn id="497" idx="3"/>
+              <a:endCxn id="499" idx="1"/>
             </p:cNvCxnSpPr>
             <p:nvPr/>
           </p:nvCxnSpPr>
@@ -15953,7 +16185,7 @@
         </p:cxnSp>
         <p:sp>
           <p:nvSpPr>
-            <p:cNvPr id="489" name="Google Shape;489;p28"/>
+            <p:cNvPr id="500" name="Google Shape;500;p28"/>
             <p:cNvSpPr txBox="1"/>
             <p:nvPr/>
           </p:nvSpPr>
@@ -15995,7 +16227,7 @@
         </p:sp>
         <p:pic>
           <p:nvPicPr>
-            <p:cNvPr id="486" name="Google Shape;486;p28"/>
+            <p:cNvPr id="497" name="Google Shape;497;p28"/>
             <p:cNvPicPr preferRelativeResize="0"/>
             <p:nvPr/>
           </p:nvPicPr>
@@ -16023,7 +16255,7 @@
         </p:pic>
         <p:pic>
           <p:nvPicPr>
-            <p:cNvPr id="485" name="Google Shape;485;p28"/>
+            <p:cNvPr id="496" name="Google Shape;496;p28"/>
             <p:cNvPicPr preferRelativeResize="0"/>
             <p:nvPr/>
           </p:nvPicPr>
@@ -16051,7 +16283,7 @@
         </p:pic>
         <p:pic>
           <p:nvPicPr>
-            <p:cNvPr id="488" name="Google Shape;488;p28"/>
+            <p:cNvPr id="499" name="Google Shape;499;p28"/>
             <p:cNvPicPr preferRelativeResize="0"/>
             <p:nvPr/>
           </p:nvPicPr>
@@ -16079,7 +16311,7 @@
         </p:pic>
         <p:sp>
           <p:nvSpPr>
-            <p:cNvPr id="490" name="Google Shape;490;p28"/>
+            <p:cNvPr id="501" name="Google Shape;501;p28"/>
             <p:cNvSpPr txBox="1"/>
             <p:nvPr/>
           </p:nvSpPr>
@@ -16121,7 +16353,7 @@
         </p:sp>
         <p:sp>
           <p:nvSpPr>
-            <p:cNvPr id="491" name="Google Shape;491;p28"/>
+            <p:cNvPr id="502" name="Google Shape;502;p28"/>
             <p:cNvSpPr txBox="1"/>
             <p:nvPr/>
           </p:nvSpPr>
@@ -16180,7 +16412,7 @@
         </p:sp>
         <p:sp>
           <p:nvSpPr>
-            <p:cNvPr id="492" name="Google Shape;492;p28"/>
+            <p:cNvPr id="503" name="Google Shape;503;p28"/>
             <p:cNvSpPr txBox="1"/>
             <p:nvPr/>
           </p:nvSpPr>
@@ -16239,7 +16471,7 @@
         </p:sp>
         <p:sp>
           <p:nvSpPr>
-            <p:cNvPr id="493" name="Google Shape;493;p28"/>
+            <p:cNvPr id="504" name="Google Shape;504;p28"/>
             <p:cNvSpPr txBox="1"/>
             <p:nvPr/>
           </p:nvSpPr>
@@ -16281,7 +16513,7 @@
         </p:sp>
         <p:sp>
           <p:nvSpPr>
-            <p:cNvPr id="494" name="Google Shape;494;p28"/>
+            <p:cNvPr id="505" name="Google Shape;505;p28"/>
             <p:cNvSpPr txBox="1"/>
             <p:nvPr/>
           </p:nvSpPr>
@@ -16323,7 +16555,7 @@
         </p:sp>
         <p:sp>
           <p:nvSpPr>
-            <p:cNvPr id="495" name="Google Shape;495;p28"/>
+            <p:cNvPr id="506" name="Google Shape;506;p28"/>
             <p:cNvSpPr txBox="1"/>
             <p:nvPr/>
           </p:nvSpPr>
@@ -16366,7 +16598,7 @@
       </p:grpSp>
       <p:sp>
         <p:nvSpPr>
-          <p:cNvPr id="496" name="Google Shape;496;p28"/>
+          <p:cNvPr id="507" name="Google Shape;507;p28"/>
           <p:cNvSpPr txBox="1"/>
           <p:nvPr>
             <p:ph idx="12" type="sldNum"/>
@@ -16417,7 +16649,7 @@
   <p:cSld>
     <p:spTree>
       <p:nvGrpSpPr>
-        <p:cNvPr id="500" name="Shape 500"/>
+        <p:cNvPr id="511" name="Shape 511"/>
         <p:cNvGrpSpPr/>
         <p:nvPr/>
       </p:nvGrpSpPr>
@@ -16431,7 +16663,7 @@
       </p:grpSpPr>
       <p:sp>
         <p:nvSpPr>
-          <p:cNvPr id="501" name="Google Shape;501;p29"/>
+          <p:cNvPr id="512" name="Google Shape;512;p29"/>
           <p:cNvSpPr txBox="1"/>
           <p:nvPr/>
         </p:nvSpPr>
@@ -16473,7 +16705,7 @@
       </p:sp>
       <p:grpSp>
         <p:nvGrpSpPr>
-          <p:cNvPr id="502" name="Google Shape;502;p29"/>
+          <p:cNvPr id="513" name="Google Shape;513;p29"/>
           <p:cNvGrpSpPr/>
           <p:nvPr/>
         </p:nvGrpSpPr>
@@ -16487,7 +16719,7 @@
         </p:grpSpPr>
         <p:sp>
           <p:nvSpPr>
-            <p:cNvPr id="503" name="Google Shape;503;p29"/>
+            <p:cNvPr id="514" name="Google Shape;514;p29"/>
             <p:cNvSpPr/>
             <p:nvPr/>
           </p:nvSpPr>
@@ -16538,7 +16770,7 @@
         </p:sp>
         <p:pic>
           <p:nvPicPr>
-            <p:cNvPr id="504" name="Google Shape;504;p29"/>
+            <p:cNvPr id="515" name="Google Shape;515;p29"/>
             <p:cNvPicPr preferRelativeResize="0"/>
             <p:nvPr/>
           </p:nvPicPr>
@@ -16565,7 +16797,7 @@
         </p:pic>
         <p:pic>
           <p:nvPicPr>
-            <p:cNvPr id="505" name="Google Shape;505;p29"/>
+            <p:cNvPr id="516" name="Google Shape;516;p29"/>
             <p:cNvPicPr preferRelativeResize="0"/>
             <p:nvPr/>
           </p:nvPicPr>
@@ -16593,7 +16825,7 @@
         </p:pic>
         <p:pic>
           <p:nvPicPr>
-            <p:cNvPr id="506" name="Google Shape;506;p29"/>
+            <p:cNvPr id="517" name="Google Shape;517;p29"/>
             <p:cNvPicPr preferRelativeResize="0"/>
             <p:nvPr/>
           </p:nvPicPr>
@@ -16621,7 +16853,7 @@
         </p:pic>
         <p:sp>
           <p:nvSpPr>
-            <p:cNvPr id="507" name="Google Shape;507;p29"/>
+            <p:cNvPr id="518" name="Google Shape;518;p29"/>
             <p:cNvSpPr txBox="1"/>
             <p:nvPr/>
           </p:nvSpPr>
@@ -16671,7 +16903,7 @@
         </p:sp>
         <p:sp>
           <p:nvSpPr>
-            <p:cNvPr id="508" name="Google Shape;508;p29"/>
+            <p:cNvPr id="519" name="Google Shape;519;p29"/>
             <p:cNvSpPr txBox="1"/>
             <p:nvPr/>
           </p:nvSpPr>
@@ -16721,7 +16953,7 @@
         </p:sp>
         <p:sp>
           <p:nvSpPr>
-            <p:cNvPr id="509" name="Google Shape;509;p29"/>
+            <p:cNvPr id="520" name="Google Shape;520;p29"/>
             <p:cNvSpPr txBox="1"/>
             <p:nvPr/>
           </p:nvSpPr>
@@ -16771,7 +17003,7 @@
         </p:sp>
         <p:sp>
           <p:nvSpPr>
-            <p:cNvPr id="510" name="Google Shape;510;p29"/>
+            <p:cNvPr id="521" name="Google Shape;521;p29"/>
             <p:cNvSpPr txBox="1"/>
             <p:nvPr/>
           </p:nvSpPr>
@@ -16813,10 +17045,10 @@
         </p:sp>
         <p:cxnSp>
           <p:nvCxnSpPr>
-            <p:cNvPr id="511" name="Google Shape;511;p29"/>
+            <p:cNvPr id="522" name="Google Shape;522;p29"/>
             <p:cNvCxnSpPr>
-              <a:stCxn id="506" idx="3"/>
-              <a:endCxn id="504" idx="1"/>
+              <a:stCxn id="517" idx="3"/>
+              <a:endCxn id="515" idx="1"/>
             </p:cNvCxnSpPr>
             <p:nvPr/>
           </p:nvCxnSpPr>
@@ -16842,10 +17074,10 @@
         </p:cxnSp>
         <p:cxnSp>
           <p:nvCxnSpPr>
-            <p:cNvPr id="512" name="Google Shape;512;p29"/>
+            <p:cNvPr id="523" name="Google Shape;523;p29"/>
             <p:cNvCxnSpPr>
-              <a:stCxn id="504" idx="3"/>
-              <a:endCxn id="505" idx="1"/>
+              <a:stCxn id="515" idx="3"/>
+              <a:endCxn id="516" idx="1"/>
             </p:cNvCxnSpPr>
             <p:nvPr/>
           </p:nvCxnSpPr>
@@ -16871,7 +17103,7 @@
         </p:cxnSp>
         <p:sp>
           <p:nvSpPr>
-            <p:cNvPr id="513" name="Google Shape;513;p29"/>
+            <p:cNvPr id="524" name="Google Shape;524;p29"/>
             <p:cNvSpPr txBox="1"/>
             <p:nvPr/>
           </p:nvSpPr>
@@ -16913,7 +17145,7 @@
         </p:sp>
         <p:sp>
           <p:nvSpPr>
-            <p:cNvPr id="514" name="Google Shape;514;p29"/>
+            <p:cNvPr id="525" name="Google Shape;525;p29"/>
             <p:cNvSpPr txBox="1"/>
             <p:nvPr/>
           </p:nvSpPr>
@@ -16955,7 +17187,7 @@
         </p:sp>
         <p:sp>
           <p:nvSpPr>
-            <p:cNvPr id="515" name="Google Shape;515;p29"/>
+            <p:cNvPr id="526" name="Google Shape;526;p29"/>
             <p:cNvSpPr txBox="1"/>
             <p:nvPr/>
           </p:nvSpPr>
@@ -17014,7 +17246,7 @@
         </p:sp>
         <p:sp>
           <p:nvSpPr>
-            <p:cNvPr id="516" name="Google Shape;516;p29"/>
+            <p:cNvPr id="527" name="Google Shape;527;p29"/>
             <p:cNvSpPr txBox="1"/>
             <p:nvPr/>
           </p:nvSpPr>
@@ -17073,7 +17305,7 @@
         </p:sp>
         <p:sp>
           <p:nvSpPr>
-            <p:cNvPr id="517" name="Google Shape;517;p29"/>
+            <p:cNvPr id="528" name="Google Shape;528;p29"/>
             <p:cNvSpPr txBox="1"/>
             <p:nvPr/>
           </p:nvSpPr>
@@ -17115,7 +17347,7 @@
         </p:sp>
         <p:sp>
           <p:nvSpPr>
-            <p:cNvPr id="518" name="Google Shape;518;p29"/>
+            <p:cNvPr id="529" name="Google Shape;529;p29"/>
             <p:cNvSpPr txBox="1"/>
             <p:nvPr/>
           </p:nvSpPr>
@@ -17157,7 +17389,7 @@
         </p:sp>
         <p:sp>
           <p:nvSpPr>
-            <p:cNvPr id="519" name="Google Shape;519;p29"/>
+            <p:cNvPr id="530" name="Google Shape;530;p29"/>
             <p:cNvSpPr txBox="1"/>
             <p:nvPr/>
           </p:nvSpPr>
@@ -17200,7 +17432,7 @@
       </p:grpSp>
       <p:sp>
         <p:nvSpPr>
-          <p:cNvPr id="520" name="Google Shape;520;p29"/>
+          <p:cNvPr id="531" name="Google Shape;531;p29"/>
           <p:cNvSpPr txBox="1"/>
           <p:nvPr>
             <p:ph idx="12" type="sldNum"/>
@@ -17251,7 +17483,7 @@
   <p:cSld>
     <p:spTree>
       <p:nvGrpSpPr>
-        <p:cNvPr id="524" name="Shape 524"/>
+        <p:cNvPr id="535" name="Shape 535"/>
         <p:cNvGrpSpPr/>
         <p:nvPr/>
       </p:nvGrpSpPr>
@@ -17265,7 +17497,7 @@
       </p:grpSpPr>
       <p:sp>
         <p:nvSpPr>
-          <p:cNvPr id="525" name="Google Shape;525;p30"/>
+          <p:cNvPr id="536" name="Google Shape;536;p30"/>
           <p:cNvSpPr txBox="1"/>
           <p:nvPr/>
         </p:nvSpPr>
@@ -17307,7 +17539,7 @@
       </p:sp>
       <p:grpSp>
         <p:nvGrpSpPr>
-          <p:cNvPr id="526" name="Google Shape;526;p30"/>
+          <p:cNvPr id="537" name="Google Shape;537;p30"/>
           <p:cNvGrpSpPr/>
           <p:nvPr/>
         </p:nvGrpSpPr>
@@ -17321,7 +17553,7 @@
         </p:grpSpPr>
         <p:sp>
           <p:nvSpPr>
-            <p:cNvPr id="527" name="Google Shape;527;p30"/>
+            <p:cNvPr id="538" name="Google Shape;538;p30"/>
             <p:cNvSpPr/>
             <p:nvPr/>
           </p:nvSpPr>
@@ -17372,7 +17604,7 @@
         </p:sp>
         <p:pic>
           <p:nvPicPr>
-            <p:cNvPr id="528" name="Google Shape;528;p30"/>
+            <p:cNvPr id="539" name="Google Shape;539;p30"/>
             <p:cNvPicPr preferRelativeResize="0"/>
             <p:nvPr/>
           </p:nvPicPr>
@@ -17399,7 +17631,7 @@
         </p:pic>
         <p:pic>
           <p:nvPicPr>
-            <p:cNvPr id="529" name="Google Shape;529;p30"/>
+            <p:cNvPr id="540" name="Google Shape;540;p30"/>
             <p:cNvPicPr preferRelativeResize="0"/>
             <p:nvPr/>
           </p:nvPicPr>
@@ -17427,7 +17659,7 @@
         </p:pic>
         <p:pic>
           <p:nvPicPr>
-            <p:cNvPr id="530" name="Google Shape;530;p30"/>
+            <p:cNvPr id="541" name="Google Shape;541;p30"/>
             <p:cNvPicPr preferRelativeResize="0"/>
             <p:nvPr/>
           </p:nvPicPr>
@@ -17455,7 +17687,7 @@
         </p:pic>
         <p:sp>
           <p:nvSpPr>
-            <p:cNvPr id="531" name="Google Shape;531;p30"/>
+            <p:cNvPr id="542" name="Google Shape;542;p30"/>
             <p:cNvSpPr txBox="1"/>
             <p:nvPr/>
           </p:nvSpPr>
@@ -17505,7 +17737,7 @@
         </p:sp>
         <p:sp>
           <p:nvSpPr>
-            <p:cNvPr id="532" name="Google Shape;532;p30"/>
+            <p:cNvPr id="543" name="Google Shape;543;p30"/>
             <p:cNvSpPr txBox="1"/>
             <p:nvPr/>
           </p:nvSpPr>
@@ -17555,7 +17787,7 @@
         </p:sp>
         <p:sp>
           <p:nvSpPr>
-            <p:cNvPr id="533" name="Google Shape;533;p30"/>
+            <p:cNvPr id="544" name="Google Shape;544;p30"/>
             <p:cNvSpPr txBox="1"/>
             <p:nvPr/>
           </p:nvSpPr>
@@ -17605,7 +17837,7 @@
         </p:sp>
         <p:sp>
           <p:nvSpPr>
-            <p:cNvPr id="534" name="Google Shape;534;p30"/>
+            <p:cNvPr id="545" name="Google Shape;545;p30"/>
             <p:cNvSpPr txBox="1"/>
             <p:nvPr/>
           </p:nvSpPr>
@@ -17647,7 +17879,7 @@
         </p:sp>
         <p:cxnSp>
           <p:nvCxnSpPr>
-            <p:cNvPr id="535" name="Google Shape;535;p30"/>
+            <p:cNvPr id="546" name="Google Shape;546;p30"/>
             <p:cNvCxnSpPr/>
             <p:nvPr/>
           </p:nvCxnSpPr>
@@ -17673,7 +17905,7 @@
         </p:cxnSp>
         <p:cxnSp>
           <p:nvCxnSpPr>
-            <p:cNvPr id="536" name="Google Shape;536;p30"/>
+            <p:cNvPr id="547" name="Google Shape;547;p30"/>
             <p:cNvCxnSpPr/>
             <p:nvPr/>
           </p:nvCxnSpPr>
@@ -17699,7 +17931,7 @@
         </p:cxnSp>
         <p:sp>
           <p:nvSpPr>
-            <p:cNvPr id="537" name="Google Shape;537;p30"/>
+            <p:cNvPr id="548" name="Google Shape;548;p30"/>
             <p:cNvSpPr txBox="1"/>
             <p:nvPr/>
           </p:nvSpPr>
@@ -17741,7 +17973,7 @@
         </p:sp>
         <p:sp>
           <p:nvSpPr>
-            <p:cNvPr id="538" name="Google Shape;538;p30"/>
+            <p:cNvPr id="549" name="Google Shape;549;p30"/>
             <p:cNvSpPr txBox="1"/>
             <p:nvPr/>
           </p:nvSpPr>
@@ -17783,7 +18015,7 @@
         </p:sp>
         <p:sp>
           <p:nvSpPr>
-            <p:cNvPr id="539" name="Google Shape;539;p30"/>
+            <p:cNvPr id="550" name="Google Shape;550;p30"/>
             <p:cNvSpPr txBox="1"/>
             <p:nvPr/>
           </p:nvSpPr>
@@ -17842,7 +18074,7 @@
         </p:sp>
         <p:sp>
           <p:nvSpPr>
-            <p:cNvPr id="540" name="Google Shape;540;p30"/>
+            <p:cNvPr id="551" name="Google Shape;551;p30"/>
             <p:cNvSpPr txBox="1"/>
             <p:nvPr/>
           </p:nvSpPr>
@@ -17901,7 +18133,7 @@
         </p:sp>
         <p:sp>
           <p:nvSpPr>
-            <p:cNvPr id="541" name="Google Shape;541;p30"/>
+            <p:cNvPr id="552" name="Google Shape;552;p30"/>
             <p:cNvSpPr txBox="1"/>
             <p:nvPr/>
           </p:nvSpPr>
@@ -17943,7 +18175,7 @@
         </p:sp>
         <p:sp>
           <p:nvSpPr>
-            <p:cNvPr id="542" name="Google Shape;542;p30"/>
+            <p:cNvPr id="553" name="Google Shape;553;p30"/>
             <p:cNvSpPr txBox="1"/>
             <p:nvPr/>
           </p:nvSpPr>
@@ -17985,7 +18217,7 @@
         </p:sp>
         <p:sp>
           <p:nvSpPr>
-            <p:cNvPr id="543" name="Google Shape;543;p30"/>
+            <p:cNvPr id="554" name="Google Shape;554;p30"/>
             <p:cNvSpPr txBox="1"/>
             <p:nvPr/>
           </p:nvSpPr>
@@ -18027,7 +18259,7 @@
         </p:sp>
         <p:pic>
           <p:nvPicPr>
-            <p:cNvPr id="544" name="Google Shape;544;p30"/>
+            <p:cNvPr id="555" name="Google Shape;555;p30"/>
             <p:cNvPicPr preferRelativeResize="0"/>
             <p:nvPr/>
           </p:nvPicPr>
@@ -18055,7 +18287,7 @@
         </p:pic>
         <p:sp>
           <p:nvSpPr>
-            <p:cNvPr id="545" name="Google Shape;545;p30"/>
+            <p:cNvPr id="556" name="Google Shape;556;p30"/>
             <p:cNvSpPr txBox="1"/>
             <p:nvPr/>
           </p:nvSpPr>
@@ -18105,7 +18337,7 @@
         </p:sp>
         <p:sp>
           <p:nvSpPr>
-            <p:cNvPr id="546" name="Google Shape;546;p30"/>
+            <p:cNvPr id="557" name="Google Shape;557;p30"/>
             <p:cNvSpPr txBox="1"/>
             <p:nvPr/>
           </p:nvSpPr>
@@ -18147,9 +18379,9 @@
         </p:sp>
         <p:cxnSp>
           <p:nvCxnSpPr>
-            <p:cNvPr id="547" name="Google Shape;547;p30"/>
+            <p:cNvPr id="558" name="Google Shape;558;p30"/>
             <p:cNvCxnSpPr>
-              <a:stCxn id="530" idx="2"/>
+              <a:stCxn id="541" idx="2"/>
             </p:cNvCxnSpPr>
             <p:nvPr/>
           </p:nvCxnSpPr>
@@ -18175,7 +18407,7 @@
         </p:cxnSp>
         <p:sp>
           <p:nvSpPr>
-            <p:cNvPr id="548" name="Google Shape;548;p30"/>
+            <p:cNvPr id="559" name="Google Shape;559;p30"/>
             <p:cNvSpPr txBox="1"/>
             <p:nvPr/>
           </p:nvSpPr>
@@ -18234,9 +18466,9 @@
         </p:sp>
         <p:cxnSp>
           <p:nvCxnSpPr>
-            <p:cNvPr id="549" name="Google Shape;549;p30"/>
+            <p:cNvPr id="560" name="Google Shape;560;p30"/>
             <p:cNvCxnSpPr>
-              <a:endCxn id="529" idx="2"/>
+              <a:endCxn id="540" idx="2"/>
             </p:cNvCxnSpPr>
             <p:nvPr/>
           </p:nvCxnSpPr>
@@ -18262,7 +18494,7 @@
         </p:cxnSp>
         <p:sp>
           <p:nvSpPr>
-            <p:cNvPr id="550" name="Google Shape;550;p30"/>
+            <p:cNvPr id="561" name="Google Shape;561;p30"/>
             <p:cNvSpPr txBox="1"/>
             <p:nvPr/>
           </p:nvSpPr>
@@ -18329,7 +18561,7 @@
         </p:sp>
         <p:sp>
           <p:nvSpPr>
-            <p:cNvPr id="551" name="Google Shape;551;p30"/>
+            <p:cNvPr id="562" name="Google Shape;562;p30"/>
             <p:cNvSpPr txBox="1"/>
             <p:nvPr/>
           </p:nvSpPr>
@@ -18372,7 +18604,7 @@
       </p:grpSp>
       <p:sp>
         <p:nvSpPr>
-          <p:cNvPr id="552" name="Google Shape;552;p30"/>
+          <p:cNvPr id="563" name="Google Shape;563;p30"/>
           <p:cNvSpPr txBox="1"/>
           <p:nvPr>
             <p:ph idx="12" type="sldNum"/>
@@ -18423,7 +18655,7 @@
   <p:cSld>
     <p:spTree>
       <p:nvGrpSpPr>
-        <p:cNvPr id="556" name="Shape 556"/>
+        <p:cNvPr id="567" name="Shape 567"/>
         <p:cNvGrpSpPr/>
         <p:nvPr/>
       </p:nvGrpSpPr>
@@ -18437,7 +18669,7 @@
       </p:grpSpPr>
       <p:sp>
         <p:nvSpPr>
-          <p:cNvPr id="557" name="Google Shape;557;p31"/>
+          <p:cNvPr id="568" name="Google Shape;568;p31"/>
           <p:cNvSpPr txBox="1"/>
           <p:nvPr/>
         </p:nvSpPr>
@@ -18479,7 +18711,7 @@
       </p:sp>
       <p:grpSp>
         <p:nvGrpSpPr>
-          <p:cNvPr id="558" name="Google Shape;558;p31"/>
+          <p:cNvPr id="569" name="Google Shape;569;p31"/>
           <p:cNvGrpSpPr/>
           <p:nvPr/>
         </p:nvGrpSpPr>
@@ -18493,7 +18725,7 @@
         </p:grpSpPr>
         <p:sp>
           <p:nvSpPr>
-            <p:cNvPr id="559" name="Google Shape;559;p31"/>
+            <p:cNvPr id="570" name="Google Shape;570;p31"/>
             <p:cNvSpPr/>
             <p:nvPr/>
           </p:nvSpPr>
@@ -18544,7 +18776,7 @@
         </p:sp>
         <p:sp>
           <p:nvSpPr>
-            <p:cNvPr id="560" name="Google Shape;560;p31"/>
+            <p:cNvPr id="571" name="Google Shape;571;p31"/>
             <p:cNvSpPr txBox="1"/>
             <p:nvPr/>
           </p:nvSpPr>
@@ -18594,7 +18826,7 @@
         </p:sp>
         <p:sp>
           <p:nvSpPr>
-            <p:cNvPr id="561" name="Google Shape;561;p31"/>
+            <p:cNvPr id="572" name="Google Shape;572;p31"/>
             <p:cNvSpPr txBox="1"/>
             <p:nvPr/>
           </p:nvSpPr>
@@ -18644,7 +18876,7 @@
         </p:sp>
         <p:sp>
           <p:nvSpPr>
-            <p:cNvPr id="562" name="Google Shape;562;p31"/>
+            <p:cNvPr id="573" name="Google Shape;573;p31"/>
             <p:cNvSpPr txBox="1"/>
             <p:nvPr/>
           </p:nvSpPr>
@@ -18694,7 +18926,7 @@
         </p:sp>
         <p:sp>
           <p:nvSpPr>
-            <p:cNvPr id="563" name="Google Shape;563;p31"/>
+            <p:cNvPr id="574" name="Google Shape;574;p31"/>
             <p:cNvSpPr txBox="1"/>
             <p:nvPr/>
           </p:nvSpPr>
@@ -18736,7 +18968,7 @@
         </p:sp>
         <p:sp>
           <p:nvSpPr>
-            <p:cNvPr id="564" name="Google Shape;564;p31"/>
+            <p:cNvPr id="575" name="Google Shape;575;p31"/>
             <p:cNvSpPr txBox="1"/>
             <p:nvPr/>
           </p:nvSpPr>
@@ -18778,7 +19010,7 @@
         </p:sp>
         <p:pic>
           <p:nvPicPr>
-            <p:cNvPr id="565" name="Google Shape;565;p31"/>
+            <p:cNvPr id="576" name="Google Shape;576;p31"/>
             <p:cNvPicPr preferRelativeResize="0"/>
             <p:nvPr/>
           </p:nvPicPr>
@@ -18805,7 +19037,7 @@
         </p:pic>
         <p:pic>
           <p:nvPicPr>
-            <p:cNvPr id="566" name="Google Shape;566;p31"/>
+            <p:cNvPr id="577" name="Google Shape;577;p31"/>
             <p:cNvPicPr preferRelativeResize="0"/>
             <p:nvPr/>
           </p:nvPicPr>
@@ -18832,7 +19064,7 @@
         </p:pic>
         <p:pic>
           <p:nvPicPr>
-            <p:cNvPr id="567" name="Google Shape;567;p31"/>
+            <p:cNvPr id="578" name="Google Shape;578;p31"/>
             <p:cNvPicPr preferRelativeResize="0"/>
             <p:nvPr/>
           </p:nvPicPr>
@@ -18859,7 +19091,7 @@
         </p:pic>
         <p:pic>
           <p:nvPicPr>
-            <p:cNvPr id="568" name="Google Shape;568;p31"/>
+            <p:cNvPr id="579" name="Google Shape;579;p31"/>
             <p:cNvPicPr preferRelativeResize="0"/>
             <p:nvPr/>
           </p:nvPicPr>
@@ -18887,7 +19119,7 @@
         </p:pic>
         <p:sp>
           <p:nvSpPr>
-            <p:cNvPr id="569" name="Google Shape;569;p31"/>
+            <p:cNvPr id="580" name="Google Shape;580;p31"/>
             <p:cNvSpPr txBox="1"/>
             <p:nvPr/>
           </p:nvSpPr>
@@ -18937,7 +19169,7 @@
         </p:sp>
         <p:sp>
           <p:nvSpPr>
-            <p:cNvPr id="570" name="Google Shape;570;p31"/>
+            <p:cNvPr id="581" name="Google Shape;581;p31"/>
             <p:cNvSpPr txBox="1"/>
             <p:nvPr/>
           </p:nvSpPr>
@@ -18979,7 +19211,7 @@
         </p:sp>
         <p:sp>
           <p:nvSpPr>
-            <p:cNvPr id="571" name="Google Shape;571;p31"/>
+            <p:cNvPr id="582" name="Google Shape;582;p31"/>
             <p:cNvSpPr txBox="1"/>
             <p:nvPr/>
           </p:nvSpPr>
@@ -19021,7 +19253,7 @@
         </p:sp>
         <p:cxnSp>
           <p:nvCxnSpPr>
-            <p:cNvPr id="572" name="Google Shape;572;p31"/>
+            <p:cNvPr id="583" name="Google Shape;583;p31"/>
             <p:cNvCxnSpPr/>
             <p:nvPr/>
           </p:nvCxnSpPr>
@@ -19047,7 +19279,7 @@
         </p:cxnSp>
         <p:sp>
           <p:nvSpPr>
-            <p:cNvPr id="573" name="Google Shape;573;p31"/>
+            <p:cNvPr id="584" name="Google Shape;584;p31"/>
             <p:cNvSpPr txBox="1"/>
             <p:nvPr/>
           </p:nvSpPr>
@@ -19106,10 +19338,10 @@
         </p:sp>
         <p:cxnSp>
           <p:nvCxnSpPr>
-            <p:cNvPr id="574" name="Google Shape;574;p31"/>
+            <p:cNvPr id="585" name="Google Shape;585;p31"/>
             <p:cNvCxnSpPr>
-              <a:stCxn id="565" idx="3"/>
-              <a:endCxn id="566" idx="1"/>
+              <a:stCxn id="576" idx="3"/>
+              <a:endCxn id="577" idx="1"/>
             </p:cNvCxnSpPr>
             <p:nvPr/>
           </p:nvCxnSpPr>
@@ -19135,7 +19367,7 @@
         </p:cxnSp>
         <p:sp>
           <p:nvSpPr>
-            <p:cNvPr id="575" name="Google Shape;575;p31"/>
+            <p:cNvPr id="586" name="Google Shape;586;p31"/>
             <p:cNvSpPr txBox="1"/>
             <p:nvPr/>
           </p:nvSpPr>
@@ -19194,7 +19426,7 @@
         </p:sp>
         <p:cxnSp>
           <p:nvCxnSpPr>
-            <p:cNvPr id="576" name="Google Shape;576;p31"/>
+            <p:cNvPr id="587" name="Google Shape;587;p31"/>
             <p:cNvCxnSpPr/>
             <p:nvPr/>
           </p:nvCxnSpPr>
@@ -19220,7 +19452,7 @@
         </p:cxnSp>
         <p:sp>
           <p:nvSpPr>
-            <p:cNvPr id="577" name="Google Shape;577;p31"/>
+            <p:cNvPr id="588" name="Google Shape;588;p31"/>
             <p:cNvSpPr txBox="1"/>
             <p:nvPr/>
           </p:nvSpPr>
@@ -19279,7 +19511,7 @@
         </p:sp>
         <p:sp>
           <p:nvSpPr>
-            <p:cNvPr id="578" name="Google Shape;578;p31"/>
+            <p:cNvPr id="589" name="Google Shape;589;p31"/>
             <p:cNvSpPr txBox="1"/>
             <p:nvPr/>
           </p:nvSpPr>
@@ -19321,7 +19553,7 @@
         </p:sp>
         <p:sp>
           <p:nvSpPr>
-            <p:cNvPr id="579" name="Google Shape;579;p31"/>
+            <p:cNvPr id="590" name="Google Shape;590;p31"/>
             <p:cNvSpPr txBox="1"/>
             <p:nvPr/>
           </p:nvSpPr>
@@ -19363,7 +19595,7 @@
         </p:sp>
         <p:sp>
           <p:nvSpPr>
-            <p:cNvPr id="580" name="Google Shape;580;p31"/>
+            <p:cNvPr id="591" name="Google Shape;591;p31"/>
             <p:cNvSpPr txBox="1"/>
             <p:nvPr/>
           </p:nvSpPr>
@@ -19405,7 +19637,7 @@
         </p:sp>
         <p:sp>
           <p:nvSpPr>
-            <p:cNvPr id="581" name="Google Shape;581;p31"/>
+            <p:cNvPr id="592" name="Google Shape;592;p31"/>
             <p:cNvSpPr txBox="1"/>
             <p:nvPr/>
           </p:nvSpPr>
@@ -19447,7 +19679,7 @@
         </p:sp>
         <p:pic>
           <p:nvPicPr>
-            <p:cNvPr id="582" name="Google Shape;582;p31"/>
+            <p:cNvPr id="593" name="Google Shape;593;p31"/>
             <p:cNvPicPr preferRelativeResize="0"/>
             <p:nvPr/>
           </p:nvPicPr>
@@ -19475,7 +19707,7 @@
         </p:pic>
         <p:sp>
           <p:nvSpPr>
-            <p:cNvPr id="583" name="Google Shape;583;p31"/>
+            <p:cNvPr id="594" name="Google Shape;594;p31"/>
             <p:cNvSpPr txBox="1"/>
             <p:nvPr/>
           </p:nvSpPr>
@@ -19525,7 +19757,7 @@
         </p:sp>
         <p:sp>
           <p:nvSpPr>
-            <p:cNvPr id="584" name="Google Shape;584;p31"/>
+            <p:cNvPr id="595" name="Google Shape;595;p31"/>
             <p:cNvSpPr txBox="1"/>
             <p:nvPr/>
           </p:nvSpPr>
@@ -19567,7 +19799,7 @@
         </p:sp>
         <p:pic>
           <p:nvPicPr>
-            <p:cNvPr id="585" name="Google Shape;585;p31"/>
+            <p:cNvPr id="596" name="Google Shape;596;p31"/>
             <p:cNvPicPr preferRelativeResize="0"/>
             <p:nvPr/>
           </p:nvPicPr>
@@ -19595,7 +19827,7 @@
         </p:pic>
         <p:sp>
           <p:nvSpPr>
-            <p:cNvPr id="586" name="Google Shape;586;p31"/>
+            <p:cNvPr id="597" name="Google Shape;597;p31"/>
             <p:cNvSpPr txBox="1"/>
             <p:nvPr/>
           </p:nvSpPr>
@@ -19645,7 +19877,7 @@
         </p:sp>
         <p:sp>
           <p:nvSpPr>
-            <p:cNvPr id="587" name="Google Shape;587;p31"/>
+            <p:cNvPr id="598" name="Google Shape;598;p31"/>
             <p:cNvSpPr txBox="1"/>
             <p:nvPr/>
           </p:nvSpPr>
@@ -19687,7 +19919,7 @@
         </p:sp>
         <p:cxnSp>
           <p:nvCxnSpPr>
-            <p:cNvPr id="588" name="Google Shape;588;p31"/>
+            <p:cNvPr id="599" name="Google Shape;599;p31"/>
             <p:cNvCxnSpPr/>
             <p:nvPr/>
           </p:nvCxnSpPr>
@@ -19713,9 +19945,9 @@
         </p:cxnSp>
         <p:cxnSp>
           <p:nvCxnSpPr>
-            <p:cNvPr id="589" name="Google Shape;589;p31"/>
+            <p:cNvPr id="600" name="Google Shape;600;p31"/>
             <p:cNvCxnSpPr>
-              <a:endCxn id="583" idx="0"/>
+              <a:endCxn id="594" idx="0"/>
             </p:cNvCxnSpPr>
             <p:nvPr/>
           </p:nvCxnSpPr>
@@ -19741,7 +19973,7 @@
         </p:cxnSp>
         <p:cxnSp>
           <p:nvCxnSpPr>
-            <p:cNvPr id="590" name="Google Shape;590;p31"/>
+            <p:cNvPr id="601" name="Google Shape;601;p31"/>
             <p:cNvCxnSpPr/>
             <p:nvPr/>
           </p:nvCxnSpPr>
@@ -19767,9 +19999,9 @@
         </p:cxnSp>
         <p:cxnSp>
           <p:nvCxnSpPr>
-            <p:cNvPr id="591" name="Google Shape;591;p31"/>
+            <p:cNvPr id="602" name="Google Shape;602;p31"/>
             <p:cNvCxnSpPr>
-              <a:endCxn id="566" idx="2"/>
+              <a:endCxn id="577" idx="2"/>
             </p:cNvCxnSpPr>
             <p:nvPr/>
           </p:nvCxnSpPr>
@@ -19795,7 +20027,7 @@
         </p:cxnSp>
         <p:cxnSp>
           <p:nvCxnSpPr>
-            <p:cNvPr id="592" name="Google Shape;592;p31"/>
+            <p:cNvPr id="603" name="Google Shape;603;p31"/>
             <p:cNvCxnSpPr/>
             <p:nvPr/>
           </p:nvCxnSpPr>
@@ -19821,7 +20053,7 @@
         </p:cxnSp>
         <p:sp>
           <p:nvSpPr>
-            <p:cNvPr id="593" name="Google Shape;593;p31"/>
+            <p:cNvPr id="604" name="Google Shape;604;p31"/>
             <p:cNvSpPr txBox="1"/>
             <p:nvPr/>
           </p:nvSpPr>
@@ -19880,7 +20112,7 @@
         </p:sp>
         <p:sp>
           <p:nvSpPr>
-            <p:cNvPr id="594" name="Google Shape;594;p31"/>
+            <p:cNvPr id="605" name="Google Shape;605;p31"/>
             <p:cNvSpPr txBox="1"/>
             <p:nvPr/>
           </p:nvSpPr>
@@ -19939,7 +20171,7 @@
         </p:sp>
         <p:sp>
           <p:nvSpPr>
-            <p:cNvPr id="595" name="Google Shape;595;p31"/>
+            <p:cNvPr id="606" name="Google Shape;606;p31"/>
             <p:cNvSpPr txBox="1"/>
             <p:nvPr/>
           </p:nvSpPr>
@@ -19998,7 +20230,7 @@
         </p:sp>
         <p:sp>
           <p:nvSpPr>
-            <p:cNvPr id="596" name="Google Shape;596;p31"/>
+            <p:cNvPr id="607" name="Google Shape;607;p31"/>
             <p:cNvSpPr txBox="1"/>
             <p:nvPr/>
           </p:nvSpPr>
@@ -20057,7 +20289,7 @@
         </p:sp>
         <p:sp>
           <p:nvSpPr>
-            <p:cNvPr id="597" name="Google Shape;597;p31"/>
+            <p:cNvPr id="608" name="Google Shape;608;p31"/>
             <p:cNvSpPr txBox="1"/>
             <p:nvPr/>
           </p:nvSpPr>
@@ -20116,7 +20348,7 @@
         </p:sp>
         <p:sp>
           <p:nvSpPr>
-            <p:cNvPr id="598" name="Google Shape;598;p31"/>
+            <p:cNvPr id="609" name="Google Shape;609;p31"/>
             <p:cNvSpPr txBox="1"/>
             <p:nvPr/>
           </p:nvSpPr>
@@ -20158,7 +20390,7 @@
         </p:sp>
         <p:sp>
           <p:nvSpPr>
-            <p:cNvPr id="599" name="Google Shape;599;p31"/>
+            <p:cNvPr id="610" name="Google Shape;610;p31"/>
             <p:cNvSpPr txBox="1"/>
             <p:nvPr/>
           </p:nvSpPr>
@@ -20201,7 +20433,7 @@
       </p:grpSp>
       <p:sp>
         <p:nvSpPr>
-          <p:cNvPr id="600" name="Google Shape;600;p31"/>
+          <p:cNvPr id="611" name="Google Shape;611;p31"/>
           <p:cNvSpPr txBox="1"/>
           <p:nvPr>
             <p:ph idx="12" type="sldNum"/>
@@ -22225,7 +22457,7 @@
   <p:cSld>
     <p:spTree>
       <p:nvGrpSpPr>
-        <p:cNvPr id="604" name="Shape 604"/>
+        <p:cNvPr id="615" name="Shape 615"/>
         <p:cNvGrpSpPr/>
         <p:nvPr/>
       </p:nvGrpSpPr>
@@ -22239,7 +22471,7 @@
       </p:grpSpPr>
       <p:sp>
         <p:nvSpPr>
-          <p:cNvPr id="605" name="Google Shape;605;p32"/>
+          <p:cNvPr id="616" name="Google Shape;616;p32"/>
           <p:cNvSpPr txBox="1"/>
           <p:nvPr/>
         </p:nvSpPr>
@@ -22281,7 +22513,7 @@
       </p:sp>
       <p:grpSp>
         <p:nvGrpSpPr>
-          <p:cNvPr id="606" name="Google Shape;606;p32"/>
+          <p:cNvPr id="617" name="Google Shape;617;p32"/>
           <p:cNvGrpSpPr/>
           <p:nvPr/>
         </p:nvGrpSpPr>
@@ -22295,7 +22527,7 @@
         </p:grpSpPr>
         <p:sp>
           <p:nvSpPr>
-            <p:cNvPr id="607" name="Google Shape;607;p32"/>
+            <p:cNvPr id="618" name="Google Shape;618;p32"/>
             <p:cNvSpPr/>
             <p:nvPr/>
           </p:nvSpPr>
@@ -22346,7 +22578,7 @@
         </p:sp>
         <p:pic>
           <p:nvPicPr>
-            <p:cNvPr id="608" name="Google Shape;608;p32"/>
+            <p:cNvPr id="619" name="Google Shape;619;p32"/>
             <p:cNvPicPr preferRelativeResize="0"/>
             <p:nvPr/>
           </p:nvPicPr>
@@ -22373,7 +22605,7 @@
         </p:pic>
         <p:pic>
           <p:nvPicPr>
-            <p:cNvPr id="609" name="Google Shape;609;p32"/>
+            <p:cNvPr id="620" name="Google Shape;620;p32"/>
             <p:cNvPicPr preferRelativeResize="0"/>
             <p:nvPr/>
           </p:nvPicPr>
@@ -22400,7 +22632,7 @@
         </p:pic>
         <p:pic>
           <p:nvPicPr>
-            <p:cNvPr id="610" name="Google Shape;610;p32"/>
+            <p:cNvPr id="621" name="Google Shape;621;p32"/>
             <p:cNvPicPr preferRelativeResize="0"/>
             <p:nvPr/>
           </p:nvPicPr>
@@ -22427,7 +22659,7 @@
         </p:pic>
         <p:sp>
           <p:nvSpPr>
-            <p:cNvPr id="611" name="Google Shape;611;p32"/>
+            <p:cNvPr id="622" name="Google Shape;622;p32"/>
             <p:cNvSpPr txBox="1"/>
             <p:nvPr/>
           </p:nvSpPr>
@@ -22477,7 +22709,7 @@
         </p:sp>
         <p:sp>
           <p:nvSpPr>
-            <p:cNvPr id="612" name="Google Shape;612;p32"/>
+            <p:cNvPr id="623" name="Google Shape;623;p32"/>
             <p:cNvSpPr txBox="1"/>
             <p:nvPr/>
           </p:nvSpPr>
@@ -22527,7 +22759,7 @@
         </p:sp>
         <p:sp>
           <p:nvSpPr>
-            <p:cNvPr id="613" name="Google Shape;613;p32"/>
+            <p:cNvPr id="624" name="Google Shape;624;p32"/>
             <p:cNvSpPr txBox="1"/>
             <p:nvPr/>
           </p:nvSpPr>
@@ -22577,7 +22809,7 @@
         </p:sp>
         <p:sp>
           <p:nvSpPr>
-            <p:cNvPr id="614" name="Google Shape;614;p32"/>
+            <p:cNvPr id="625" name="Google Shape;625;p32"/>
             <p:cNvSpPr txBox="1"/>
             <p:nvPr/>
           </p:nvSpPr>
@@ -22619,7 +22851,7 @@
         </p:sp>
         <p:sp>
           <p:nvSpPr>
-            <p:cNvPr id="615" name="Google Shape;615;p32"/>
+            <p:cNvPr id="626" name="Google Shape;626;p32"/>
             <p:cNvSpPr txBox="1"/>
             <p:nvPr/>
           </p:nvSpPr>
@@ -22661,7 +22893,7 @@
         </p:sp>
         <p:sp>
           <p:nvSpPr>
-            <p:cNvPr id="616" name="Google Shape;616;p32"/>
+            <p:cNvPr id="627" name="Google Shape;627;p32"/>
             <p:cNvSpPr txBox="1"/>
             <p:nvPr/>
           </p:nvSpPr>
@@ -22703,10 +22935,10 @@
         </p:sp>
         <p:cxnSp>
           <p:nvCxnSpPr>
-            <p:cNvPr id="617" name="Google Shape;617;p32"/>
+            <p:cNvPr id="628" name="Google Shape;628;p32"/>
             <p:cNvCxnSpPr>
-              <a:stCxn id="610" idx="3"/>
-              <a:endCxn id="608" idx="1"/>
+              <a:stCxn id="621" idx="3"/>
+              <a:endCxn id="619" idx="1"/>
             </p:cNvCxnSpPr>
             <p:nvPr/>
           </p:nvCxnSpPr>
@@ -22732,10 +22964,10 @@
         </p:cxnSp>
         <p:cxnSp>
           <p:nvCxnSpPr>
-            <p:cNvPr id="618" name="Google Shape;618;p32"/>
+            <p:cNvPr id="629" name="Google Shape;629;p32"/>
             <p:cNvCxnSpPr>
-              <a:stCxn id="608" idx="3"/>
-              <a:endCxn id="609" idx="1"/>
+              <a:stCxn id="619" idx="3"/>
+              <a:endCxn id="620" idx="1"/>
             </p:cNvCxnSpPr>
             <p:nvPr/>
           </p:nvCxnSpPr>
@@ -22761,7 +22993,7 @@
         </p:cxnSp>
         <p:sp>
           <p:nvSpPr>
-            <p:cNvPr id="619" name="Google Shape;619;p32"/>
+            <p:cNvPr id="630" name="Google Shape;630;p32"/>
             <p:cNvSpPr txBox="1"/>
             <p:nvPr/>
           </p:nvSpPr>
@@ -22820,7 +23052,7 @@
         </p:sp>
         <p:sp>
           <p:nvSpPr>
-            <p:cNvPr id="620" name="Google Shape;620;p32"/>
+            <p:cNvPr id="631" name="Google Shape;631;p32"/>
             <p:cNvSpPr txBox="1"/>
             <p:nvPr/>
           </p:nvSpPr>
@@ -22879,7 +23111,7 @@
         </p:sp>
         <p:sp>
           <p:nvSpPr>
-            <p:cNvPr id="621" name="Google Shape;621;p32"/>
+            <p:cNvPr id="632" name="Google Shape;632;p32"/>
             <p:cNvSpPr txBox="1"/>
             <p:nvPr/>
           </p:nvSpPr>
@@ -22921,7 +23153,7 @@
         </p:sp>
         <p:sp>
           <p:nvSpPr>
-            <p:cNvPr id="622" name="Google Shape;622;p32"/>
+            <p:cNvPr id="633" name="Google Shape;633;p32"/>
             <p:cNvSpPr txBox="1"/>
             <p:nvPr/>
           </p:nvSpPr>
@@ -22963,7 +23195,7 @@
         </p:sp>
         <p:sp>
           <p:nvSpPr>
-            <p:cNvPr id="623" name="Google Shape;623;p32"/>
+            <p:cNvPr id="634" name="Google Shape;634;p32"/>
             <p:cNvSpPr txBox="1"/>
             <p:nvPr/>
           </p:nvSpPr>
@@ -23006,7 +23238,7 @@
       </p:grpSp>
       <p:sp>
         <p:nvSpPr>
-          <p:cNvPr id="624" name="Google Shape;624;p32"/>
+          <p:cNvPr id="635" name="Google Shape;635;p32"/>
           <p:cNvSpPr txBox="1"/>
           <p:nvPr>
             <p:ph idx="12" type="sldNum"/>
@@ -23057,7 +23289,7 @@
   <p:cSld>
     <p:spTree>
       <p:nvGrpSpPr>
-        <p:cNvPr id="628" name="Shape 628"/>
+        <p:cNvPr id="639" name="Shape 639"/>
         <p:cNvGrpSpPr/>
         <p:nvPr/>
       </p:nvGrpSpPr>
@@ -23071,7 +23303,7 @@
       </p:grpSpPr>
       <p:sp>
         <p:nvSpPr>
-          <p:cNvPr id="629" name="Google Shape;629;p33"/>
+          <p:cNvPr id="640" name="Google Shape;640;p33"/>
           <p:cNvSpPr txBox="1"/>
           <p:nvPr/>
         </p:nvSpPr>
@@ -23113,7 +23345,7 @@
       </p:sp>
       <p:grpSp>
         <p:nvGrpSpPr>
-          <p:cNvPr id="630" name="Google Shape;630;p33"/>
+          <p:cNvPr id="641" name="Google Shape;641;p33"/>
           <p:cNvGrpSpPr/>
           <p:nvPr/>
         </p:nvGrpSpPr>
@@ -23127,7 +23359,7 @@
         </p:grpSpPr>
         <p:sp>
           <p:nvSpPr>
-            <p:cNvPr id="631" name="Google Shape;631;p33"/>
+            <p:cNvPr id="642" name="Google Shape;642;p33"/>
             <p:cNvSpPr/>
             <p:nvPr/>
           </p:nvSpPr>
@@ -23178,7 +23410,7 @@
         </p:sp>
         <p:sp>
           <p:nvSpPr>
-            <p:cNvPr id="632" name="Google Shape;632;p33"/>
+            <p:cNvPr id="643" name="Google Shape;643;p33"/>
             <p:cNvSpPr txBox="1"/>
             <p:nvPr/>
           </p:nvSpPr>
@@ -23228,7 +23460,7 @@
         </p:sp>
         <p:sp>
           <p:nvSpPr>
-            <p:cNvPr id="633" name="Google Shape;633;p33"/>
+            <p:cNvPr id="644" name="Google Shape;644;p33"/>
             <p:cNvSpPr txBox="1"/>
             <p:nvPr/>
           </p:nvSpPr>
@@ -23278,7 +23510,7 @@
         </p:sp>
         <p:sp>
           <p:nvSpPr>
-            <p:cNvPr id="634" name="Google Shape;634;p33"/>
+            <p:cNvPr id="645" name="Google Shape;645;p33"/>
             <p:cNvSpPr txBox="1"/>
             <p:nvPr/>
           </p:nvSpPr>
@@ -23328,7 +23560,7 @@
         </p:sp>
         <p:sp>
           <p:nvSpPr>
-            <p:cNvPr id="635" name="Google Shape;635;p33"/>
+            <p:cNvPr id="646" name="Google Shape;646;p33"/>
             <p:cNvSpPr txBox="1"/>
             <p:nvPr/>
           </p:nvSpPr>
@@ -23370,7 +23602,7 @@
         </p:sp>
         <p:sp>
           <p:nvSpPr>
-            <p:cNvPr id="636" name="Google Shape;636;p33"/>
+            <p:cNvPr id="647" name="Google Shape;647;p33"/>
             <p:cNvSpPr txBox="1"/>
             <p:nvPr/>
           </p:nvSpPr>
@@ -23412,7 +23644,7 @@
         </p:sp>
         <p:pic>
           <p:nvPicPr>
-            <p:cNvPr id="637" name="Google Shape;637;p33"/>
+            <p:cNvPr id="648" name="Google Shape;648;p33"/>
             <p:cNvPicPr preferRelativeResize="0"/>
             <p:nvPr/>
           </p:nvPicPr>
@@ -23439,7 +23671,7 @@
         </p:pic>
         <p:pic>
           <p:nvPicPr>
-            <p:cNvPr id="638" name="Google Shape;638;p33"/>
+            <p:cNvPr id="649" name="Google Shape;649;p33"/>
             <p:cNvPicPr preferRelativeResize="0"/>
             <p:nvPr/>
           </p:nvPicPr>
@@ -23467,7 +23699,7 @@
         </p:pic>
         <p:pic>
           <p:nvPicPr>
-            <p:cNvPr id="639" name="Google Shape;639;p33"/>
+            <p:cNvPr id="650" name="Google Shape;650;p33"/>
             <p:cNvPicPr preferRelativeResize="0"/>
             <p:nvPr/>
           </p:nvPicPr>
@@ -23495,10 +23727,10 @@
         </p:pic>
         <p:cxnSp>
           <p:nvCxnSpPr>
-            <p:cNvPr id="640" name="Google Shape;640;p33"/>
+            <p:cNvPr id="651" name="Google Shape;651;p33"/>
             <p:cNvCxnSpPr>
-              <a:stCxn id="639" idx="3"/>
-              <a:endCxn id="637" idx="3"/>
+              <a:stCxn id="650" idx="3"/>
+              <a:endCxn id="648" idx="3"/>
             </p:cNvCxnSpPr>
             <p:nvPr/>
           </p:nvCxnSpPr>
@@ -23524,10 +23756,10 @@
         </p:cxnSp>
         <p:cxnSp>
           <p:nvCxnSpPr>
-            <p:cNvPr id="641" name="Google Shape;641;p33"/>
+            <p:cNvPr id="652" name="Google Shape;652;p33"/>
             <p:cNvCxnSpPr>
-              <a:stCxn id="637" idx="1"/>
-              <a:endCxn id="638" idx="1"/>
+              <a:stCxn id="648" idx="1"/>
+              <a:endCxn id="649" idx="1"/>
             </p:cNvCxnSpPr>
             <p:nvPr/>
           </p:nvCxnSpPr>
@@ -23553,7 +23785,7 @@
         </p:cxnSp>
         <p:sp>
           <p:nvSpPr>
-            <p:cNvPr id="642" name="Google Shape;642;p33"/>
+            <p:cNvPr id="653" name="Google Shape;653;p33"/>
             <p:cNvSpPr txBox="1"/>
             <p:nvPr/>
           </p:nvSpPr>
@@ -23612,7 +23844,7 @@
         </p:sp>
         <p:sp>
           <p:nvSpPr>
-            <p:cNvPr id="643" name="Google Shape;643;p33"/>
+            <p:cNvPr id="654" name="Google Shape;654;p33"/>
             <p:cNvSpPr txBox="1"/>
             <p:nvPr/>
           </p:nvSpPr>
@@ -23671,7 +23903,7 @@
         </p:sp>
         <p:sp>
           <p:nvSpPr>
-            <p:cNvPr id="644" name="Google Shape;644;p33"/>
+            <p:cNvPr id="655" name="Google Shape;655;p33"/>
             <p:cNvSpPr txBox="1"/>
             <p:nvPr/>
           </p:nvSpPr>
@@ -23713,7 +23945,7 @@
         </p:sp>
         <p:sp>
           <p:nvSpPr>
-            <p:cNvPr id="645" name="Google Shape;645;p33"/>
+            <p:cNvPr id="656" name="Google Shape;656;p33"/>
             <p:cNvSpPr txBox="1"/>
             <p:nvPr/>
           </p:nvSpPr>
@@ -23755,7 +23987,7 @@
         </p:sp>
         <p:sp>
           <p:nvSpPr>
-            <p:cNvPr id="646" name="Google Shape;646;p33"/>
+            <p:cNvPr id="657" name="Google Shape;657;p33"/>
             <p:cNvSpPr txBox="1"/>
             <p:nvPr/>
           </p:nvSpPr>
@@ -23797,7 +24029,7 @@
         </p:sp>
         <p:sp>
           <p:nvSpPr>
-            <p:cNvPr id="647" name="Google Shape;647;p33"/>
+            <p:cNvPr id="658" name="Google Shape;658;p33"/>
             <p:cNvSpPr txBox="1"/>
             <p:nvPr/>
           </p:nvSpPr>
@@ -23840,7 +24072,7 @@
       </p:grpSp>
       <p:sp>
         <p:nvSpPr>
-          <p:cNvPr id="648" name="Google Shape;648;p33"/>
+          <p:cNvPr id="659" name="Google Shape;659;p33"/>
           <p:cNvSpPr txBox="1"/>
           <p:nvPr>
             <p:ph idx="12" type="sldNum"/>
@@ -23891,7 +24123,7 @@
   <p:cSld>
     <p:spTree>
       <p:nvGrpSpPr>
-        <p:cNvPr id="652" name="Shape 652"/>
+        <p:cNvPr id="663" name="Shape 663"/>
         <p:cNvGrpSpPr/>
         <p:nvPr/>
       </p:nvGrpSpPr>
@@ -23905,7 +24137,7 @@
       </p:grpSpPr>
       <p:sp>
         <p:nvSpPr>
-          <p:cNvPr id="653" name="Google Shape;653;p34"/>
+          <p:cNvPr id="664" name="Google Shape;664;p34"/>
           <p:cNvSpPr/>
           <p:nvPr/>
         </p:nvSpPr>
@@ -23956,7 +24188,7 @@
       </p:sp>
       <p:sp>
         <p:nvSpPr>
-          <p:cNvPr id="654" name="Google Shape;654;p34"/>
+          <p:cNvPr id="665" name="Google Shape;665;p34"/>
           <p:cNvSpPr txBox="1"/>
           <p:nvPr/>
         </p:nvSpPr>
@@ -24006,7 +24238,7 @@
       </p:sp>
       <p:sp>
         <p:nvSpPr>
-          <p:cNvPr id="655" name="Google Shape;655;p34"/>
+          <p:cNvPr id="666" name="Google Shape;666;p34"/>
           <p:cNvSpPr txBox="1"/>
           <p:nvPr/>
         </p:nvSpPr>
@@ -24056,7 +24288,7 @@
       </p:sp>
       <p:sp>
         <p:nvSpPr>
-          <p:cNvPr id="656" name="Google Shape;656;p34"/>
+          <p:cNvPr id="667" name="Google Shape;667;p34"/>
           <p:cNvSpPr txBox="1"/>
           <p:nvPr/>
         </p:nvSpPr>
@@ -24106,7 +24338,7 @@
       </p:sp>
       <p:sp>
         <p:nvSpPr>
-          <p:cNvPr id="657" name="Google Shape;657;p34"/>
+          <p:cNvPr id="668" name="Google Shape;668;p34"/>
           <p:cNvSpPr txBox="1"/>
           <p:nvPr/>
         </p:nvSpPr>
@@ -24148,7 +24380,7 @@
       </p:sp>
       <p:sp>
         <p:nvSpPr>
-          <p:cNvPr id="658" name="Google Shape;658;p34"/>
+          <p:cNvPr id="669" name="Google Shape;669;p34"/>
           <p:cNvSpPr txBox="1"/>
           <p:nvPr/>
         </p:nvSpPr>
@@ -24190,7 +24422,7 @@
       </p:sp>
       <p:sp>
         <p:nvSpPr>
-          <p:cNvPr id="659" name="Google Shape;659;p34"/>
+          <p:cNvPr id="670" name="Google Shape;670;p34"/>
           <p:cNvSpPr txBox="1"/>
           <p:nvPr/>
         </p:nvSpPr>
@@ -24232,7 +24464,7 @@
       </p:sp>
       <p:sp>
         <p:nvSpPr>
-          <p:cNvPr id="660" name="Google Shape;660;p34"/>
+          <p:cNvPr id="671" name="Google Shape;671;p34"/>
           <p:cNvSpPr txBox="1"/>
           <p:nvPr/>
         </p:nvSpPr>
@@ -24282,7 +24514,7 @@
       </p:sp>
       <p:sp>
         <p:nvSpPr>
-          <p:cNvPr id="661" name="Google Shape;661;p34"/>
+          <p:cNvPr id="672" name="Google Shape;672;p34"/>
           <p:cNvSpPr txBox="1"/>
           <p:nvPr/>
         </p:nvSpPr>
@@ -24324,7 +24556,7 @@
       </p:sp>
       <p:pic>
         <p:nvPicPr>
-          <p:cNvPr id="662" name="Google Shape;662;p34"/>
+          <p:cNvPr id="673" name="Google Shape;673;p34"/>
           <p:cNvPicPr preferRelativeResize="0"/>
           <p:nvPr/>
         </p:nvPicPr>
@@ -24351,7 +24583,7 @@
       </p:pic>
       <p:pic>
         <p:nvPicPr>
-          <p:cNvPr id="663" name="Google Shape;663;p34"/>
+          <p:cNvPr id="674" name="Google Shape;674;p34"/>
           <p:cNvPicPr preferRelativeResize="0"/>
           <p:nvPr/>
         </p:nvPicPr>
@@ -24379,7 +24611,7 @@
       </p:pic>
       <p:pic>
         <p:nvPicPr>
-          <p:cNvPr id="664" name="Google Shape;664;p34"/>
+          <p:cNvPr id="675" name="Google Shape;675;p34"/>
           <p:cNvPicPr preferRelativeResize="0"/>
           <p:nvPr/>
         </p:nvPicPr>
@@ -24407,7 +24639,7 @@
       </p:pic>
       <p:pic>
         <p:nvPicPr>
-          <p:cNvPr id="665" name="Google Shape;665;p34"/>
+          <p:cNvPr id="676" name="Google Shape;676;p34"/>
           <p:cNvPicPr preferRelativeResize="0"/>
           <p:nvPr/>
         </p:nvPicPr>
@@ -24435,7 +24667,7 @@
       </p:pic>
       <p:sp>
         <p:nvSpPr>
-          <p:cNvPr id="666" name="Google Shape;666;p34"/>
+          <p:cNvPr id="677" name="Google Shape;677;p34"/>
           <p:cNvSpPr txBox="1"/>
           <p:nvPr/>
         </p:nvSpPr>
@@ -24477,7 +24709,7 @@
       </p:sp>
       <p:cxnSp>
         <p:nvCxnSpPr>
-          <p:cNvPr id="667" name="Google Shape;667;p34"/>
+          <p:cNvPr id="678" name="Google Shape;678;p34"/>
           <p:cNvCxnSpPr/>
           <p:nvPr/>
         </p:nvCxnSpPr>
@@ -24503,7 +24735,7 @@
       </p:cxnSp>
       <p:sp>
         <p:nvSpPr>
-          <p:cNvPr id="668" name="Google Shape;668;p34"/>
+          <p:cNvPr id="679" name="Google Shape;679;p34"/>
           <p:cNvSpPr txBox="1"/>
           <p:nvPr/>
         </p:nvSpPr>
@@ -24562,7 +24794,7 @@
       </p:sp>
       <p:cxnSp>
         <p:nvCxnSpPr>
-          <p:cNvPr id="669" name="Google Shape;669;p34"/>
+          <p:cNvPr id="680" name="Google Shape;680;p34"/>
           <p:cNvCxnSpPr/>
           <p:nvPr/>
         </p:nvCxnSpPr>
@@ -24588,7 +24820,7 @@
       </p:cxnSp>
       <p:sp>
         <p:nvSpPr>
-          <p:cNvPr id="670" name="Google Shape;670;p34"/>
+          <p:cNvPr id="681" name="Google Shape;681;p34"/>
           <p:cNvSpPr txBox="1"/>
           <p:nvPr/>
         </p:nvSpPr>
@@ -24647,7 +24879,7 @@
       </p:sp>
       <p:cxnSp>
         <p:nvCxnSpPr>
-          <p:cNvPr id="671" name="Google Shape;671;p34"/>
+          <p:cNvPr id="682" name="Google Shape;682;p34"/>
           <p:cNvCxnSpPr/>
           <p:nvPr/>
         </p:nvCxnSpPr>
@@ -24673,7 +24905,7 @@
       </p:cxnSp>
       <p:sp>
         <p:nvSpPr>
-          <p:cNvPr id="672" name="Google Shape;672;p34"/>
+          <p:cNvPr id="683" name="Google Shape;683;p34"/>
           <p:cNvSpPr txBox="1"/>
           <p:nvPr/>
         </p:nvSpPr>
@@ -24732,7 +24964,7 @@
       </p:sp>
       <p:sp>
         <p:nvSpPr>
-          <p:cNvPr id="673" name="Google Shape;673;p34"/>
+          <p:cNvPr id="684" name="Google Shape;684;p34"/>
           <p:cNvSpPr txBox="1"/>
           <p:nvPr/>
         </p:nvSpPr>
@@ -24774,7 +25006,7 @@
       </p:sp>
       <p:sp>
         <p:nvSpPr>
-          <p:cNvPr id="674" name="Google Shape;674;p34"/>
+          <p:cNvPr id="685" name="Google Shape;685;p34"/>
           <p:cNvSpPr txBox="1"/>
           <p:nvPr/>
         </p:nvSpPr>
@@ -24816,7 +25048,7 @@
       </p:sp>
       <p:sp>
         <p:nvSpPr>
-          <p:cNvPr id="675" name="Google Shape;675;p34"/>
+          <p:cNvPr id="686" name="Google Shape;686;p34"/>
           <p:cNvSpPr txBox="1"/>
           <p:nvPr/>
         </p:nvSpPr>
@@ -24858,7 +25090,7 @@
       </p:sp>
       <p:sp>
         <p:nvSpPr>
-          <p:cNvPr id="676" name="Google Shape;676;p34"/>
+          <p:cNvPr id="687" name="Google Shape;687;p34"/>
           <p:cNvSpPr txBox="1"/>
           <p:nvPr/>
         </p:nvSpPr>
@@ -24900,7 +25132,7 @@
       </p:sp>
       <p:pic>
         <p:nvPicPr>
-          <p:cNvPr id="677" name="Google Shape;677;p34"/>
+          <p:cNvPr id="688" name="Google Shape;688;p34"/>
           <p:cNvPicPr preferRelativeResize="0"/>
           <p:nvPr/>
         </p:nvPicPr>
@@ -24928,7 +25160,7 @@
       </p:pic>
       <p:sp>
         <p:nvSpPr>
-          <p:cNvPr id="678" name="Google Shape;678;p34"/>
+          <p:cNvPr id="689" name="Google Shape;689;p34"/>
           <p:cNvSpPr txBox="1"/>
           <p:nvPr/>
         </p:nvSpPr>
@@ -24978,7 +25210,7 @@
       </p:sp>
       <p:sp>
         <p:nvSpPr>
-          <p:cNvPr id="679" name="Google Shape;679;p34"/>
+          <p:cNvPr id="690" name="Google Shape;690;p34"/>
           <p:cNvSpPr txBox="1"/>
           <p:nvPr/>
         </p:nvSpPr>
@@ -25020,7 +25252,7 @@
       </p:sp>
       <p:cxnSp>
         <p:nvCxnSpPr>
-          <p:cNvPr id="680" name="Google Shape;680;p34"/>
+          <p:cNvPr id="691" name="Google Shape;691;p34"/>
           <p:cNvCxnSpPr/>
           <p:nvPr/>
         </p:nvCxnSpPr>
@@ -25046,9 +25278,9 @@
       </p:cxnSp>
       <p:cxnSp>
         <p:nvCxnSpPr>
-          <p:cNvPr id="681" name="Google Shape;681;p34"/>
+          <p:cNvPr id="692" name="Google Shape;692;p34"/>
           <p:cNvCxnSpPr>
-            <a:endCxn id="662" idx="2"/>
+            <a:endCxn id="673" idx="2"/>
           </p:cNvCxnSpPr>
           <p:nvPr/>
         </p:nvCxnSpPr>
@@ -25074,7 +25306,7 @@
       </p:cxnSp>
       <p:sp>
         <p:nvSpPr>
-          <p:cNvPr id="682" name="Google Shape;682;p34"/>
+          <p:cNvPr id="693" name="Google Shape;693;p34"/>
           <p:cNvSpPr txBox="1"/>
           <p:nvPr/>
         </p:nvSpPr>
@@ -25133,7 +25365,7 @@
       </p:sp>
       <p:sp>
         <p:nvSpPr>
-          <p:cNvPr id="683" name="Google Shape;683;p34"/>
+          <p:cNvPr id="694" name="Google Shape;694;p34"/>
           <p:cNvSpPr txBox="1"/>
           <p:nvPr/>
         </p:nvSpPr>
@@ -25192,7 +25424,7 @@
       </p:sp>
       <p:sp>
         <p:nvSpPr>
-          <p:cNvPr id="684" name="Google Shape;684;p34"/>
+          <p:cNvPr id="695" name="Google Shape;695;p34"/>
           <p:cNvSpPr txBox="1"/>
           <p:nvPr/>
         </p:nvSpPr>
@@ -25234,7 +25466,7 @@
       </p:sp>
       <p:sp>
         <p:nvSpPr>
-          <p:cNvPr id="685" name="Google Shape;685;p34"/>
+          <p:cNvPr id="696" name="Google Shape;696;p34"/>
           <p:cNvSpPr txBox="1"/>
           <p:nvPr>
             <p:ph idx="12" type="sldNum"/>
@@ -25347,8 +25579,8 @@
         </p:nvSpPr>
         <p:spPr>
           <a:xfrm>
-            <a:off x="2079375" y="3166653"/>
-            <a:ext cx="3917700" cy="2826300"/>
+            <a:off x="2079375" y="3166650"/>
+            <a:ext cx="3536400" cy="2826300"/>
           </a:xfrm>
           <a:prstGeom prst="roundRect">
             <a:avLst>
@@ -27442,10 +27674,10 @@
         </p:nvGrpSpPr>
         <p:grpSpPr>
           <a:xfrm>
-            <a:off x="1916837" y="2864642"/>
-            <a:ext cx="9882325" cy="3414715"/>
-            <a:chOff x="1634675" y="2864642"/>
-            <a:chExt cx="9882325" cy="3414715"/>
+            <a:off x="2282950" y="2864642"/>
+            <a:ext cx="9516212" cy="3414708"/>
+            <a:chOff x="2000788" y="2864642"/>
+            <a:chExt cx="9516212" cy="3414708"/>
           </a:xfrm>
         </p:grpSpPr>
         <p:sp>
@@ -27456,8 +27688,8 @@
           </p:nvSpPr>
           <p:spPr>
             <a:xfrm>
-              <a:off x="1634675" y="2990458"/>
-              <a:ext cx="4472700" cy="3288900"/>
+              <a:off x="2000788" y="2990450"/>
+              <a:ext cx="3459000" cy="3288900"/>
             </a:xfrm>
             <a:prstGeom prst="roundRect">
               <a:avLst>
@@ -28072,10 +28304,10 @@
         </p:nvGrpSpPr>
         <p:grpSpPr>
           <a:xfrm>
-            <a:off x="1975225" y="2864642"/>
-            <a:ext cx="9765550" cy="3414715"/>
-            <a:chOff x="1634675" y="2041185"/>
-            <a:chExt cx="9765550" cy="3414715"/>
+            <a:off x="2453875" y="2864642"/>
+            <a:ext cx="9286900" cy="3414708"/>
+            <a:chOff x="2113325" y="2041185"/>
+            <a:chExt cx="9286900" cy="3414708"/>
           </a:xfrm>
         </p:grpSpPr>
         <p:sp>
@@ -28086,8 +28318,8 @@
           </p:nvSpPr>
           <p:spPr>
             <a:xfrm>
-              <a:off x="1634675" y="2167000"/>
-              <a:ext cx="4472700" cy="3288900"/>
+              <a:off x="2113325" y="2166992"/>
+              <a:ext cx="3284100" cy="3288900"/>
             </a:xfrm>
             <a:prstGeom prst="roundRect">
               <a:avLst>
@@ -28690,529 +28922,9 @@
           </a:p>
         </p:txBody>
       </p:sp>
-      <p:grpSp>
-        <p:nvGrpSpPr>
-          <p:cNvPr id="252" name="Google Shape;252;p19"/>
-          <p:cNvGrpSpPr/>
-          <p:nvPr/>
-        </p:nvGrpSpPr>
-        <p:grpSpPr>
-          <a:xfrm>
-            <a:off x="1971321" y="2830305"/>
-            <a:ext cx="9773358" cy="3483391"/>
-            <a:chOff x="1634675" y="2041185"/>
-            <a:chExt cx="9773358" cy="3483391"/>
-          </a:xfrm>
-        </p:grpSpPr>
-        <p:sp>
-          <p:nvSpPr>
-            <p:cNvPr id="253" name="Google Shape;253;p19"/>
-            <p:cNvSpPr/>
-            <p:nvPr/>
-          </p:nvSpPr>
-          <p:spPr>
-            <a:xfrm>
-              <a:off x="1634675" y="2167000"/>
-              <a:ext cx="4472700" cy="3288900"/>
-            </a:xfrm>
-            <a:prstGeom prst="roundRect">
-              <a:avLst>
-                <a:gd fmla="val 16667" name="adj"/>
-              </a:avLst>
-            </a:prstGeom>
-            <a:solidFill>
-              <a:srgbClr val="FCE5CD"/>
-            </a:solidFill>
-            <a:ln cap="flat" cmpd="sng" w="9525">
-              <a:solidFill>
-                <a:schemeClr val="dk2"/>
-              </a:solidFill>
-              <a:prstDash val="solid"/>
-              <a:round/>
-              <a:headEnd len="sm" w="sm" type="none"/>
-              <a:tailEnd len="sm" w="sm" type="none"/>
-            </a:ln>
-          </p:spPr>
-          <p:txBody>
-            <a:bodyPr anchorCtr="0" anchor="ctr" bIns="91425" lIns="91425" spcFirstLastPara="1" rIns="91425" wrap="square" tIns="91425">
-              <a:noAutofit/>
-            </a:bodyPr>
-            <a:lstStyle/>
-            <a:p>
-              <a:pPr indent="0" lvl="0" marL="0" rtl="0" algn="l">
-                <a:spcBef>
-                  <a:spcPts val="0"/>
-                </a:spcBef>
-                <a:spcAft>
-                  <a:spcPts val="0"/>
-                </a:spcAft>
-                <a:buNone/>
-              </a:pPr>
-              <a:r>
-                <a:t/>
-              </a:r>
-              <a:endParaRPr/>
-            </a:p>
-          </p:txBody>
-        </p:sp>
-        <p:sp>
-          <p:nvSpPr>
-            <p:cNvPr id="254" name="Google Shape;254;p19"/>
-            <p:cNvSpPr txBox="1"/>
-            <p:nvPr/>
-          </p:nvSpPr>
-          <p:spPr>
-            <a:xfrm>
-              <a:off x="4864956" y="2341658"/>
-              <a:ext cx="594900" cy="536100"/>
-            </a:xfrm>
-            <a:prstGeom prst="rect">
-              <a:avLst/>
-            </a:prstGeom>
-            <a:noFill/>
-            <a:ln>
-              <a:noFill/>
-            </a:ln>
-          </p:spPr>
-          <p:txBody>
-            <a:bodyPr anchorCtr="0" anchor="t" bIns="121900" lIns="121900" spcFirstLastPara="1" rIns="121900" wrap="square" tIns="121900">
-              <a:noAutofit/>
-            </a:bodyPr>
-            <a:lstStyle/>
-            <a:p>
-              <a:pPr indent="0" lvl="0" marL="0" rtl="0" algn="l">
-                <a:spcBef>
-                  <a:spcPts val="0"/>
-                </a:spcBef>
-                <a:spcAft>
-                  <a:spcPts val="0"/>
-                </a:spcAft>
-                <a:buNone/>
-              </a:pPr>
-              <a:r>
-                <a:t/>
-              </a:r>
-              <a:endParaRPr b="1" sz="4400">
-                <a:highlight>
-                  <a:srgbClr val="FFF2CC"/>
-                </a:highlight>
-              </a:endParaRPr>
-            </a:p>
-          </p:txBody>
-        </p:sp>
-        <p:sp>
-          <p:nvSpPr>
-            <p:cNvPr id="255" name="Google Shape;255;p19"/>
-            <p:cNvSpPr txBox="1"/>
-            <p:nvPr/>
-          </p:nvSpPr>
-          <p:spPr>
-            <a:xfrm>
-              <a:off x="2342014" y="2151395"/>
-              <a:ext cx="657300" cy="446100"/>
-            </a:xfrm>
-            <a:prstGeom prst="rect">
-              <a:avLst/>
-            </a:prstGeom>
-            <a:noFill/>
-            <a:ln>
-              <a:noFill/>
-            </a:ln>
-          </p:spPr>
-          <p:txBody>
-            <a:bodyPr anchorCtr="0" anchor="t" bIns="121900" lIns="121900" spcFirstLastPara="1" rIns="121900" wrap="square" tIns="121900">
-              <a:noAutofit/>
-            </a:bodyPr>
-            <a:lstStyle/>
-            <a:p>
-              <a:pPr indent="0" lvl="0" marL="0" rtl="0" algn="l">
-                <a:spcBef>
-                  <a:spcPts val="0"/>
-                </a:spcBef>
-                <a:spcAft>
-                  <a:spcPts val="0"/>
-                </a:spcAft>
-                <a:buNone/>
-              </a:pPr>
-              <a:r>
-                <a:rPr b="1" lang="en" sz="4400">
-                  <a:highlight>
-                    <a:srgbClr val="FFF2CC"/>
-                  </a:highlight>
-                </a:rPr>
-                <a:t>B</a:t>
-              </a:r>
-              <a:endParaRPr b="1" sz="4400">
-                <a:highlight>
-                  <a:srgbClr val="FFF2CC"/>
-                </a:highlight>
-              </a:endParaRPr>
-            </a:p>
-          </p:txBody>
-        </p:sp>
-        <p:sp>
-          <p:nvSpPr>
-            <p:cNvPr id="256" name="Google Shape;256;p19"/>
-            <p:cNvSpPr txBox="1"/>
-            <p:nvPr/>
-          </p:nvSpPr>
-          <p:spPr>
-            <a:xfrm>
-              <a:off x="8731861" y="2041185"/>
-              <a:ext cx="657300" cy="446100"/>
-            </a:xfrm>
-            <a:prstGeom prst="rect">
-              <a:avLst/>
-            </a:prstGeom>
-            <a:noFill/>
-            <a:ln>
-              <a:noFill/>
-            </a:ln>
-          </p:spPr>
-          <p:txBody>
-            <a:bodyPr anchorCtr="0" anchor="t" bIns="121900" lIns="121900" spcFirstLastPara="1" rIns="121900" wrap="square" tIns="121900">
-              <a:noAutofit/>
-            </a:bodyPr>
-            <a:lstStyle/>
-            <a:p>
-              <a:pPr indent="0" lvl="0" marL="0" rtl="0" algn="l">
-                <a:spcBef>
-                  <a:spcPts val="0"/>
-                </a:spcBef>
-                <a:spcAft>
-                  <a:spcPts val="0"/>
-                </a:spcAft>
-                <a:buNone/>
-              </a:pPr>
-              <a:r>
-                <a:rPr b="1" lang="en" sz="4400">
-                  <a:highlight>
-                    <a:srgbClr val="FFF2CC"/>
-                  </a:highlight>
-                </a:rPr>
-                <a:t>A</a:t>
-              </a:r>
-              <a:endParaRPr b="1" sz="4400">
-                <a:highlight>
-                  <a:srgbClr val="FFF2CC"/>
-                </a:highlight>
-              </a:endParaRPr>
-            </a:p>
-          </p:txBody>
-        </p:sp>
-        <p:sp>
-          <p:nvSpPr>
-            <p:cNvPr id="257" name="Google Shape;257;p19"/>
-            <p:cNvSpPr txBox="1"/>
-            <p:nvPr/>
-          </p:nvSpPr>
-          <p:spPr>
-            <a:xfrm>
-              <a:off x="9307681" y="2142388"/>
-              <a:ext cx="1248300" cy="708000"/>
-            </a:xfrm>
-            <a:prstGeom prst="rect">
-              <a:avLst/>
-            </a:prstGeom>
-            <a:noFill/>
-            <a:ln>
-              <a:noFill/>
-            </a:ln>
-          </p:spPr>
-          <p:txBody>
-            <a:bodyPr anchorCtr="0" anchor="t" bIns="121900" lIns="121900" spcFirstLastPara="1" rIns="121900" wrap="square" tIns="121900">
-              <a:noAutofit/>
-            </a:bodyPr>
-            <a:lstStyle/>
-            <a:p>
-              <a:pPr indent="0" lvl="0" marL="0" rtl="0" algn="l">
-                <a:spcBef>
-                  <a:spcPts val="0"/>
-                </a:spcBef>
-                <a:spcAft>
-                  <a:spcPts val="0"/>
-                </a:spcAft>
-                <a:buNone/>
-              </a:pPr>
-              <a:r>
-                <a:rPr b="1" lang="en" sz="2700"/>
-                <a:t>(-1 )</a:t>
-              </a:r>
-              <a:endParaRPr b="1" sz="2700"/>
-            </a:p>
-          </p:txBody>
-        </p:sp>
-        <p:sp>
-          <p:nvSpPr>
-            <p:cNvPr id="258" name="Google Shape;258;p19"/>
-            <p:cNvSpPr txBox="1"/>
-            <p:nvPr/>
-          </p:nvSpPr>
-          <p:spPr>
-            <a:xfrm>
-              <a:off x="2924881" y="2218588"/>
-              <a:ext cx="1248300" cy="708000"/>
-            </a:xfrm>
-            <a:prstGeom prst="rect">
-              <a:avLst/>
-            </a:prstGeom>
-            <a:noFill/>
-            <a:ln>
-              <a:noFill/>
-            </a:ln>
-          </p:spPr>
-          <p:txBody>
-            <a:bodyPr anchorCtr="0" anchor="t" bIns="121900" lIns="121900" spcFirstLastPara="1" rIns="121900" wrap="square" tIns="121900">
-              <a:noAutofit/>
-            </a:bodyPr>
-            <a:lstStyle/>
-            <a:p>
-              <a:pPr indent="0" lvl="0" marL="0" rtl="0" algn="l">
-                <a:spcBef>
-                  <a:spcPts val="0"/>
-                </a:spcBef>
-                <a:spcAft>
-                  <a:spcPts val="0"/>
-                </a:spcAft>
-                <a:buNone/>
-              </a:pPr>
-              <a:r>
-                <a:rPr b="1" lang="en" sz="2700"/>
-                <a:t>(0)</a:t>
-              </a:r>
-              <a:endParaRPr b="1" sz="2700"/>
-            </a:p>
-          </p:txBody>
-        </p:sp>
-        <p:cxnSp>
-          <p:nvCxnSpPr>
-            <p:cNvPr id="259" name="Google Shape;259;p19"/>
-            <p:cNvCxnSpPr/>
-            <p:nvPr/>
-          </p:nvCxnSpPr>
-          <p:spPr>
-            <a:xfrm flipH="1" rot="10800000">
-              <a:off x="5180152" y="4080741"/>
-              <a:ext cx="3614400" cy="15300"/>
-            </a:xfrm>
-            <a:prstGeom prst="straightConnector1">
-              <a:avLst/>
-            </a:prstGeom>
-            <a:noFill/>
-            <a:ln cap="flat" cmpd="sng" w="38100">
-              <a:solidFill>
-                <a:srgbClr val="0000FF"/>
-              </a:solidFill>
-              <a:prstDash val="solid"/>
-              <a:round/>
-              <a:headEnd len="med" w="med" type="none"/>
-              <a:tailEnd len="med" w="med" type="triangle"/>
-            </a:ln>
-          </p:spPr>
-        </p:cxnSp>
-        <p:sp>
-          <p:nvSpPr>
-            <p:cNvPr id="260" name="Google Shape;260;p19"/>
-            <p:cNvSpPr txBox="1"/>
-            <p:nvPr/>
-          </p:nvSpPr>
-          <p:spPr>
-            <a:xfrm>
-              <a:off x="6485375" y="3280900"/>
-              <a:ext cx="1185000" cy="446100"/>
-            </a:xfrm>
-            <a:prstGeom prst="rect">
-              <a:avLst/>
-            </a:prstGeom>
-            <a:noFill/>
-            <a:ln>
-              <a:noFill/>
-            </a:ln>
-          </p:spPr>
-          <p:txBody>
-            <a:bodyPr anchorCtr="0" anchor="t" bIns="121900" lIns="121900" spcFirstLastPara="1" rIns="121900" wrap="square" tIns="121900">
-              <a:noAutofit/>
-            </a:bodyPr>
-            <a:lstStyle/>
-            <a:p>
-              <a:pPr indent="0" lvl="0" marL="0" rtl="0" algn="l">
-                <a:spcBef>
-                  <a:spcPts val="0"/>
-                </a:spcBef>
-                <a:spcAft>
-                  <a:spcPts val="0"/>
-                </a:spcAft>
-                <a:buClr>
-                  <a:schemeClr val="dk1"/>
-                </a:buClr>
-                <a:buSzPts val="1500"/>
-                <a:buFont typeface="Arial"/>
-                <a:buNone/>
-              </a:pPr>
-              <a:r>
-                <a:rPr b="1" lang="en" sz="2300">
-                  <a:solidFill>
-                    <a:schemeClr val="dk1"/>
-                  </a:solidFill>
-                </a:rPr>
-                <a:t>pKa</a:t>
-              </a:r>
-              <a:r>
-                <a:rPr b="1" baseline="-25000" lang="en" sz="2300">
-                  <a:solidFill>
-                    <a:schemeClr val="dk1"/>
-                  </a:solidFill>
-                </a:rPr>
-                <a:t>BA</a:t>
-              </a:r>
-              <a:endParaRPr sz="1900"/>
-            </a:p>
-          </p:txBody>
-        </p:sp>
-        <p:sp>
-          <p:nvSpPr>
-            <p:cNvPr id="261" name="Google Shape;261;p19"/>
-            <p:cNvSpPr txBox="1"/>
-            <p:nvPr/>
-          </p:nvSpPr>
-          <p:spPr>
-            <a:xfrm>
-              <a:off x="2444125" y="2987200"/>
-              <a:ext cx="1494300" cy="446100"/>
-            </a:xfrm>
-            <a:prstGeom prst="rect">
-              <a:avLst/>
-            </a:prstGeom>
-            <a:noFill/>
-            <a:ln>
-              <a:noFill/>
-            </a:ln>
-          </p:spPr>
-          <p:txBody>
-            <a:bodyPr anchorCtr="0" anchor="t" bIns="91425" lIns="91425" spcFirstLastPara="1" rIns="91425" wrap="square" tIns="91425">
-              <a:noAutofit/>
-            </a:bodyPr>
-            <a:lstStyle/>
-            <a:p>
-              <a:pPr indent="0" lvl="0" marL="0" rtl="0" algn="l">
-                <a:spcBef>
-                  <a:spcPts val="0"/>
-                </a:spcBef>
-                <a:spcAft>
-                  <a:spcPts val="0"/>
-                </a:spcAft>
-                <a:buNone/>
-              </a:pPr>
-              <a:r>
-                <a:rPr lang="en"/>
-                <a:t>SM31_micro000</a:t>
-              </a:r>
-              <a:endParaRPr/>
-            </a:p>
-          </p:txBody>
-        </p:sp>
-        <p:sp>
-          <p:nvSpPr>
-            <p:cNvPr id="262" name="Google Shape;262;p19"/>
-            <p:cNvSpPr txBox="1"/>
-            <p:nvPr/>
-          </p:nvSpPr>
-          <p:spPr>
-            <a:xfrm>
-              <a:off x="8854275" y="3002800"/>
-              <a:ext cx="1494300" cy="446100"/>
-            </a:xfrm>
-            <a:prstGeom prst="rect">
-              <a:avLst/>
-            </a:prstGeom>
-            <a:noFill/>
-            <a:ln>
-              <a:noFill/>
-            </a:ln>
-          </p:spPr>
-          <p:txBody>
-            <a:bodyPr anchorCtr="0" anchor="t" bIns="91425" lIns="91425" spcFirstLastPara="1" rIns="91425" wrap="square" tIns="91425">
-              <a:noAutofit/>
-            </a:bodyPr>
-            <a:lstStyle/>
-            <a:p>
-              <a:pPr indent="0" lvl="0" marL="0" rtl="0" algn="l">
-                <a:spcBef>
-                  <a:spcPts val="0"/>
-                </a:spcBef>
-                <a:spcAft>
-                  <a:spcPts val="0"/>
-                </a:spcAft>
-                <a:buNone/>
-              </a:pPr>
-              <a:r>
-                <a:rPr lang="en"/>
-                <a:t>SM31_micro001</a:t>
-              </a:r>
-              <a:endParaRPr/>
-            </a:p>
-          </p:txBody>
-        </p:sp>
-        <p:pic>
-          <p:nvPicPr>
-            <p:cNvPr id="263" name="Google Shape;263;p19"/>
-            <p:cNvPicPr preferRelativeResize="0"/>
-            <p:nvPr/>
-          </p:nvPicPr>
-          <p:blipFill>
-            <a:blip r:embed="rId3">
-              <a:alphaModFix/>
-            </a:blip>
-            <a:stretch>
-              <a:fillRect/>
-            </a:stretch>
-          </p:blipFill>
-          <p:spPr>
-            <a:xfrm>
-              <a:off x="2444125" y="3357616"/>
-              <a:ext cx="2424085" cy="2035194"/>
-            </a:xfrm>
-            <a:prstGeom prst="rect">
-              <a:avLst/>
-            </a:prstGeom>
-            <a:noFill/>
-            <a:ln>
-              <a:noFill/>
-            </a:ln>
-          </p:spPr>
-        </p:pic>
-        <p:pic>
-          <p:nvPicPr>
-            <p:cNvPr id="264" name="Google Shape;264;p19"/>
-            <p:cNvPicPr preferRelativeResize="0"/>
-            <p:nvPr/>
-          </p:nvPicPr>
-          <p:blipFill>
-            <a:blip r:embed="rId4">
-              <a:alphaModFix/>
-            </a:blip>
-            <a:stretch>
-              <a:fillRect/>
-            </a:stretch>
-          </p:blipFill>
-          <p:spPr>
-            <a:xfrm>
-              <a:off x="8854275" y="3398713"/>
-              <a:ext cx="2553758" cy="2125863"/>
-            </a:xfrm>
-            <a:prstGeom prst="rect">
-              <a:avLst/>
-            </a:prstGeom>
-            <a:noFill/>
-            <a:ln>
-              <a:noFill/>
-            </a:ln>
-          </p:spPr>
-        </p:pic>
-      </p:grpSp>
       <p:sp>
         <p:nvSpPr>
-          <p:cNvPr id="265" name="Google Shape;265;p19"/>
+          <p:cNvPr id="252" name="Google Shape;252;p19"/>
           <p:cNvSpPr txBox="1"/>
           <p:nvPr>
             <p:ph idx="12" type="sldNum"/>
@@ -29250,6 +28962,773 @@
           </a:p>
         </p:txBody>
       </p:sp>
+      <p:grpSp>
+        <p:nvGrpSpPr>
+          <p:cNvPr id="253" name="Google Shape;253;p19"/>
+          <p:cNvGrpSpPr/>
+          <p:nvPr/>
+        </p:nvGrpSpPr>
+        <p:grpSpPr>
+          <a:xfrm>
+            <a:off x="543907" y="2830292"/>
+            <a:ext cx="12628198" cy="3483415"/>
+            <a:chOff x="989636" y="2041185"/>
+            <a:chExt cx="12628198" cy="3483415"/>
+          </a:xfrm>
+        </p:grpSpPr>
+        <p:sp>
+          <p:nvSpPr>
+            <p:cNvPr id="254" name="Google Shape;254;p19"/>
+            <p:cNvSpPr/>
+            <p:nvPr/>
+          </p:nvSpPr>
+          <p:spPr>
+            <a:xfrm>
+              <a:off x="5468700" y="2167000"/>
+              <a:ext cx="3088800" cy="3357600"/>
+            </a:xfrm>
+            <a:prstGeom prst="roundRect">
+              <a:avLst>
+                <a:gd fmla="val 16667" name="adj"/>
+              </a:avLst>
+            </a:prstGeom>
+            <a:solidFill>
+              <a:srgbClr val="FCE5CD"/>
+            </a:solidFill>
+            <a:ln cap="flat" cmpd="sng" w="9525">
+              <a:solidFill>
+                <a:srgbClr val="595959"/>
+              </a:solidFill>
+              <a:prstDash val="solid"/>
+              <a:round/>
+              <a:headEnd len="sm" w="sm" type="none"/>
+              <a:tailEnd len="sm" w="sm" type="none"/>
+            </a:ln>
+          </p:spPr>
+          <p:txBody>
+            <a:bodyPr anchorCtr="0" anchor="ctr" bIns="91425" lIns="91425" spcFirstLastPara="1" rIns="91425" wrap="square" tIns="91425">
+              <a:noAutofit/>
+            </a:bodyPr>
+            <a:lstStyle/>
+            <a:p>
+              <a:pPr indent="0" lvl="0" marL="0" rtl="0" algn="l">
+                <a:spcBef>
+                  <a:spcPts val="0"/>
+                </a:spcBef>
+                <a:spcAft>
+                  <a:spcPts val="0"/>
+                </a:spcAft>
+                <a:buNone/>
+              </a:pPr>
+              <a:r>
+                <a:t/>
+              </a:r>
+              <a:endParaRPr/>
+            </a:p>
+          </p:txBody>
+        </p:sp>
+        <p:sp>
+          <p:nvSpPr>
+            <p:cNvPr id="255" name="Google Shape;255;p19"/>
+            <p:cNvSpPr txBox="1"/>
+            <p:nvPr/>
+          </p:nvSpPr>
+          <p:spPr>
+            <a:xfrm>
+              <a:off x="8217756" y="2341658"/>
+              <a:ext cx="594900" cy="536100"/>
+            </a:xfrm>
+            <a:prstGeom prst="rect">
+              <a:avLst/>
+            </a:prstGeom>
+            <a:noFill/>
+            <a:ln>
+              <a:noFill/>
+            </a:ln>
+          </p:spPr>
+          <p:txBody>
+            <a:bodyPr anchorCtr="0" anchor="t" bIns="121900" lIns="121900" spcFirstLastPara="1" rIns="121900" wrap="square" tIns="121900">
+              <a:noAutofit/>
+            </a:bodyPr>
+            <a:lstStyle/>
+            <a:p>
+              <a:pPr indent="0" lvl="0" marL="0" rtl="0" algn="l">
+                <a:spcBef>
+                  <a:spcPts val="0"/>
+                </a:spcBef>
+                <a:spcAft>
+                  <a:spcPts val="0"/>
+                </a:spcAft>
+                <a:buNone/>
+              </a:pPr>
+              <a:r>
+                <a:t/>
+              </a:r>
+              <a:endParaRPr b="1" sz="4400">
+                <a:highlight>
+                  <a:srgbClr val="FFF2CC"/>
+                </a:highlight>
+              </a:endParaRPr>
+            </a:p>
+          </p:txBody>
+        </p:sp>
+        <p:sp>
+          <p:nvSpPr>
+            <p:cNvPr id="256" name="Google Shape;256;p19"/>
+            <p:cNvSpPr txBox="1"/>
+            <p:nvPr/>
+          </p:nvSpPr>
+          <p:spPr>
+            <a:xfrm>
+              <a:off x="5694814" y="2151395"/>
+              <a:ext cx="657300" cy="446100"/>
+            </a:xfrm>
+            <a:prstGeom prst="rect">
+              <a:avLst/>
+            </a:prstGeom>
+            <a:noFill/>
+            <a:ln>
+              <a:noFill/>
+            </a:ln>
+          </p:spPr>
+          <p:txBody>
+            <a:bodyPr anchorCtr="0" anchor="t" bIns="121900" lIns="121900" spcFirstLastPara="1" rIns="121900" wrap="square" tIns="121900">
+              <a:noAutofit/>
+            </a:bodyPr>
+            <a:lstStyle/>
+            <a:p>
+              <a:pPr indent="0" lvl="0" marL="0" rtl="0" algn="l">
+                <a:spcBef>
+                  <a:spcPts val="0"/>
+                </a:spcBef>
+                <a:spcAft>
+                  <a:spcPts val="0"/>
+                </a:spcAft>
+                <a:buNone/>
+              </a:pPr>
+              <a:r>
+                <a:rPr b="1" lang="en" sz="4400">
+                  <a:highlight>
+                    <a:srgbClr val="FFF2CC"/>
+                  </a:highlight>
+                </a:rPr>
+                <a:t>B</a:t>
+              </a:r>
+              <a:endParaRPr b="1" sz="4400">
+                <a:highlight>
+                  <a:srgbClr val="FFF2CC"/>
+                </a:highlight>
+              </a:endParaRPr>
+            </a:p>
+          </p:txBody>
+        </p:sp>
+        <p:sp>
+          <p:nvSpPr>
+            <p:cNvPr id="257" name="Google Shape;257;p19"/>
+            <p:cNvSpPr txBox="1"/>
+            <p:nvPr/>
+          </p:nvSpPr>
+          <p:spPr>
+            <a:xfrm>
+              <a:off x="10941661" y="2041185"/>
+              <a:ext cx="657300" cy="446100"/>
+            </a:xfrm>
+            <a:prstGeom prst="rect">
+              <a:avLst/>
+            </a:prstGeom>
+            <a:noFill/>
+            <a:ln>
+              <a:noFill/>
+            </a:ln>
+          </p:spPr>
+          <p:txBody>
+            <a:bodyPr anchorCtr="0" anchor="t" bIns="121900" lIns="121900" spcFirstLastPara="1" rIns="121900" wrap="square" tIns="121900">
+              <a:noAutofit/>
+            </a:bodyPr>
+            <a:lstStyle/>
+            <a:p>
+              <a:pPr indent="0" lvl="0" marL="0" rtl="0" algn="l">
+                <a:spcBef>
+                  <a:spcPts val="0"/>
+                </a:spcBef>
+                <a:spcAft>
+                  <a:spcPts val="0"/>
+                </a:spcAft>
+                <a:buNone/>
+              </a:pPr>
+              <a:r>
+                <a:rPr b="1" lang="en" sz="4400">
+                  <a:highlight>
+                    <a:srgbClr val="FFF2CC"/>
+                  </a:highlight>
+                </a:rPr>
+                <a:t>A</a:t>
+              </a:r>
+              <a:endParaRPr b="1" sz="4400">
+                <a:highlight>
+                  <a:srgbClr val="FFF2CC"/>
+                </a:highlight>
+              </a:endParaRPr>
+            </a:p>
+          </p:txBody>
+        </p:sp>
+        <p:sp>
+          <p:nvSpPr>
+            <p:cNvPr id="258" name="Google Shape;258;p19"/>
+            <p:cNvSpPr txBox="1"/>
+            <p:nvPr/>
+          </p:nvSpPr>
+          <p:spPr>
+            <a:xfrm>
+              <a:off x="11517481" y="2142388"/>
+              <a:ext cx="1248300" cy="708000"/>
+            </a:xfrm>
+            <a:prstGeom prst="rect">
+              <a:avLst/>
+            </a:prstGeom>
+            <a:noFill/>
+            <a:ln>
+              <a:noFill/>
+            </a:ln>
+          </p:spPr>
+          <p:txBody>
+            <a:bodyPr anchorCtr="0" anchor="t" bIns="121900" lIns="121900" spcFirstLastPara="1" rIns="121900" wrap="square" tIns="121900">
+              <a:noAutofit/>
+            </a:bodyPr>
+            <a:lstStyle/>
+            <a:p>
+              <a:pPr indent="0" lvl="0" marL="0" rtl="0" algn="l">
+                <a:spcBef>
+                  <a:spcPts val="0"/>
+                </a:spcBef>
+                <a:spcAft>
+                  <a:spcPts val="0"/>
+                </a:spcAft>
+                <a:buNone/>
+              </a:pPr>
+              <a:r>
+                <a:rPr b="1" lang="en" sz="2700"/>
+                <a:t>(-1 )</a:t>
+              </a:r>
+              <a:endParaRPr b="1" sz="2700"/>
+            </a:p>
+          </p:txBody>
+        </p:sp>
+        <p:sp>
+          <p:nvSpPr>
+            <p:cNvPr id="259" name="Google Shape;259;p19"/>
+            <p:cNvSpPr txBox="1"/>
+            <p:nvPr/>
+          </p:nvSpPr>
+          <p:spPr>
+            <a:xfrm>
+              <a:off x="6277681" y="2218588"/>
+              <a:ext cx="1248300" cy="708000"/>
+            </a:xfrm>
+            <a:prstGeom prst="rect">
+              <a:avLst/>
+            </a:prstGeom>
+            <a:noFill/>
+            <a:ln>
+              <a:noFill/>
+            </a:ln>
+          </p:spPr>
+          <p:txBody>
+            <a:bodyPr anchorCtr="0" anchor="t" bIns="121900" lIns="121900" spcFirstLastPara="1" rIns="121900" wrap="square" tIns="121900">
+              <a:noAutofit/>
+            </a:bodyPr>
+            <a:lstStyle/>
+            <a:p>
+              <a:pPr indent="0" lvl="0" marL="0" rtl="0" algn="l">
+                <a:spcBef>
+                  <a:spcPts val="0"/>
+                </a:spcBef>
+                <a:spcAft>
+                  <a:spcPts val="0"/>
+                </a:spcAft>
+                <a:buNone/>
+              </a:pPr>
+              <a:r>
+                <a:rPr b="1" lang="en" sz="2700"/>
+                <a:t>(0)</a:t>
+              </a:r>
+              <a:endParaRPr b="1" sz="2700"/>
+            </a:p>
+          </p:txBody>
+        </p:sp>
+        <p:cxnSp>
+          <p:nvCxnSpPr>
+            <p:cNvPr id="260" name="Google Shape;260;p19"/>
+            <p:cNvCxnSpPr/>
+            <p:nvPr/>
+          </p:nvCxnSpPr>
+          <p:spPr>
+            <a:xfrm>
+              <a:off x="8532952" y="4096041"/>
+              <a:ext cx="2414400" cy="6000"/>
+            </a:xfrm>
+            <a:prstGeom prst="straightConnector1">
+              <a:avLst/>
+            </a:prstGeom>
+            <a:noFill/>
+            <a:ln cap="flat" cmpd="sng" w="38100">
+              <a:solidFill>
+                <a:srgbClr val="0000FF"/>
+              </a:solidFill>
+              <a:prstDash val="solid"/>
+              <a:round/>
+              <a:headEnd len="med" w="med" type="none"/>
+              <a:tailEnd len="med" w="med" type="triangle"/>
+            </a:ln>
+          </p:spPr>
+        </p:cxnSp>
+        <p:sp>
+          <p:nvSpPr>
+            <p:cNvPr id="261" name="Google Shape;261;p19"/>
+            <p:cNvSpPr txBox="1"/>
+            <p:nvPr/>
+          </p:nvSpPr>
+          <p:spPr>
+            <a:xfrm>
+              <a:off x="9111325" y="3503550"/>
+              <a:ext cx="1185000" cy="446100"/>
+            </a:xfrm>
+            <a:prstGeom prst="rect">
+              <a:avLst/>
+            </a:prstGeom>
+            <a:noFill/>
+            <a:ln>
+              <a:noFill/>
+            </a:ln>
+          </p:spPr>
+          <p:txBody>
+            <a:bodyPr anchorCtr="0" anchor="t" bIns="121900" lIns="121900" spcFirstLastPara="1" rIns="121900" wrap="square" tIns="121900">
+              <a:noAutofit/>
+            </a:bodyPr>
+            <a:lstStyle/>
+            <a:p>
+              <a:pPr indent="0" lvl="0" marL="0" rtl="0" algn="l">
+                <a:spcBef>
+                  <a:spcPts val="0"/>
+                </a:spcBef>
+                <a:spcAft>
+                  <a:spcPts val="0"/>
+                </a:spcAft>
+                <a:buClr>
+                  <a:srgbClr val="000000"/>
+                </a:buClr>
+                <a:buSzPts val="1500"/>
+                <a:buFont typeface="Arial"/>
+                <a:buNone/>
+              </a:pPr>
+              <a:r>
+                <a:rPr b="1" lang="en" sz="2300">
+                  <a:solidFill>
+                    <a:srgbClr val="000000"/>
+                  </a:solidFill>
+                </a:rPr>
+                <a:t>pKa</a:t>
+              </a:r>
+              <a:r>
+                <a:rPr b="1" baseline="-25000" lang="en" sz="2300">
+                  <a:solidFill>
+                    <a:srgbClr val="000000"/>
+                  </a:solidFill>
+                </a:rPr>
+                <a:t>BA</a:t>
+              </a:r>
+              <a:endParaRPr sz="1900"/>
+            </a:p>
+          </p:txBody>
+        </p:sp>
+        <p:sp>
+          <p:nvSpPr>
+            <p:cNvPr id="262" name="Google Shape;262;p19"/>
+            <p:cNvSpPr txBox="1"/>
+            <p:nvPr/>
+          </p:nvSpPr>
+          <p:spPr>
+            <a:xfrm>
+              <a:off x="5796925" y="2987200"/>
+              <a:ext cx="1494300" cy="446100"/>
+            </a:xfrm>
+            <a:prstGeom prst="rect">
+              <a:avLst/>
+            </a:prstGeom>
+            <a:noFill/>
+            <a:ln>
+              <a:noFill/>
+            </a:ln>
+          </p:spPr>
+          <p:txBody>
+            <a:bodyPr anchorCtr="0" anchor="t" bIns="91425" lIns="91425" spcFirstLastPara="1" rIns="91425" wrap="square" tIns="91425">
+              <a:noAutofit/>
+            </a:bodyPr>
+            <a:lstStyle/>
+            <a:p>
+              <a:pPr indent="0" lvl="0" marL="0" rtl="0" algn="l">
+                <a:spcBef>
+                  <a:spcPts val="0"/>
+                </a:spcBef>
+                <a:spcAft>
+                  <a:spcPts val="0"/>
+                </a:spcAft>
+                <a:buNone/>
+              </a:pPr>
+              <a:r>
+                <a:rPr lang="en"/>
+                <a:t>SM31_micro000</a:t>
+              </a:r>
+              <a:endParaRPr/>
+            </a:p>
+          </p:txBody>
+        </p:sp>
+        <p:sp>
+          <p:nvSpPr>
+            <p:cNvPr id="263" name="Google Shape;263;p19"/>
+            <p:cNvSpPr txBox="1"/>
+            <p:nvPr/>
+          </p:nvSpPr>
+          <p:spPr>
+            <a:xfrm>
+              <a:off x="11064075" y="2850400"/>
+              <a:ext cx="1494300" cy="446100"/>
+            </a:xfrm>
+            <a:prstGeom prst="rect">
+              <a:avLst/>
+            </a:prstGeom>
+            <a:noFill/>
+            <a:ln>
+              <a:noFill/>
+            </a:ln>
+          </p:spPr>
+          <p:txBody>
+            <a:bodyPr anchorCtr="0" anchor="t" bIns="91425" lIns="91425" spcFirstLastPara="1" rIns="91425" wrap="square" tIns="91425">
+              <a:noAutofit/>
+            </a:bodyPr>
+            <a:lstStyle/>
+            <a:p>
+              <a:pPr indent="0" lvl="0" marL="0" rtl="0" algn="l">
+                <a:spcBef>
+                  <a:spcPts val="0"/>
+                </a:spcBef>
+                <a:spcAft>
+                  <a:spcPts val="0"/>
+                </a:spcAft>
+                <a:buNone/>
+              </a:pPr>
+              <a:r>
+                <a:rPr lang="en"/>
+                <a:t>SM31_micro001</a:t>
+              </a:r>
+              <a:endParaRPr/>
+            </a:p>
+          </p:txBody>
+        </p:sp>
+        <p:pic>
+          <p:nvPicPr>
+            <p:cNvPr id="264" name="Google Shape;264;p19"/>
+            <p:cNvPicPr preferRelativeResize="0"/>
+            <p:nvPr/>
+          </p:nvPicPr>
+          <p:blipFill>
+            <a:blip r:embed="rId3">
+              <a:alphaModFix/>
+            </a:blip>
+            <a:stretch>
+              <a:fillRect/>
+            </a:stretch>
+          </p:blipFill>
+          <p:spPr>
+            <a:xfrm>
+              <a:off x="5796925" y="3357616"/>
+              <a:ext cx="2424085" cy="2035194"/>
+            </a:xfrm>
+            <a:prstGeom prst="rect">
+              <a:avLst/>
+            </a:prstGeom>
+            <a:noFill/>
+            <a:ln>
+              <a:noFill/>
+            </a:ln>
+          </p:spPr>
+        </p:pic>
+        <p:pic>
+          <p:nvPicPr>
+            <p:cNvPr id="265" name="Google Shape;265;p19"/>
+            <p:cNvPicPr preferRelativeResize="0"/>
+            <p:nvPr/>
+          </p:nvPicPr>
+          <p:blipFill>
+            <a:blip r:embed="rId4">
+              <a:alphaModFix/>
+            </a:blip>
+            <a:stretch>
+              <a:fillRect/>
+            </a:stretch>
+          </p:blipFill>
+          <p:spPr>
+            <a:xfrm>
+              <a:off x="11064075" y="3246313"/>
+              <a:ext cx="2553758" cy="2125863"/>
+            </a:xfrm>
+            <a:prstGeom prst="rect">
+              <a:avLst/>
+            </a:prstGeom>
+            <a:noFill/>
+            <a:ln>
+              <a:noFill/>
+            </a:ln>
+          </p:spPr>
+        </p:pic>
+        <p:pic>
+          <p:nvPicPr>
+            <p:cNvPr id="266" name="Google Shape;266;p19"/>
+            <p:cNvPicPr preferRelativeResize="0"/>
+            <p:nvPr/>
+          </p:nvPicPr>
+          <p:blipFill>
+            <a:blip r:embed="rId5">
+              <a:alphaModFix/>
+            </a:blip>
+            <a:stretch>
+              <a:fillRect/>
+            </a:stretch>
+          </p:blipFill>
+          <p:spPr>
+            <a:xfrm>
+              <a:off x="1065829" y="3176867"/>
+              <a:ext cx="2553750" cy="2113835"/>
+            </a:xfrm>
+            <a:prstGeom prst="rect">
+              <a:avLst/>
+            </a:prstGeom>
+            <a:noFill/>
+            <a:ln>
+              <a:noFill/>
+            </a:ln>
+          </p:spPr>
+        </p:pic>
+        <p:sp>
+          <p:nvSpPr>
+            <p:cNvPr id="267" name="Google Shape;267;p19"/>
+            <p:cNvSpPr txBox="1"/>
+            <p:nvPr/>
+          </p:nvSpPr>
+          <p:spPr>
+            <a:xfrm>
+              <a:off x="989636" y="2273347"/>
+              <a:ext cx="657300" cy="446100"/>
+            </a:xfrm>
+            <a:prstGeom prst="rect">
+              <a:avLst/>
+            </a:prstGeom>
+            <a:noFill/>
+            <a:ln>
+              <a:noFill/>
+            </a:ln>
+          </p:spPr>
+          <p:txBody>
+            <a:bodyPr anchorCtr="0" anchor="t" bIns="121900" lIns="121900" spcFirstLastPara="1" rIns="121900" wrap="square" tIns="121900">
+              <a:noAutofit/>
+            </a:bodyPr>
+            <a:lstStyle/>
+            <a:p>
+              <a:pPr indent="0" lvl="0" marL="0" rtl="0" algn="l">
+                <a:spcBef>
+                  <a:spcPts val="0"/>
+                </a:spcBef>
+                <a:spcAft>
+                  <a:spcPts val="0"/>
+                </a:spcAft>
+                <a:buNone/>
+              </a:pPr>
+              <a:r>
+                <a:rPr b="1" lang="en" sz="4400">
+                  <a:highlight>
+                    <a:srgbClr val="FFF2CC"/>
+                  </a:highlight>
+                </a:rPr>
+                <a:t>C</a:t>
+              </a:r>
+              <a:endParaRPr b="1" sz="4400">
+                <a:highlight>
+                  <a:srgbClr val="FFF2CC"/>
+                </a:highlight>
+              </a:endParaRPr>
+            </a:p>
+          </p:txBody>
+        </p:sp>
+        <p:sp>
+          <p:nvSpPr>
+            <p:cNvPr id="268" name="Google Shape;268;p19"/>
+            <p:cNvSpPr txBox="1"/>
+            <p:nvPr/>
+          </p:nvSpPr>
+          <p:spPr>
+            <a:xfrm>
+              <a:off x="1564656" y="2414250"/>
+              <a:ext cx="1248300" cy="708000"/>
+            </a:xfrm>
+            <a:prstGeom prst="rect">
+              <a:avLst/>
+            </a:prstGeom>
+            <a:noFill/>
+            <a:ln>
+              <a:noFill/>
+            </a:ln>
+          </p:spPr>
+          <p:txBody>
+            <a:bodyPr anchorCtr="0" anchor="t" bIns="121900" lIns="121900" spcFirstLastPara="1" rIns="121900" wrap="square" tIns="121900">
+              <a:noAutofit/>
+            </a:bodyPr>
+            <a:lstStyle/>
+            <a:p>
+              <a:pPr indent="0" lvl="0" marL="0" rtl="0" algn="l">
+                <a:spcBef>
+                  <a:spcPts val="0"/>
+                </a:spcBef>
+                <a:spcAft>
+                  <a:spcPts val="0"/>
+                </a:spcAft>
+                <a:buNone/>
+              </a:pPr>
+              <a:r>
+                <a:rPr b="1" lang="en" sz="2700"/>
+                <a:t>(+1 )</a:t>
+              </a:r>
+              <a:endParaRPr b="1" sz="2700"/>
+            </a:p>
+          </p:txBody>
+        </p:sp>
+        <p:sp>
+          <p:nvSpPr>
+            <p:cNvPr id="269" name="Google Shape;269;p19"/>
+            <p:cNvSpPr txBox="1"/>
+            <p:nvPr/>
+          </p:nvSpPr>
+          <p:spPr>
+            <a:xfrm>
+              <a:off x="1102650" y="3122250"/>
+              <a:ext cx="1494300" cy="446100"/>
+            </a:xfrm>
+            <a:prstGeom prst="rect">
+              <a:avLst/>
+            </a:prstGeom>
+            <a:noFill/>
+            <a:ln>
+              <a:noFill/>
+            </a:ln>
+          </p:spPr>
+          <p:txBody>
+            <a:bodyPr anchorCtr="0" anchor="t" bIns="91425" lIns="91425" spcFirstLastPara="1" rIns="91425" wrap="square" tIns="91425">
+              <a:noAutofit/>
+            </a:bodyPr>
+            <a:lstStyle/>
+            <a:p>
+              <a:pPr indent="0" lvl="0" marL="0" rtl="0" algn="l">
+                <a:spcBef>
+                  <a:spcPts val="0"/>
+                </a:spcBef>
+                <a:spcAft>
+                  <a:spcPts val="0"/>
+                </a:spcAft>
+                <a:buNone/>
+              </a:pPr>
+              <a:r>
+                <a:rPr lang="en"/>
+                <a:t>SM31_micro002</a:t>
+              </a:r>
+              <a:endParaRPr/>
+            </a:p>
+          </p:txBody>
+        </p:sp>
+        <p:cxnSp>
+          <p:nvCxnSpPr>
+            <p:cNvPr id="270" name="Google Shape;270;p19"/>
+            <p:cNvCxnSpPr/>
+            <p:nvPr/>
+          </p:nvCxnSpPr>
+          <p:spPr>
+            <a:xfrm>
+              <a:off x="3179427" y="4069091"/>
+              <a:ext cx="2414400" cy="6000"/>
+            </a:xfrm>
+            <a:prstGeom prst="straightConnector1">
+              <a:avLst/>
+            </a:prstGeom>
+            <a:noFill/>
+            <a:ln cap="flat" cmpd="sng" w="38100">
+              <a:solidFill>
+                <a:srgbClr val="0000FF"/>
+              </a:solidFill>
+              <a:prstDash val="solid"/>
+              <a:round/>
+              <a:headEnd len="med" w="med" type="none"/>
+              <a:tailEnd len="med" w="med" type="triangle"/>
+            </a:ln>
+          </p:spPr>
+        </p:cxnSp>
+        <p:sp>
+          <p:nvSpPr>
+            <p:cNvPr id="271" name="Google Shape;271;p19"/>
+            <p:cNvSpPr txBox="1"/>
+            <p:nvPr/>
+          </p:nvSpPr>
+          <p:spPr>
+            <a:xfrm>
+              <a:off x="3757800" y="3476600"/>
+              <a:ext cx="1185000" cy="446100"/>
+            </a:xfrm>
+            <a:prstGeom prst="rect">
+              <a:avLst/>
+            </a:prstGeom>
+            <a:noFill/>
+            <a:ln>
+              <a:noFill/>
+            </a:ln>
+          </p:spPr>
+          <p:txBody>
+            <a:bodyPr anchorCtr="0" anchor="t" bIns="121900" lIns="121900" spcFirstLastPara="1" rIns="121900" wrap="square" tIns="121900">
+              <a:noAutofit/>
+            </a:bodyPr>
+            <a:lstStyle/>
+            <a:p>
+              <a:pPr indent="0" lvl="0" marL="0" rtl="0" algn="l">
+                <a:spcBef>
+                  <a:spcPts val="0"/>
+                </a:spcBef>
+                <a:spcAft>
+                  <a:spcPts val="0"/>
+                </a:spcAft>
+                <a:buClr>
+                  <a:srgbClr val="000000"/>
+                </a:buClr>
+                <a:buSzPts val="1500"/>
+                <a:buFont typeface="Arial"/>
+                <a:buNone/>
+              </a:pPr>
+              <a:r>
+                <a:rPr b="1" lang="en" sz="2300">
+                  <a:solidFill>
+                    <a:srgbClr val="000000"/>
+                  </a:solidFill>
+                </a:rPr>
+                <a:t>pKa</a:t>
+              </a:r>
+              <a:r>
+                <a:rPr b="1" baseline="-25000" lang="en" sz="2300">
+                  <a:solidFill>
+                    <a:srgbClr val="000000"/>
+                  </a:solidFill>
+                </a:rPr>
+                <a:t>CB</a:t>
+              </a:r>
+              <a:endParaRPr sz="1900"/>
+            </a:p>
+          </p:txBody>
+        </p:sp>
+      </p:grpSp>
     </p:spTree>
   </p:cSld>
   <p:clrMapOvr>
@@ -29263,7 +29742,7 @@
   <p:cSld>
     <p:spTree>
       <p:nvGrpSpPr>
-        <p:cNvPr id="269" name="Shape 269"/>
+        <p:cNvPr id="275" name="Shape 275"/>
         <p:cNvGrpSpPr/>
         <p:nvPr/>
       </p:nvGrpSpPr>
@@ -29277,7 +29756,7 @@
       </p:grpSpPr>
       <p:sp>
         <p:nvSpPr>
-          <p:cNvPr id="270" name="Google Shape;270;p20"/>
+          <p:cNvPr id="276" name="Google Shape;276;p20"/>
           <p:cNvSpPr txBox="1"/>
           <p:nvPr/>
         </p:nvSpPr>
@@ -29319,28 +29798,28 @@
       </p:sp>
       <p:grpSp>
         <p:nvGrpSpPr>
-          <p:cNvPr id="271" name="Google Shape;271;p20"/>
+          <p:cNvPr id="277" name="Google Shape;277;p20"/>
           <p:cNvGrpSpPr/>
           <p:nvPr/>
         </p:nvGrpSpPr>
         <p:grpSpPr>
           <a:xfrm>
-            <a:off x="2187937" y="2864642"/>
-            <a:ext cx="9340125" cy="3414715"/>
-            <a:chOff x="1634675" y="2041185"/>
-            <a:chExt cx="9340125" cy="3414715"/>
+            <a:off x="2637000" y="2864642"/>
+            <a:ext cx="8891062" cy="3414708"/>
+            <a:chOff x="2083738" y="2041185"/>
+            <a:chExt cx="8891062" cy="3414708"/>
           </a:xfrm>
         </p:grpSpPr>
         <p:sp>
           <p:nvSpPr>
-            <p:cNvPr id="272" name="Google Shape;272;p20"/>
+            <p:cNvPr id="278" name="Google Shape;278;p20"/>
             <p:cNvSpPr/>
             <p:nvPr/>
           </p:nvSpPr>
           <p:spPr>
             <a:xfrm>
-              <a:off x="1634675" y="2167000"/>
-              <a:ext cx="4472700" cy="3288900"/>
+              <a:off x="2083738" y="2166992"/>
+              <a:ext cx="3001500" cy="3288900"/>
             </a:xfrm>
             <a:prstGeom prst="roundRect">
               <a:avLst>
@@ -29384,7 +29863,7 @@
         </p:sp>
         <p:sp>
           <p:nvSpPr>
-            <p:cNvPr id="273" name="Google Shape;273;p20"/>
+            <p:cNvPr id="279" name="Google Shape;279;p20"/>
             <p:cNvSpPr txBox="1"/>
             <p:nvPr/>
           </p:nvSpPr>
@@ -29429,7 +29908,7 @@
         </p:sp>
         <p:sp>
           <p:nvSpPr>
-            <p:cNvPr id="274" name="Google Shape;274;p20"/>
+            <p:cNvPr id="280" name="Google Shape;280;p20"/>
             <p:cNvSpPr txBox="1"/>
             <p:nvPr/>
           </p:nvSpPr>
@@ -29479,7 +29958,7 @@
         </p:sp>
         <p:sp>
           <p:nvSpPr>
-            <p:cNvPr id="275" name="Google Shape;275;p20"/>
+            <p:cNvPr id="281" name="Google Shape;281;p20"/>
             <p:cNvSpPr txBox="1"/>
             <p:nvPr/>
           </p:nvSpPr>
@@ -29529,7 +30008,7 @@
         </p:sp>
         <p:sp>
           <p:nvSpPr>
-            <p:cNvPr id="276" name="Google Shape;276;p20"/>
+            <p:cNvPr id="282" name="Google Shape;282;p20"/>
             <p:cNvSpPr txBox="1"/>
             <p:nvPr/>
           </p:nvSpPr>
@@ -29571,7 +30050,7 @@
         </p:sp>
         <p:sp>
           <p:nvSpPr>
-            <p:cNvPr id="277" name="Google Shape;277;p20"/>
+            <p:cNvPr id="283" name="Google Shape;283;p20"/>
             <p:cNvSpPr txBox="1"/>
             <p:nvPr/>
           </p:nvSpPr>
@@ -29613,14 +30092,14 @@
         </p:sp>
         <p:cxnSp>
           <p:nvCxnSpPr>
-            <p:cNvPr id="278" name="Google Shape;278;p20"/>
+            <p:cNvPr id="284" name="Google Shape;284;p20"/>
             <p:cNvCxnSpPr/>
             <p:nvPr/>
           </p:nvCxnSpPr>
           <p:spPr>
             <a:xfrm flipH="1" rot="10800000">
-              <a:off x="5180152" y="4080741"/>
-              <a:ext cx="3614400" cy="15300"/>
+              <a:off x="4830588" y="4080867"/>
+              <a:ext cx="3963900" cy="15600"/>
             </a:xfrm>
             <a:prstGeom prst="straightConnector1">
               <a:avLst/>
@@ -29639,7 +30118,7 @@
         </p:cxnSp>
         <p:sp>
           <p:nvSpPr>
-            <p:cNvPr id="279" name="Google Shape;279;p20"/>
+            <p:cNvPr id="285" name="Google Shape;285;p20"/>
             <p:cNvSpPr txBox="1"/>
             <p:nvPr/>
           </p:nvSpPr>
@@ -29698,7 +30177,7 @@
         </p:sp>
         <p:sp>
           <p:nvSpPr>
-            <p:cNvPr id="280" name="Google Shape;280;p20"/>
+            <p:cNvPr id="286" name="Google Shape;286;p20"/>
             <p:cNvSpPr txBox="1"/>
             <p:nvPr/>
           </p:nvSpPr>
@@ -29740,7 +30219,7 @@
         </p:sp>
         <p:sp>
           <p:nvSpPr>
-            <p:cNvPr id="281" name="Google Shape;281;p20"/>
+            <p:cNvPr id="287" name="Google Shape;287;p20"/>
             <p:cNvSpPr txBox="1"/>
             <p:nvPr/>
           </p:nvSpPr>
@@ -29782,7 +30261,7 @@
         </p:sp>
         <p:pic>
           <p:nvPicPr>
-            <p:cNvPr id="282" name="Google Shape;282;p20"/>
+            <p:cNvPr id="288" name="Google Shape;288;p20"/>
             <p:cNvPicPr preferRelativeResize="0"/>
             <p:nvPr/>
           </p:nvPicPr>
@@ -29810,7 +30289,7 @@
         </p:pic>
         <p:pic>
           <p:nvPicPr>
-            <p:cNvPr id="283" name="Google Shape;283;p20"/>
+            <p:cNvPr id="289" name="Google Shape;289;p20"/>
             <p:cNvPicPr preferRelativeResize="0"/>
             <p:nvPr/>
           </p:nvPicPr>
@@ -29839,7 +30318,7 @@
       </p:grpSp>
       <p:sp>
         <p:nvSpPr>
-          <p:cNvPr id="284" name="Google Shape;284;p20"/>
+          <p:cNvPr id="290" name="Google Shape;290;p20"/>
           <p:cNvSpPr txBox="1"/>
           <p:nvPr>
             <p:ph idx="12" type="sldNum"/>
@@ -29890,7 +30369,7 @@
   <p:cSld>
     <p:spTree>
       <p:nvGrpSpPr>
-        <p:cNvPr id="288" name="Shape 288"/>
+        <p:cNvPr id="294" name="Shape 294"/>
         <p:cNvGrpSpPr/>
         <p:nvPr/>
       </p:nvGrpSpPr>
@@ -29904,7 +30383,7 @@
       </p:grpSpPr>
       <p:sp>
         <p:nvSpPr>
-          <p:cNvPr id="289" name="Google Shape;289;p21"/>
+          <p:cNvPr id="295" name="Google Shape;295;p21"/>
           <p:cNvSpPr txBox="1"/>
           <p:nvPr/>
         </p:nvSpPr>
@@ -29946,28 +30425,28 @@
       </p:sp>
       <p:grpSp>
         <p:nvGrpSpPr>
-          <p:cNvPr id="290" name="Google Shape;290;p21"/>
+          <p:cNvPr id="296" name="Google Shape;296;p21"/>
           <p:cNvGrpSpPr/>
           <p:nvPr/>
         </p:nvGrpSpPr>
         <p:grpSpPr>
           <a:xfrm>
-            <a:off x="1939900" y="2864642"/>
-            <a:ext cx="9836200" cy="3414716"/>
-            <a:chOff x="1634675" y="2041185"/>
-            <a:chExt cx="9836200" cy="3414716"/>
+            <a:off x="2331775" y="2864642"/>
+            <a:ext cx="9444325" cy="3414716"/>
+            <a:chOff x="2026550" y="2041185"/>
+            <a:chExt cx="9444325" cy="3414716"/>
           </a:xfrm>
         </p:grpSpPr>
         <p:sp>
           <p:nvSpPr>
-            <p:cNvPr id="291" name="Google Shape;291;p21"/>
+            <p:cNvPr id="297" name="Google Shape;297;p21"/>
             <p:cNvSpPr/>
             <p:nvPr/>
           </p:nvSpPr>
           <p:spPr>
             <a:xfrm>
-              <a:off x="1634675" y="2167000"/>
-              <a:ext cx="4472700" cy="3288900"/>
+              <a:off x="2026550" y="2166993"/>
+              <a:ext cx="3614400" cy="3288900"/>
             </a:xfrm>
             <a:prstGeom prst="roundRect">
               <a:avLst>
@@ -30011,7 +30490,7 @@
         </p:sp>
         <p:sp>
           <p:nvSpPr>
-            <p:cNvPr id="292" name="Google Shape;292;p21"/>
+            <p:cNvPr id="298" name="Google Shape;298;p21"/>
             <p:cNvSpPr txBox="1"/>
             <p:nvPr/>
           </p:nvSpPr>
@@ -30056,7 +30535,7 @@
         </p:sp>
         <p:sp>
           <p:nvSpPr>
-            <p:cNvPr id="293" name="Google Shape;293;p21"/>
+            <p:cNvPr id="299" name="Google Shape;299;p21"/>
             <p:cNvSpPr txBox="1"/>
             <p:nvPr/>
           </p:nvSpPr>
@@ -30106,7 +30585,7 @@
         </p:sp>
         <p:sp>
           <p:nvSpPr>
-            <p:cNvPr id="294" name="Google Shape;294;p21"/>
+            <p:cNvPr id="300" name="Google Shape;300;p21"/>
             <p:cNvSpPr txBox="1"/>
             <p:nvPr/>
           </p:nvSpPr>
@@ -30156,7 +30635,7 @@
         </p:sp>
         <p:sp>
           <p:nvSpPr>
-            <p:cNvPr id="295" name="Google Shape;295;p21"/>
+            <p:cNvPr id="301" name="Google Shape;301;p21"/>
             <p:cNvSpPr txBox="1"/>
             <p:nvPr/>
           </p:nvSpPr>
@@ -30198,7 +30677,7 @@
         </p:sp>
         <p:sp>
           <p:nvSpPr>
-            <p:cNvPr id="296" name="Google Shape;296;p21"/>
+            <p:cNvPr id="302" name="Google Shape;302;p21"/>
             <p:cNvSpPr txBox="1"/>
             <p:nvPr/>
           </p:nvSpPr>
@@ -30240,7 +30719,7 @@
         </p:sp>
         <p:cxnSp>
           <p:nvCxnSpPr>
-            <p:cNvPr id="297" name="Google Shape;297;p21"/>
+            <p:cNvPr id="303" name="Google Shape;303;p21"/>
             <p:cNvCxnSpPr/>
             <p:nvPr/>
           </p:nvCxnSpPr>
@@ -30266,7 +30745,7 @@
         </p:cxnSp>
         <p:sp>
           <p:nvSpPr>
-            <p:cNvPr id="298" name="Google Shape;298;p21"/>
+            <p:cNvPr id="304" name="Google Shape;304;p21"/>
             <p:cNvSpPr txBox="1"/>
             <p:nvPr/>
           </p:nvSpPr>
@@ -30325,7 +30804,7 @@
         </p:sp>
         <p:sp>
           <p:nvSpPr>
-            <p:cNvPr id="299" name="Google Shape;299;p21"/>
+            <p:cNvPr id="305" name="Google Shape;305;p21"/>
             <p:cNvSpPr txBox="1"/>
             <p:nvPr/>
           </p:nvSpPr>
@@ -30367,7 +30846,7 @@
         </p:sp>
         <p:sp>
           <p:nvSpPr>
-            <p:cNvPr id="300" name="Google Shape;300;p21"/>
+            <p:cNvPr id="306" name="Google Shape;306;p21"/>
             <p:cNvSpPr txBox="1"/>
             <p:nvPr/>
           </p:nvSpPr>
@@ -30409,7 +30888,7 @@
         </p:sp>
         <p:pic>
           <p:nvPicPr>
-            <p:cNvPr id="301" name="Google Shape;301;p21"/>
+            <p:cNvPr id="307" name="Google Shape;307;p21"/>
             <p:cNvPicPr preferRelativeResize="0"/>
             <p:nvPr/>
           </p:nvPicPr>
@@ -30436,7 +30915,7 @@
         </p:pic>
         <p:pic>
           <p:nvPicPr>
-            <p:cNvPr id="302" name="Google Shape;302;p21"/>
+            <p:cNvPr id="308" name="Google Shape;308;p21"/>
             <p:cNvPicPr preferRelativeResize="0"/>
             <p:nvPr/>
           </p:nvPicPr>
@@ -30465,7 +30944,7 @@
       </p:grpSp>
       <p:sp>
         <p:nvSpPr>
-          <p:cNvPr id="303" name="Google Shape;303;p21"/>
+          <p:cNvPr id="309" name="Google Shape;309;p21"/>
           <p:cNvSpPr txBox="1"/>
           <p:nvPr>
             <p:ph idx="12" type="sldNum"/>
@@ -30512,6 +30991,285 @@
 </file>
 
 <file path=ppt/theme/theme1.xml><?xml version="1.0" encoding="utf-8"?>
+<a:theme xmlns:a="http://schemas.openxmlformats.org/drawingml/2006/main" xmlns:r="http://schemas.openxmlformats.org/officeDocument/2006/relationships">
+  <a:themeElements>
+    <a:clrScheme name="Default">
+      <a:dk1>
+        <a:srgbClr val="000000"/>
+      </a:dk1>
+      <a:lt1>
+        <a:srgbClr val="FFFFFF"/>
+      </a:lt1>
+      <a:dk2>
+        <a:srgbClr val="158158"/>
+      </a:dk2>
+      <a:lt2>
+        <a:srgbClr val="F3F3F3"/>
+      </a:lt2>
+      <a:accent1>
+        <a:srgbClr val="058DC7"/>
+      </a:accent1>
+      <a:accent2>
+        <a:srgbClr val="50B432"/>
+      </a:accent2>
+      <a:accent3>
+        <a:srgbClr val="ED561B"/>
+      </a:accent3>
+      <a:accent4>
+        <a:srgbClr val="EDEF00"/>
+      </a:accent4>
+      <a:accent5>
+        <a:srgbClr val="24CBE5"/>
+      </a:accent5>
+      <a:accent6>
+        <a:srgbClr val="64E572"/>
+      </a:accent6>
+      <a:hlink>
+        <a:srgbClr val="2200CC"/>
+      </a:hlink>
+      <a:folHlink>
+        <a:srgbClr val="551A8B"/>
+      </a:folHlink>
+    </a:clrScheme>
+    <a:fontScheme name="Office">
+      <a:majorFont>
+        <a:latin typeface="Arial"/>
+        <a:ea typeface=""/>
+        <a:cs typeface=""/>
+        <a:font script="Jpan" typeface="ＭＳ Ｐゴシック"/>
+        <a:font script="Hang" typeface="맑은 고딕"/>
+        <a:font script="Hans" typeface="宋体"/>
+        <a:font script="Hant" typeface="新細明體"/>
+        <a:font script="Arab" typeface="Times New Roman"/>
+        <a:font script="Hebr" typeface="Times New Roman"/>
+        <a:font script="Thai" typeface="Angsana New"/>
+        <a:font script="Ethi" typeface="Nyala"/>
+        <a:font script="Beng" typeface="Vrinda"/>
+        <a:font script="Gujr" typeface="Shruti"/>
+        <a:font script="Khmr" typeface="MoolBoran"/>
+        <a:font script="Knda" typeface="Tunga"/>
+        <a:font script="Guru" typeface="Raavi"/>
+        <a:font script="Cans" typeface="Euphemia"/>
+        <a:font script="Cher" typeface="Plantagenet Cherokee"/>
+        <a:font script="Yiii" typeface="Microsoft Yi Baiti"/>
+        <a:font script="Tibt" typeface="Microsoft Himalaya"/>
+        <a:font script="Thaa" typeface="MV Boli"/>
+        <a:font script="Deva" typeface="Mangal"/>
+        <a:font script="Telu" typeface="Gautami"/>
+        <a:font script="Taml" typeface="Latha"/>
+        <a:font script="Syrc" typeface="Estrangelo Edessa"/>
+        <a:font script="Orya" typeface="Kalinga"/>
+        <a:font script="Mlym" typeface="Kartika"/>
+        <a:font script="Laoo" typeface="DokChampa"/>
+        <a:font script="Sinh" typeface="Iskoola Pota"/>
+        <a:font script="Mong" typeface="Mongolian Baiti"/>
+        <a:font script="Viet" typeface="Times New Roman"/>
+        <a:font script="Uigh" typeface="Microsoft Uighur"/>
+        <a:font script="Geor" typeface="Sylfaen"/>
+      </a:majorFont>
+      <a:minorFont>
+        <a:latin typeface="Arial"/>
+        <a:ea typeface=""/>
+        <a:cs typeface=""/>
+        <a:font script="Jpan" typeface="ＭＳ Ｐゴシック"/>
+        <a:font script="Hang" typeface="맑은 고딕"/>
+        <a:font script="Hans" typeface="宋体"/>
+        <a:font script="Hant" typeface="新細明體"/>
+        <a:font script="Arab" typeface="Arial"/>
+        <a:font script="Hebr" typeface="Arial"/>
+        <a:font script="Thai" typeface="Cordia New"/>
+        <a:font script="Ethi" typeface="Nyala"/>
+        <a:font script="Beng" typeface="Vrinda"/>
+        <a:font script="Gujr" typeface="Shruti"/>
+        <a:font script="Khmr" typeface="DaunPenh"/>
+        <a:font script="Knda" typeface="Tunga"/>
+        <a:font script="Guru" typeface="Raavi"/>
+        <a:font script="Cans" typeface="Euphemia"/>
+        <a:font script="Cher" typeface="Plantagenet Cherokee"/>
+        <a:font script="Yiii" typeface="Microsoft Yi Baiti"/>
+        <a:font script="Tibt" typeface="Microsoft Himalaya"/>
+        <a:font script="Thaa" typeface="MV Boli"/>
+        <a:font script="Deva" typeface="Mangal"/>
+        <a:font script="Telu" typeface="Gautami"/>
+        <a:font script="Taml" typeface="Latha"/>
+        <a:font script="Syrc" typeface="Estrangelo Edessa"/>
+        <a:font script="Orya" typeface="Kalinga"/>
+        <a:font script="Mlym" typeface="Kartika"/>
+        <a:font script="Laoo" typeface="DokChampa"/>
+        <a:font script="Sinh" typeface="Iskoola Pota"/>
+        <a:font script="Mong" typeface="Mongolian Baiti"/>
+        <a:font script="Viet" typeface="Arial"/>
+        <a:font script="Uigh" typeface="Microsoft Uighur"/>
+        <a:font script="Geor" typeface="Sylfaen"/>
+      </a:minorFont>
+    </a:fontScheme>
+    <a:fmtScheme name="Office">
+      <a:fillStyleLst>
+        <a:solidFill>
+          <a:schemeClr val="phClr"/>
+        </a:solidFill>
+        <a:gradFill rotWithShape="1">
+          <a:gsLst>
+            <a:gs pos="0">
+              <a:schemeClr val="phClr">
+                <a:tint val="50000"/>
+                <a:satMod val="300000"/>
+              </a:schemeClr>
+            </a:gs>
+            <a:gs pos="35000">
+              <a:schemeClr val="phClr">
+                <a:tint val="37000"/>
+                <a:satMod val="300000"/>
+              </a:schemeClr>
+            </a:gs>
+            <a:gs pos="100000">
+              <a:schemeClr val="phClr">
+                <a:tint val="15000"/>
+                <a:satMod val="350000"/>
+              </a:schemeClr>
+            </a:gs>
+          </a:gsLst>
+          <a:lin ang="16200000" scaled="1"/>
+        </a:gradFill>
+        <a:gradFill rotWithShape="1">
+          <a:gsLst>
+            <a:gs pos="0">
+              <a:schemeClr val="phClr">
+                <a:tint val="100000"/>
+                <a:shade val="100000"/>
+                <a:satMod val="130000"/>
+              </a:schemeClr>
+            </a:gs>
+            <a:gs pos="100000">
+              <a:schemeClr val="phClr">
+                <a:tint val="50000"/>
+                <a:shade val="100000"/>
+                <a:satMod val="350000"/>
+              </a:schemeClr>
+            </a:gs>
+          </a:gsLst>
+          <a:lin ang="16200000" scaled="0"/>
+        </a:gradFill>
+      </a:fillStyleLst>
+      <a:lnStyleLst>
+        <a:ln w="9525" cap="flat" cmpd="sng" algn="ctr">
+          <a:solidFill>
+            <a:schemeClr val="phClr">
+              <a:shade val="95000"/>
+              <a:satMod val="105000"/>
+            </a:schemeClr>
+          </a:solidFill>
+          <a:prstDash val="solid"/>
+        </a:ln>
+        <a:ln w="25400" cap="flat" cmpd="sng" algn="ctr">
+          <a:solidFill>
+            <a:schemeClr val="phClr"/>
+          </a:solidFill>
+          <a:prstDash val="solid"/>
+        </a:ln>
+        <a:ln w="38100" cap="flat" cmpd="sng" algn="ctr">
+          <a:solidFill>
+            <a:schemeClr val="phClr"/>
+          </a:solidFill>
+          <a:prstDash val="solid"/>
+        </a:ln>
+      </a:lnStyleLst>
+      <a:effectStyleLst>
+        <a:effectStyle>
+          <a:effectLst>
+            <a:outerShdw blurRad="40000" dist="20000" dir="5400000" rotWithShape="0">
+              <a:srgbClr val="000000">
+                <a:alpha val="38000"/>
+              </a:srgbClr>
+            </a:outerShdw>
+          </a:effectLst>
+        </a:effectStyle>
+        <a:effectStyle>
+          <a:effectLst>
+            <a:outerShdw blurRad="40000" dist="23000" dir="5400000" rotWithShape="0">
+              <a:srgbClr val="000000">
+                <a:alpha val="35000"/>
+              </a:srgbClr>
+            </a:outerShdw>
+          </a:effectLst>
+        </a:effectStyle>
+        <a:effectStyle>
+          <a:effectLst>
+            <a:outerShdw blurRad="40000" dist="23000" dir="5400000" rotWithShape="0">
+              <a:srgbClr val="000000">
+                <a:alpha val="35000"/>
+              </a:srgbClr>
+            </a:outerShdw>
+          </a:effectLst>
+          <a:scene3d>
+            <a:camera prst="orthographicFront">
+              <a:rot lat="0" lon="0" rev="0"/>
+            </a:camera>
+            <a:lightRig rig="threePt" dir="t">
+              <a:rot lat="0" lon="0" rev="1200000"/>
+            </a:lightRig>
+          </a:scene3d>
+          <a:sp3d>
+            <a:bevelT w="63500" h="25400"/>
+          </a:sp3d>
+        </a:effectStyle>
+      </a:effectStyleLst>
+      <a:bgFillStyleLst>
+        <a:solidFill>
+          <a:schemeClr val="phClr"/>
+        </a:solidFill>
+        <a:gradFill rotWithShape="1">
+          <a:gsLst>
+            <a:gs pos="0">
+              <a:schemeClr val="phClr">
+                <a:tint val="40000"/>
+                <a:satMod val="350000"/>
+              </a:schemeClr>
+            </a:gs>
+            <a:gs pos="40000">
+              <a:schemeClr val="phClr">
+                <a:tint val="45000"/>
+                <a:shade val="99000"/>
+                <a:satMod val="350000"/>
+              </a:schemeClr>
+            </a:gs>
+            <a:gs pos="100000">
+              <a:schemeClr val="phClr">
+                <a:shade val="20000"/>
+                <a:satMod val="255000"/>
+              </a:schemeClr>
+            </a:gs>
+          </a:gsLst>
+          <a:path path="circle">
+            <a:fillToRect l="50000" t="-80000" r="50000" b="180000"/>
+          </a:path>
+        </a:gradFill>
+        <a:gradFill rotWithShape="1">
+          <a:gsLst>
+            <a:gs pos="0">
+              <a:schemeClr val="phClr">
+                <a:tint val="80000"/>
+                <a:satMod val="300000"/>
+              </a:schemeClr>
+            </a:gs>
+            <a:gs pos="100000">
+              <a:schemeClr val="phClr">
+                <a:shade val="30000"/>
+                <a:satMod val="200000"/>
+              </a:schemeClr>
+            </a:gs>
+          </a:gsLst>
+          <a:path path="circle">
+            <a:fillToRect l="50000" t="50000" r="50000" b="50000"/>
+          </a:path>
+        </a:gradFill>
+      </a:bgFillStyleLst>
+    </a:fmtScheme>
+  </a:themeElements>
+</a:theme>
+</file>
+
+<file path=ppt/theme/theme2.xml><?xml version="1.0" encoding="utf-8"?>
 <a:theme xmlns:a="http://schemas.openxmlformats.org/drawingml/2006/main" xmlns:r="http://schemas.openxmlformats.org/officeDocument/2006/relationships" name="Simple Light">
   <a:themeElements>
     <a:clrScheme name="Simple Light">
@@ -30788,283 +31546,4 @@
     </a:fmtScheme>
   </a:themeElements>
 </a:theme>
-</file>
-
-<file path=ppt/theme/theme2.xml><?xml version="1.0" encoding="utf-8"?>
-<a:theme xmlns:a="http://schemas.openxmlformats.org/drawingml/2006/main" xmlns:r="http://schemas.openxmlformats.org/officeDocument/2006/relationships">
-  <a:themeElements>
-    <a:clrScheme name="Default">
-      <a:dk1>
-        <a:srgbClr val="000000"/>
-      </a:dk1>
-      <a:lt1>
-        <a:srgbClr val="FFFFFF"/>
-      </a:lt1>
-      <a:dk2>
-        <a:srgbClr val="158158"/>
-      </a:dk2>
-      <a:lt2>
-        <a:srgbClr val="F3F3F3"/>
-      </a:lt2>
-      <a:accent1>
-        <a:srgbClr val="058DC7"/>
-      </a:accent1>
-      <a:accent2>
-        <a:srgbClr val="50B432"/>
-      </a:accent2>
-      <a:accent3>
-        <a:srgbClr val="ED561B"/>
-      </a:accent3>
-      <a:accent4>
-        <a:srgbClr val="EDEF00"/>
-      </a:accent4>
-      <a:accent5>
-        <a:srgbClr val="24CBE5"/>
-      </a:accent5>
-      <a:accent6>
-        <a:srgbClr val="64E572"/>
-      </a:accent6>
-      <a:hlink>
-        <a:srgbClr val="2200CC"/>
-      </a:hlink>
-      <a:folHlink>
-        <a:srgbClr val="551A8B"/>
-      </a:folHlink>
-    </a:clrScheme>
-    <a:fontScheme name="Office">
-      <a:majorFont>
-        <a:latin typeface="Arial"/>
-        <a:ea typeface=""/>
-        <a:cs typeface=""/>
-        <a:font script="Jpan" typeface="ＭＳ Ｐゴシック"/>
-        <a:font script="Hang" typeface="맑은 고딕"/>
-        <a:font script="Hans" typeface="宋体"/>
-        <a:font script="Hant" typeface="新細明體"/>
-        <a:font script="Arab" typeface="Times New Roman"/>
-        <a:font script="Hebr" typeface="Times New Roman"/>
-        <a:font script="Thai" typeface="Angsana New"/>
-        <a:font script="Ethi" typeface="Nyala"/>
-        <a:font script="Beng" typeface="Vrinda"/>
-        <a:font script="Gujr" typeface="Shruti"/>
-        <a:font script="Khmr" typeface="MoolBoran"/>
-        <a:font script="Knda" typeface="Tunga"/>
-        <a:font script="Guru" typeface="Raavi"/>
-        <a:font script="Cans" typeface="Euphemia"/>
-        <a:font script="Cher" typeface="Plantagenet Cherokee"/>
-        <a:font script="Yiii" typeface="Microsoft Yi Baiti"/>
-        <a:font script="Tibt" typeface="Microsoft Himalaya"/>
-        <a:font script="Thaa" typeface="MV Boli"/>
-        <a:font script="Deva" typeface="Mangal"/>
-        <a:font script="Telu" typeface="Gautami"/>
-        <a:font script="Taml" typeface="Latha"/>
-        <a:font script="Syrc" typeface="Estrangelo Edessa"/>
-        <a:font script="Orya" typeface="Kalinga"/>
-        <a:font script="Mlym" typeface="Kartika"/>
-        <a:font script="Laoo" typeface="DokChampa"/>
-        <a:font script="Sinh" typeface="Iskoola Pota"/>
-        <a:font script="Mong" typeface="Mongolian Baiti"/>
-        <a:font script="Viet" typeface="Times New Roman"/>
-        <a:font script="Uigh" typeface="Microsoft Uighur"/>
-        <a:font script="Geor" typeface="Sylfaen"/>
-      </a:majorFont>
-      <a:minorFont>
-        <a:latin typeface="Arial"/>
-        <a:ea typeface=""/>
-        <a:cs typeface=""/>
-        <a:font script="Jpan" typeface="ＭＳ Ｐゴシック"/>
-        <a:font script="Hang" typeface="맑은 고딕"/>
-        <a:font script="Hans" typeface="宋体"/>
-        <a:font script="Hant" typeface="新細明體"/>
-        <a:font script="Arab" typeface="Arial"/>
-        <a:font script="Hebr" typeface="Arial"/>
-        <a:font script="Thai" typeface="Cordia New"/>
-        <a:font script="Ethi" typeface="Nyala"/>
-        <a:font script="Beng" typeface="Vrinda"/>
-        <a:font script="Gujr" typeface="Shruti"/>
-        <a:font script="Khmr" typeface="DaunPenh"/>
-        <a:font script="Knda" typeface="Tunga"/>
-        <a:font script="Guru" typeface="Raavi"/>
-        <a:font script="Cans" typeface="Euphemia"/>
-        <a:font script="Cher" typeface="Plantagenet Cherokee"/>
-        <a:font script="Yiii" typeface="Microsoft Yi Baiti"/>
-        <a:font script="Tibt" typeface="Microsoft Himalaya"/>
-        <a:font script="Thaa" typeface="MV Boli"/>
-        <a:font script="Deva" typeface="Mangal"/>
-        <a:font script="Telu" typeface="Gautami"/>
-        <a:font script="Taml" typeface="Latha"/>
-        <a:font script="Syrc" typeface="Estrangelo Edessa"/>
-        <a:font script="Orya" typeface="Kalinga"/>
-        <a:font script="Mlym" typeface="Kartika"/>
-        <a:font script="Laoo" typeface="DokChampa"/>
-        <a:font script="Sinh" typeface="Iskoola Pota"/>
-        <a:font script="Mong" typeface="Mongolian Baiti"/>
-        <a:font script="Viet" typeface="Arial"/>
-        <a:font script="Uigh" typeface="Microsoft Uighur"/>
-        <a:font script="Geor" typeface="Sylfaen"/>
-      </a:minorFont>
-    </a:fontScheme>
-    <a:fmtScheme name="Office">
-      <a:fillStyleLst>
-        <a:solidFill>
-          <a:schemeClr val="phClr"/>
-        </a:solidFill>
-        <a:gradFill rotWithShape="1">
-          <a:gsLst>
-            <a:gs pos="0">
-              <a:schemeClr val="phClr">
-                <a:tint val="50000"/>
-                <a:satMod val="300000"/>
-              </a:schemeClr>
-            </a:gs>
-            <a:gs pos="35000">
-              <a:schemeClr val="phClr">
-                <a:tint val="37000"/>
-                <a:satMod val="300000"/>
-              </a:schemeClr>
-            </a:gs>
-            <a:gs pos="100000">
-              <a:schemeClr val="phClr">
-                <a:tint val="15000"/>
-                <a:satMod val="350000"/>
-              </a:schemeClr>
-            </a:gs>
-          </a:gsLst>
-          <a:lin ang="16200000" scaled="1"/>
-        </a:gradFill>
-        <a:gradFill rotWithShape="1">
-          <a:gsLst>
-            <a:gs pos="0">
-              <a:schemeClr val="phClr">
-                <a:tint val="100000"/>
-                <a:shade val="100000"/>
-                <a:satMod val="130000"/>
-              </a:schemeClr>
-            </a:gs>
-            <a:gs pos="100000">
-              <a:schemeClr val="phClr">
-                <a:tint val="50000"/>
-                <a:shade val="100000"/>
-                <a:satMod val="350000"/>
-              </a:schemeClr>
-            </a:gs>
-          </a:gsLst>
-          <a:lin ang="16200000" scaled="0"/>
-        </a:gradFill>
-      </a:fillStyleLst>
-      <a:lnStyleLst>
-        <a:ln w="9525" cap="flat" cmpd="sng" algn="ctr">
-          <a:solidFill>
-            <a:schemeClr val="phClr">
-              <a:shade val="95000"/>
-              <a:satMod val="105000"/>
-            </a:schemeClr>
-          </a:solidFill>
-          <a:prstDash val="solid"/>
-        </a:ln>
-        <a:ln w="25400" cap="flat" cmpd="sng" algn="ctr">
-          <a:solidFill>
-            <a:schemeClr val="phClr"/>
-          </a:solidFill>
-          <a:prstDash val="solid"/>
-        </a:ln>
-        <a:ln w="38100" cap="flat" cmpd="sng" algn="ctr">
-          <a:solidFill>
-            <a:schemeClr val="phClr"/>
-          </a:solidFill>
-          <a:prstDash val="solid"/>
-        </a:ln>
-      </a:lnStyleLst>
-      <a:effectStyleLst>
-        <a:effectStyle>
-          <a:effectLst>
-            <a:outerShdw blurRad="40000" dist="20000" dir="5400000" rotWithShape="0">
-              <a:srgbClr val="000000">
-                <a:alpha val="38000"/>
-              </a:srgbClr>
-            </a:outerShdw>
-          </a:effectLst>
-        </a:effectStyle>
-        <a:effectStyle>
-          <a:effectLst>
-            <a:outerShdw blurRad="40000" dist="23000" dir="5400000" rotWithShape="0">
-              <a:srgbClr val="000000">
-                <a:alpha val="35000"/>
-              </a:srgbClr>
-            </a:outerShdw>
-          </a:effectLst>
-        </a:effectStyle>
-        <a:effectStyle>
-          <a:effectLst>
-            <a:outerShdw blurRad="40000" dist="23000" dir="5400000" rotWithShape="0">
-              <a:srgbClr val="000000">
-                <a:alpha val="35000"/>
-              </a:srgbClr>
-            </a:outerShdw>
-          </a:effectLst>
-          <a:scene3d>
-            <a:camera prst="orthographicFront">
-              <a:rot lat="0" lon="0" rev="0"/>
-            </a:camera>
-            <a:lightRig rig="threePt" dir="t">
-              <a:rot lat="0" lon="0" rev="1200000"/>
-            </a:lightRig>
-          </a:scene3d>
-          <a:sp3d>
-            <a:bevelT w="63500" h="25400"/>
-          </a:sp3d>
-        </a:effectStyle>
-      </a:effectStyleLst>
-      <a:bgFillStyleLst>
-        <a:solidFill>
-          <a:schemeClr val="phClr"/>
-        </a:solidFill>
-        <a:gradFill rotWithShape="1">
-          <a:gsLst>
-            <a:gs pos="0">
-              <a:schemeClr val="phClr">
-                <a:tint val="40000"/>
-                <a:satMod val="350000"/>
-              </a:schemeClr>
-            </a:gs>
-            <a:gs pos="40000">
-              <a:schemeClr val="phClr">
-                <a:tint val="45000"/>
-                <a:shade val="99000"/>
-                <a:satMod val="350000"/>
-              </a:schemeClr>
-            </a:gs>
-            <a:gs pos="100000">
-              <a:schemeClr val="phClr">
-                <a:shade val="20000"/>
-                <a:satMod val="255000"/>
-              </a:schemeClr>
-            </a:gs>
-          </a:gsLst>
-          <a:path path="circle">
-            <a:fillToRect l="50000" t="-80000" r="50000" b="180000"/>
-          </a:path>
-        </a:gradFill>
-        <a:gradFill rotWithShape="1">
-          <a:gsLst>
-            <a:gs pos="0">
-              <a:schemeClr val="phClr">
-                <a:tint val="80000"/>
-                <a:satMod val="300000"/>
-              </a:schemeClr>
-            </a:gs>
-            <a:gs pos="100000">
-              <a:schemeClr val="phClr">
-                <a:shade val="30000"/>
-                <a:satMod val="200000"/>
-              </a:schemeClr>
-            </a:gs>
-          </a:gsLst>
-          <a:path path="circle">
-            <a:fillToRect l="50000" t="50000" r="50000" b="50000"/>
-          </a:path>
-        </a:gradFill>
-      </a:bgFillStyleLst>
-    </a:fmtScheme>
-  </a:themeElements>
-</a:theme>
 </file>